--- a/doc/外部設計_プレゼン.pptx
+++ b/doc/外部設計_プレゼン.pptx
@@ -121,6 +121,11 @@
       </a:defRPr>
     </a:lvl9pPr>
   </p:defaultTextStyle>
+  <p:extLst>
+    <p:ext uri="{EFAFB233-063F-42B5-8137-9DF3F51BA10A}">
+      <p15:sldGuideLst xmlns:p15="http://schemas.microsoft.com/office/powerpoint/2012/main"/>
+    </p:ext>
+  </p:extLst>
 </p:presentation>
 </file>
 
@@ -759,7 +764,18 @@
           <a:bodyPr/>
           <a:lstStyle/>
           <a:p>
-            <a:endParaRPr kumimoji="1" lang="ja-JP" altLang="en-US" dirty="0"/>
+            <a:r>
+              <a:rPr kumimoji="1" lang="ja-JP" altLang="en-US" dirty="0"/>
+              <a:t>一日に一度（朝</a:t>
+            </a:r>
+            <a:r>
+              <a:rPr kumimoji="1" lang="en-US" altLang="ja-JP" dirty="0"/>
+              <a:t>6</a:t>
+            </a:r>
+            <a:r>
+              <a:rPr kumimoji="1" lang="ja-JP" altLang="en-US" dirty="0"/>
+              <a:t>時？）</a:t>
+            </a:r>
           </a:p>
         </p:txBody>
       </p:sp>
@@ -778,9 +794,9 @@
           <a:bodyPr/>
           <a:lstStyle/>
           <a:p>
-            <a:fld id="{F2A76798-7F2D-4370-A5AA-078C9C4951A4}" type="slidenum">
+            <a:fld id="{A6687428-B07B-4FC6-9641-08347F94860E}" type="slidenum">
               <a:rPr kumimoji="1" lang="ja-JP" altLang="en-US" smtClean="0"/>
-              <a:t>6</a:t>
+              <a:t>5</a:t>
             </a:fld>
             <a:endParaRPr kumimoji="1" lang="ja-JP" altLang="en-US"/>
           </a:p>
@@ -789,7 +805,7 @@
     </p:spTree>
     <p:extLst>
       <p:ext uri="{BB962C8B-B14F-4D97-AF65-F5344CB8AC3E}">
-        <p14:creationId xmlns:p14="http://schemas.microsoft.com/office/powerpoint/2010/main" val="981076378"/>
+        <p14:creationId xmlns:p14="http://schemas.microsoft.com/office/powerpoint/2010/main" val="3156528751"/>
       </p:ext>
     </p:extLst>
   </p:cSld>
@@ -862,9 +878,9 @@
           <a:bodyPr/>
           <a:lstStyle/>
           <a:p>
-            <a:fld id="{CCE20950-8800-42C4-9183-483CF89155BA}" type="slidenum">
+            <a:fld id="{F2A76798-7F2D-4370-A5AA-078C9C4951A4}" type="slidenum">
               <a:rPr kumimoji="1" lang="ja-JP" altLang="en-US" smtClean="0"/>
-              <a:t>11</a:t>
+              <a:t>6</a:t>
             </a:fld>
             <a:endParaRPr kumimoji="1" lang="ja-JP" altLang="en-US"/>
           </a:p>
@@ -873,7 +889,7 @@
     </p:spTree>
     <p:extLst>
       <p:ext uri="{BB962C8B-B14F-4D97-AF65-F5344CB8AC3E}">
-        <p14:creationId xmlns:p14="http://schemas.microsoft.com/office/powerpoint/2010/main" val="3278802284"/>
+        <p14:creationId xmlns:p14="http://schemas.microsoft.com/office/powerpoint/2010/main" val="981076378"/>
       </p:ext>
     </p:extLst>
   </p:cSld>
@@ -927,31 +943,7 @@
           <a:bodyPr/>
           <a:lstStyle/>
           <a:p>
-            <a:r>
-              <a:rPr kumimoji="1" lang="ja-JP" altLang="en-US" dirty="0"/>
-              <a:t>ポップアップ時の表示　編集と削除ボタンはスクロールされず、下に固定されている。</a:t>
-            </a:r>
-            <a:endParaRPr kumimoji="1" lang="en-US" altLang="ja-JP" dirty="0"/>
-          </a:p>
-          <a:p>
-            <a:r>
-              <a:rPr kumimoji="1" lang="ja-JP" altLang="en-US" dirty="0"/>
-              <a:t>削除ボタンは　項目をすべて削除してしまう</a:t>
-            </a:r>
-            <a:endParaRPr kumimoji="1" lang="en-US" altLang="ja-JP" dirty="0"/>
-          </a:p>
-          <a:p>
-            <a:r>
-              <a:rPr kumimoji="1" lang="ja-JP" altLang="en-US" dirty="0"/>
-              <a:t>編集をボタンを押すと、編集画面に遷移する。編集画面ではすべての項目（商品名・容量・値段・使用開始日・使用終了日・備考）の編集ができ、各項目にリセット（消去）ボタンがついている。</a:t>
-            </a:r>
-            <a:endParaRPr kumimoji="1" lang="en-US" altLang="ja-JP" dirty="0"/>
-          </a:p>
-          <a:p>
-            <a:r>
-              <a:rPr kumimoji="1" lang="ja-JP" altLang="en-US" dirty="0"/>
-              <a:t>過去の履歴はスクロールで表示するのか、スライド（ページ）を切り替えるか後で判断。</a:t>
-            </a:r>
+            <a:endParaRPr kumimoji="1" lang="ja-JP" altLang="en-US" dirty="0"/>
           </a:p>
         </p:txBody>
       </p:sp>
@@ -972,6 +964,114 @@
           <a:p>
             <a:fld id="{CCE20950-8800-42C4-9183-483CF89155BA}" type="slidenum">
               <a:rPr kumimoji="1" lang="ja-JP" altLang="en-US" smtClean="0"/>
+              <a:t>11</a:t>
+            </a:fld>
+            <a:endParaRPr kumimoji="1" lang="ja-JP" altLang="en-US"/>
+          </a:p>
+        </p:txBody>
+      </p:sp>
+    </p:spTree>
+    <p:extLst>
+      <p:ext uri="{BB962C8B-B14F-4D97-AF65-F5344CB8AC3E}">
+        <p14:creationId xmlns:p14="http://schemas.microsoft.com/office/powerpoint/2010/main" val="3278802284"/>
+      </p:ext>
+    </p:extLst>
+  </p:cSld>
+  <p:clrMapOvr>
+    <a:masterClrMapping/>
+  </p:clrMapOvr>
+</p:notes>
+</file>
+
+<file path=ppt/notesSlides/notesSlide6.xml><?xml version="1.0" encoding="utf-8"?>
+<p:notes xmlns:a="http://schemas.openxmlformats.org/drawingml/2006/main" xmlns:r="http://schemas.openxmlformats.org/officeDocument/2006/relationships" xmlns:p="http://schemas.openxmlformats.org/presentationml/2006/main">
+  <p:cSld>
+    <p:spTree>
+      <p:nvGrpSpPr>
+        <p:cNvPr id="1" name=""/>
+        <p:cNvGrpSpPr/>
+        <p:nvPr/>
+      </p:nvGrpSpPr>
+      <p:grpSpPr>
+        <a:xfrm>
+          <a:off x="0" y="0"/>
+          <a:ext cx="0" cy="0"/>
+          <a:chOff x="0" y="0"/>
+          <a:chExt cx="0" cy="0"/>
+        </a:xfrm>
+      </p:grpSpPr>
+      <p:sp>
+        <p:nvSpPr>
+          <p:cNvPr id="2" name="スライド イメージ プレースホルダー 1"/>
+          <p:cNvSpPr>
+            <a:spLocks noGrp="1" noRot="1" noChangeAspect="1"/>
+          </p:cNvSpPr>
+          <p:nvPr>
+            <p:ph type="sldImg"/>
+          </p:nvPr>
+        </p:nvSpPr>
+        <p:spPr/>
+      </p:sp>
+      <p:sp>
+        <p:nvSpPr>
+          <p:cNvPr id="3" name="ノート プレースホルダー 2"/>
+          <p:cNvSpPr>
+            <a:spLocks noGrp="1"/>
+          </p:cNvSpPr>
+          <p:nvPr>
+            <p:ph type="body" idx="1"/>
+          </p:nvPr>
+        </p:nvSpPr>
+        <p:spPr/>
+        <p:txBody>
+          <a:bodyPr/>
+          <a:lstStyle/>
+          <a:p>
+            <a:r>
+              <a:rPr kumimoji="1" lang="ja-JP" altLang="en-US" dirty="0"/>
+              <a:t>ポップアップ時の表示　編集と削除ボタンはスクロールされず、下に固定されている。</a:t>
+            </a:r>
+            <a:endParaRPr kumimoji="1" lang="en-US" altLang="ja-JP" dirty="0"/>
+          </a:p>
+          <a:p>
+            <a:r>
+              <a:rPr kumimoji="1" lang="ja-JP" altLang="en-US" dirty="0"/>
+              <a:t>削除ボタンは　項目をすべて削除してしまう</a:t>
+            </a:r>
+            <a:endParaRPr kumimoji="1" lang="en-US" altLang="ja-JP" dirty="0"/>
+          </a:p>
+          <a:p>
+            <a:r>
+              <a:rPr kumimoji="1" lang="ja-JP" altLang="en-US" dirty="0"/>
+              <a:t>編集をボタンを押すと、編集画面に遷移する。編集画面ではすべての項目（商品名・容量・値段・使用開始日・使用終了日・備考）の編集ができ、各項目にリセット（消去）ボタンがついている。</a:t>
+            </a:r>
+            <a:endParaRPr kumimoji="1" lang="en-US" altLang="ja-JP" dirty="0"/>
+          </a:p>
+          <a:p>
+            <a:r>
+              <a:rPr kumimoji="1" lang="ja-JP" altLang="en-US" dirty="0"/>
+              <a:t>過去の履歴はスクロールで表示するのか、スライド（ページ）を切り替えるか後で判断。</a:t>
+            </a:r>
+          </a:p>
+        </p:txBody>
+      </p:sp>
+      <p:sp>
+        <p:nvSpPr>
+          <p:cNvPr id="4" name="スライド番号プレースホルダー 3"/>
+          <p:cNvSpPr>
+            <a:spLocks noGrp="1"/>
+          </p:cNvSpPr>
+          <p:nvPr>
+            <p:ph type="sldNum" sz="quarter" idx="5"/>
+          </p:nvPr>
+        </p:nvSpPr>
+        <p:spPr/>
+        <p:txBody>
+          <a:bodyPr/>
+          <a:lstStyle/>
+          <a:p>
+            <a:fld id="{CCE20950-8800-42C4-9183-483CF89155BA}" type="slidenum">
+              <a:rPr kumimoji="1" lang="ja-JP" altLang="en-US" smtClean="0"/>
               <a:t>12</a:t>
             </a:fld>
             <a:endParaRPr kumimoji="1" lang="ja-JP" altLang="en-US"/>
@@ -991,7 +1091,7 @@
 </p:notes>
 </file>
 
-<file path=ppt/notesSlides/notesSlide6.xml><?xml version="1.0" encoding="utf-8"?>
+<file path=ppt/notesSlides/notesSlide7.xml><?xml version="1.0" encoding="utf-8"?>
 <p:notes xmlns:a="http://schemas.openxmlformats.org/drawingml/2006/main" xmlns:r="http://schemas.openxmlformats.org/officeDocument/2006/relationships" xmlns:p="http://schemas.openxmlformats.org/presentationml/2006/main">
   <p:cSld>
     <p:spTree>
@@ -4645,7 +4745,7 @@
         <p:spPr>
           <a:xfrm>
             <a:off x="291897" y="132735"/>
-            <a:ext cx="10264877" cy="6592529"/>
+            <a:ext cx="11723122" cy="6592529"/>
           </a:xfrm>
           <a:prstGeom prst="rect">
             <a:avLst/>
@@ -5366,241 +5466,6 @@
       </p:graphicFrame>
       <p:sp>
         <p:nvSpPr>
-          <p:cNvPr id="5" name="四角形: 角を丸くする 4">
-            <a:extLst>
-              <a:ext uri="{FF2B5EF4-FFF2-40B4-BE49-F238E27FC236}">
-                <a16:creationId xmlns:a16="http://schemas.microsoft.com/office/drawing/2014/main" id="{B9BB2A9D-51CB-4586-9EB4-2FF3059952F3}"/>
-              </a:ext>
-            </a:extLst>
-          </p:cNvPr>
-          <p:cNvSpPr/>
-          <p:nvPr/>
-        </p:nvSpPr>
-        <p:spPr>
-          <a:xfrm>
-            <a:off x="8888244" y="373141"/>
-            <a:ext cx="1504335" cy="589935"/>
-          </a:xfrm>
-          <a:prstGeom prst="roundRect">
-            <a:avLst/>
-          </a:prstGeom>
-          <a:solidFill>
-            <a:schemeClr val="bg2">
-              <a:lumMod val="90000"/>
-            </a:schemeClr>
-          </a:solidFill>
-        </p:spPr>
-        <p:style>
-          <a:lnRef idx="2">
-            <a:schemeClr val="accent1">
-              <a:shade val="50000"/>
-            </a:schemeClr>
-          </a:lnRef>
-          <a:fillRef idx="1">
-            <a:schemeClr val="accent1"/>
-          </a:fillRef>
-          <a:effectRef idx="0">
-            <a:schemeClr val="accent1"/>
-          </a:effectRef>
-          <a:fontRef idx="minor">
-            <a:schemeClr val="lt1"/>
-          </a:fontRef>
-        </p:style>
-        <p:txBody>
-          <a:bodyPr rtlCol="0" anchor="ctr"/>
-          <a:lstStyle/>
-          <a:p>
-            <a:pPr algn="ctr"/>
-            <a:r>
-              <a:rPr kumimoji="1" lang="ja-JP" altLang="en-US" dirty="0"/>
-              <a:t>ログアウト</a:t>
-            </a:r>
-          </a:p>
-        </p:txBody>
-      </p:sp>
-      <p:sp>
-        <p:nvSpPr>
-          <p:cNvPr id="8" name="四角形: 角を丸くする 7">
-            <a:extLst>
-              <a:ext uri="{FF2B5EF4-FFF2-40B4-BE49-F238E27FC236}">
-                <a16:creationId xmlns:a16="http://schemas.microsoft.com/office/drawing/2014/main" id="{3F47BE78-48F3-4196-941E-47031CAE4C6F}"/>
-              </a:ext>
-            </a:extLst>
-          </p:cNvPr>
-          <p:cNvSpPr/>
-          <p:nvPr/>
-        </p:nvSpPr>
-        <p:spPr>
-          <a:xfrm>
-            <a:off x="5304503" y="1238865"/>
-            <a:ext cx="1582994" cy="481780"/>
-          </a:xfrm>
-          <a:prstGeom prst="roundRect">
-            <a:avLst/>
-          </a:prstGeom>
-          <a:solidFill>
-            <a:schemeClr val="bg1"/>
-          </a:solidFill>
-        </p:spPr>
-        <p:style>
-          <a:lnRef idx="2">
-            <a:schemeClr val="accent1">
-              <a:shade val="50000"/>
-            </a:schemeClr>
-          </a:lnRef>
-          <a:fillRef idx="1">
-            <a:schemeClr val="accent1"/>
-          </a:fillRef>
-          <a:effectRef idx="0">
-            <a:schemeClr val="accent1"/>
-          </a:effectRef>
-          <a:fontRef idx="minor">
-            <a:schemeClr val="lt1"/>
-          </a:fontRef>
-        </p:style>
-        <p:txBody>
-          <a:bodyPr rtlCol="0" anchor="ctr"/>
-          <a:lstStyle/>
-          <a:p>
-            <a:pPr algn="ctr"/>
-            <a:r>
-              <a:rPr kumimoji="1" lang="ja-JP" altLang="en-US" dirty="0">
-                <a:ln>
-                  <a:solidFill>
-                    <a:schemeClr val="tx1"/>
-                  </a:solidFill>
-                </a:ln>
-              </a:rPr>
-              <a:t>一覧</a:t>
-            </a:r>
-          </a:p>
-        </p:txBody>
-      </p:sp>
-      <p:sp>
-        <p:nvSpPr>
-          <p:cNvPr id="9" name="四角形: 角を丸くする 8">
-            <a:extLst>
-              <a:ext uri="{FF2B5EF4-FFF2-40B4-BE49-F238E27FC236}">
-                <a16:creationId xmlns:a16="http://schemas.microsoft.com/office/drawing/2014/main" id="{C841505D-47FF-4BC3-8080-6AC0A8E747BD}"/>
-              </a:ext>
-            </a:extLst>
-          </p:cNvPr>
-          <p:cNvSpPr/>
-          <p:nvPr/>
-        </p:nvSpPr>
-        <p:spPr>
-          <a:xfrm>
-            <a:off x="7079226" y="1238865"/>
-            <a:ext cx="1582994" cy="481780"/>
-          </a:xfrm>
-          <a:prstGeom prst="roundRect">
-            <a:avLst/>
-          </a:prstGeom>
-          <a:solidFill>
-            <a:schemeClr val="bg1"/>
-          </a:solidFill>
-        </p:spPr>
-        <p:style>
-          <a:lnRef idx="2">
-            <a:schemeClr val="accent1">
-              <a:shade val="50000"/>
-            </a:schemeClr>
-          </a:lnRef>
-          <a:fillRef idx="1">
-            <a:schemeClr val="accent1"/>
-          </a:fillRef>
-          <a:effectRef idx="0">
-            <a:schemeClr val="accent1"/>
-          </a:effectRef>
-          <a:fontRef idx="minor">
-            <a:schemeClr val="lt1"/>
-          </a:fontRef>
-        </p:style>
-        <p:txBody>
-          <a:bodyPr rtlCol="0" anchor="ctr"/>
-          <a:lstStyle/>
-          <a:p>
-            <a:pPr algn="ctr"/>
-            <a:r>
-              <a:rPr lang="ja-JP" altLang="en-US" dirty="0">
-                <a:ln>
-                  <a:solidFill>
-                    <a:schemeClr val="tx1"/>
-                  </a:solidFill>
-                </a:ln>
-              </a:rPr>
-              <a:t>育成</a:t>
-            </a:r>
-            <a:endParaRPr kumimoji="1" lang="ja-JP" altLang="en-US" dirty="0">
-              <a:ln>
-                <a:solidFill>
-                  <a:schemeClr val="tx1"/>
-                </a:solidFill>
-              </a:ln>
-            </a:endParaRPr>
-          </a:p>
-        </p:txBody>
-      </p:sp>
-      <p:sp>
-        <p:nvSpPr>
-          <p:cNvPr id="10" name="四角形: 角を丸くする 9">
-            <a:extLst>
-              <a:ext uri="{FF2B5EF4-FFF2-40B4-BE49-F238E27FC236}">
-                <a16:creationId xmlns:a16="http://schemas.microsoft.com/office/drawing/2014/main" id="{51A85C72-1EDE-4E96-8576-2A0BAE4B3377}"/>
-              </a:ext>
-            </a:extLst>
-          </p:cNvPr>
-          <p:cNvSpPr/>
-          <p:nvPr/>
-        </p:nvSpPr>
-        <p:spPr>
-          <a:xfrm>
-            <a:off x="8898194" y="1238865"/>
-            <a:ext cx="1582994" cy="481780"/>
-          </a:xfrm>
-          <a:prstGeom prst="roundRect">
-            <a:avLst/>
-          </a:prstGeom>
-          <a:solidFill>
-            <a:schemeClr val="bg1"/>
-          </a:solidFill>
-        </p:spPr>
-        <p:style>
-          <a:lnRef idx="2">
-            <a:schemeClr val="accent1">
-              <a:shade val="50000"/>
-            </a:schemeClr>
-          </a:lnRef>
-          <a:fillRef idx="1">
-            <a:schemeClr val="accent1"/>
-          </a:fillRef>
-          <a:effectRef idx="0">
-            <a:schemeClr val="accent1"/>
-          </a:effectRef>
-          <a:fontRef idx="minor">
-            <a:schemeClr val="lt1"/>
-          </a:fontRef>
-        </p:style>
-        <p:txBody>
-          <a:bodyPr rtlCol="0" anchor="ctr"/>
-          <a:lstStyle/>
-          <a:p>
-            <a:pPr algn="ctr"/>
-            <a:r>
-              <a:rPr kumimoji="1" lang="ja-JP" altLang="en-US" dirty="0">
-                <a:ln>
-                  <a:solidFill>
-                    <a:schemeClr val="tx1"/>
-                  </a:solidFill>
-                </a:ln>
-              </a:rPr>
-              <a:t>分析</a:t>
-            </a:r>
-          </a:p>
-        </p:txBody>
-      </p:sp>
-      <p:sp>
-        <p:nvSpPr>
           <p:cNvPr id="15" name="テキスト ボックス 14">
             <a:extLst>
               <a:ext uri="{FF2B5EF4-FFF2-40B4-BE49-F238E27FC236}">
@@ -6515,7 +6380,7 @@
         <p:grpSpPr>
           <a:xfrm>
             <a:off x="3136806" y="3350823"/>
-            <a:ext cx="7429907" cy="3374441"/>
+            <a:ext cx="8878213" cy="3374441"/>
             <a:chOff x="2998132" y="1948546"/>
             <a:chExt cx="7429907" cy="3374441"/>
           </a:xfrm>
@@ -7217,7 +7082,7 @@
           </p:nvSpPr>
           <p:spPr>
             <a:xfrm>
-              <a:off x="8416146" y="4105016"/>
+              <a:off x="8416146" y="4041335"/>
               <a:ext cx="1832557" cy="369332"/>
             </a:xfrm>
             <a:prstGeom prst="rect">
@@ -7243,32 +7108,711 @@
                     </a:schemeClr>
                   </a:solidFill>
                 </a:rPr>
-                <a:t>メモ　（</a:t>
-              </a:r>
-              <a:r>
-                <a:rPr kumimoji="1" lang="en-US" altLang="ja-JP" dirty="0">
-                  <a:solidFill>
-                    <a:schemeClr val="bg2">
-                      <a:lumMod val="50000"/>
-                    </a:schemeClr>
-                  </a:solidFill>
-                </a:rPr>
-                <a:t>?</a:t>
-              </a:r>
-              <a:r>
-                <a:rPr kumimoji="1" lang="ja-JP" altLang="en-US" dirty="0">
-                  <a:solidFill>
-                    <a:schemeClr val="bg2">
-                      <a:lumMod val="50000"/>
-                    </a:schemeClr>
-                  </a:solidFill>
-                </a:rPr>
-                <a:t>字）</a:t>
+                <a:t>金額</a:t>
               </a:r>
             </a:p>
           </p:txBody>
         </p:sp>
       </p:grpSp>
+      <p:sp>
+        <p:nvSpPr>
+          <p:cNvPr id="47" name="テキスト ボックス 46">
+            <a:extLst>
+              <a:ext uri="{FF2B5EF4-FFF2-40B4-BE49-F238E27FC236}">
+                <a16:creationId xmlns:a16="http://schemas.microsoft.com/office/drawing/2014/main" id="{C8E40A94-30F2-44FE-B1A8-81B2CC1693BD}"/>
+              </a:ext>
+            </a:extLst>
+          </p:cNvPr>
+          <p:cNvSpPr txBox="1"/>
+          <p:nvPr/>
+        </p:nvSpPr>
+        <p:spPr>
+          <a:xfrm>
+            <a:off x="9763432" y="5960412"/>
+            <a:ext cx="1832557" cy="369332"/>
+          </a:xfrm>
+          <a:prstGeom prst="rect">
+            <a:avLst/>
+          </a:prstGeom>
+          <a:solidFill>
+            <a:schemeClr val="bg1">
+              <a:lumMod val="85000"/>
+            </a:schemeClr>
+          </a:solidFill>
+        </p:spPr>
+        <p:txBody>
+          <a:bodyPr wrap="square" rtlCol="0">
+            <a:spAutoFit/>
+          </a:bodyPr>
+          <a:lstStyle/>
+          <a:p>
+            <a:r>
+              <a:rPr kumimoji="1" lang="ja-JP" altLang="en-US" dirty="0">
+                <a:solidFill>
+                  <a:schemeClr val="bg2">
+                    <a:lumMod val="50000"/>
+                  </a:schemeClr>
+                </a:solidFill>
+              </a:rPr>
+              <a:t>メモ</a:t>
+            </a:r>
+          </a:p>
+        </p:txBody>
+      </p:sp>
+      <p:sp>
+        <p:nvSpPr>
+          <p:cNvPr id="49" name="四角形: 角を丸くする 48">
+            <a:extLst>
+              <a:ext uri="{FF2B5EF4-FFF2-40B4-BE49-F238E27FC236}">
+                <a16:creationId xmlns:a16="http://schemas.microsoft.com/office/drawing/2014/main" id="{F866E42E-36DB-4E3C-BA79-BBA575307C33}"/>
+              </a:ext>
+            </a:extLst>
+          </p:cNvPr>
+          <p:cNvSpPr/>
+          <p:nvPr/>
+        </p:nvSpPr>
+        <p:spPr>
+          <a:xfrm>
+            <a:off x="10320708" y="176820"/>
+            <a:ext cx="1504335" cy="589935"/>
+          </a:xfrm>
+          <a:prstGeom prst="roundRect">
+            <a:avLst/>
+          </a:prstGeom>
+          <a:solidFill>
+            <a:schemeClr val="bg2">
+              <a:lumMod val="90000"/>
+            </a:schemeClr>
+          </a:solidFill>
+        </p:spPr>
+        <p:style>
+          <a:lnRef idx="2">
+            <a:schemeClr val="accent1">
+              <a:shade val="50000"/>
+            </a:schemeClr>
+          </a:lnRef>
+          <a:fillRef idx="1">
+            <a:schemeClr val="accent1"/>
+          </a:fillRef>
+          <a:effectRef idx="0">
+            <a:schemeClr val="accent1"/>
+          </a:effectRef>
+          <a:fontRef idx="minor">
+            <a:schemeClr val="lt1"/>
+          </a:fontRef>
+        </p:style>
+        <p:txBody>
+          <a:bodyPr rtlCol="0" anchor="ctr"/>
+          <a:lstStyle/>
+          <a:p>
+            <a:pPr algn="ctr"/>
+            <a:r>
+              <a:rPr kumimoji="1" lang="ja-JP" altLang="en-US" dirty="0"/>
+              <a:t>ログアウト</a:t>
+            </a:r>
+          </a:p>
+        </p:txBody>
+      </p:sp>
+      <p:sp>
+        <p:nvSpPr>
+          <p:cNvPr id="50" name="四角形: 角を丸くする 49">
+            <a:extLst>
+              <a:ext uri="{FF2B5EF4-FFF2-40B4-BE49-F238E27FC236}">
+                <a16:creationId xmlns:a16="http://schemas.microsoft.com/office/drawing/2014/main" id="{8742A729-7688-43E5-83F3-7037D2700230}"/>
+              </a:ext>
+            </a:extLst>
+          </p:cNvPr>
+          <p:cNvSpPr/>
+          <p:nvPr/>
+        </p:nvSpPr>
+        <p:spPr>
+          <a:xfrm>
+            <a:off x="5068963" y="471788"/>
+            <a:ext cx="1582994" cy="481780"/>
+          </a:xfrm>
+          <a:prstGeom prst="roundRect">
+            <a:avLst/>
+          </a:prstGeom>
+          <a:solidFill>
+            <a:schemeClr val="bg1"/>
+          </a:solidFill>
+        </p:spPr>
+        <p:style>
+          <a:lnRef idx="2">
+            <a:schemeClr val="accent1">
+              <a:shade val="50000"/>
+            </a:schemeClr>
+          </a:lnRef>
+          <a:fillRef idx="1">
+            <a:schemeClr val="accent1"/>
+          </a:fillRef>
+          <a:effectRef idx="0">
+            <a:schemeClr val="accent1"/>
+          </a:effectRef>
+          <a:fontRef idx="minor">
+            <a:schemeClr val="lt1"/>
+          </a:fontRef>
+        </p:style>
+        <p:txBody>
+          <a:bodyPr rtlCol="0" anchor="ctr"/>
+          <a:lstStyle/>
+          <a:p>
+            <a:pPr algn="ctr"/>
+            <a:r>
+              <a:rPr kumimoji="1" lang="ja-JP" altLang="en-US" dirty="0">
+                <a:ln>
+                  <a:solidFill>
+                    <a:schemeClr val="tx1"/>
+                  </a:solidFill>
+                </a:ln>
+              </a:rPr>
+              <a:t>一覧</a:t>
+            </a:r>
+          </a:p>
+        </p:txBody>
+      </p:sp>
+      <p:sp>
+        <p:nvSpPr>
+          <p:cNvPr id="51" name="四角形: 角を丸くする 50">
+            <a:extLst>
+              <a:ext uri="{FF2B5EF4-FFF2-40B4-BE49-F238E27FC236}">
+                <a16:creationId xmlns:a16="http://schemas.microsoft.com/office/drawing/2014/main" id="{8E049190-C94F-47FE-A5E8-C1C5D8CF146B}"/>
+              </a:ext>
+            </a:extLst>
+          </p:cNvPr>
+          <p:cNvSpPr/>
+          <p:nvPr/>
+        </p:nvSpPr>
+        <p:spPr>
+          <a:xfrm>
+            <a:off x="6843686" y="471788"/>
+            <a:ext cx="1582994" cy="481780"/>
+          </a:xfrm>
+          <a:prstGeom prst="roundRect">
+            <a:avLst/>
+          </a:prstGeom>
+          <a:solidFill>
+            <a:schemeClr val="bg1"/>
+          </a:solidFill>
+        </p:spPr>
+        <p:style>
+          <a:lnRef idx="2">
+            <a:schemeClr val="accent1">
+              <a:shade val="50000"/>
+            </a:schemeClr>
+          </a:lnRef>
+          <a:fillRef idx="1">
+            <a:schemeClr val="accent1"/>
+          </a:fillRef>
+          <a:effectRef idx="0">
+            <a:schemeClr val="accent1"/>
+          </a:effectRef>
+          <a:fontRef idx="minor">
+            <a:schemeClr val="lt1"/>
+          </a:fontRef>
+        </p:style>
+        <p:txBody>
+          <a:bodyPr rtlCol="0" anchor="ctr"/>
+          <a:lstStyle/>
+          <a:p>
+            <a:pPr algn="ctr"/>
+            <a:r>
+              <a:rPr lang="ja-JP" altLang="en-US" dirty="0">
+                <a:ln>
+                  <a:solidFill>
+                    <a:schemeClr val="tx1"/>
+                  </a:solidFill>
+                </a:ln>
+              </a:rPr>
+              <a:t>育成</a:t>
+            </a:r>
+            <a:endParaRPr kumimoji="1" lang="ja-JP" altLang="en-US" dirty="0">
+              <a:ln>
+                <a:solidFill>
+                  <a:schemeClr val="tx1"/>
+                </a:solidFill>
+              </a:ln>
+            </a:endParaRPr>
+          </a:p>
+        </p:txBody>
+      </p:sp>
+      <p:sp>
+        <p:nvSpPr>
+          <p:cNvPr id="52" name="四角形: 角を丸くする 51">
+            <a:extLst>
+              <a:ext uri="{FF2B5EF4-FFF2-40B4-BE49-F238E27FC236}">
+                <a16:creationId xmlns:a16="http://schemas.microsoft.com/office/drawing/2014/main" id="{69E8E45A-354C-4CE9-9C65-EE30A6AB2C25}"/>
+              </a:ext>
+            </a:extLst>
+          </p:cNvPr>
+          <p:cNvSpPr/>
+          <p:nvPr/>
+        </p:nvSpPr>
+        <p:spPr>
+          <a:xfrm>
+            <a:off x="8662654" y="471788"/>
+            <a:ext cx="1582994" cy="481780"/>
+          </a:xfrm>
+          <a:prstGeom prst="roundRect">
+            <a:avLst/>
+          </a:prstGeom>
+          <a:solidFill>
+            <a:schemeClr val="bg1"/>
+          </a:solidFill>
+        </p:spPr>
+        <p:style>
+          <a:lnRef idx="2">
+            <a:schemeClr val="accent1">
+              <a:shade val="50000"/>
+            </a:schemeClr>
+          </a:lnRef>
+          <a:fillRef idx="1">
+            <a:schemeClr val="accent1"/>
+          </a:fillRef>
+          <a:effectRef idx="0">
+            <a:schemeClr val="accent1"/>
+          </a:effectRef>
+          <a:fontRef idx="minor">
+            <a:schemeClr val="lt1"/>
+          </a:fontRef>
+        </p:style>
+        <p:txBody>
+          <a:bodyPr rtlCol="0" anchor="ctr"/>
+          <a:lstStyle/>
+          <a:p>
+            <a:pPr algn="ctr"/>
+            <a:r>
+              <a:rPr kumimoji="1" lang="ja-JP" altLang="en-US" dirty="0">
+                <a:ln>
+                  <a:solidFill>
+                    <a:schemeClr val="tx1"/>
+                  </a:solidFill>
+                </a:ln>
+              </a:rPr>
+              <a:t>分析</a:t>
+            </a:r>
+          </a:p>
+        </p:txBody>
+      </p:sp>
+      <p:sp>
+        <p:nvSpPr>
+          <p:cNvPr id="54" name="四角形: 角を丸くする 53">
+            <a:extLst>
+              <a:ext uri="{FF2B5EF4-FFF2-40B4-BE49-F238E27FC236}">
+                <a16:creationId xmlns:a16="http://schemas.microsoft.com/office/drawing/2014/main" id="{4D5ECAC3-44B7-4C7C-AE94-5F95CDC784F8}"/>
+              </a:ext>
+            </a:extLst>
+          </p:cNvPr>
+          <p:cNvSpPr/>
+          <p:nvPr/>
+        </p:nvSpPr>
+        <p:spPr>
+          <a:xfrm>
+            <a:off x="3295880" y="471788"/>
+            <a:ext cx="1582994" cy="481780"/>
+          </a:xfrm>
+          <a:prstGeom prst="roundRect">
+            <a:avLst/>
+          </a:prstGeom>
+          <a:solidFill>
+            <a:schemeClr val="accent6">
+              <a:lumMod val="40000"/>
+              <a:lumOff val="60000"/>
+            </a:schemeClr>
+          </a:solidFill>
+        </p:spPr>
+        <p:style>
+          <a:lnRef idx="2">
+            <a:schemeClr val="accent1">
+              <a:shade val="50000"/>
+            </a:schemeClr>
+          </a:lnRef>
+          <a:fillRef idx="1">
+            <a:schemeClr val="accent1"/>
+          </a:fillRef>
+          <a:effectRef idx="0">
+            <a:schemeClr val="accent1"/>
+          </a:effectRef>
+          <a:fontRef idx="minor">
+            <a:schemeClr val="lt1"/>
+          </a:fontRef>
+        </p:style>
+        <p:txBody>
+          <a:bodyPr rtlCol="0" anchor="ctr"/>
+          <a:lstStyle/>
+          <a:p>
+            <a:pPr algn="ctr"/>
+            <a:r>
+              <a:rPr kumimoji="1" lang="ja-JP" altLang="en-US" dirty="0">
+                <a:ln>
+                  <a:solidFill>
+                    <a:schemeClr val="tx1"/>
+                  </a:solidFill>
+                </a:ln>
+              </a:rPr>
+              <a:t>カレンダー</a:t>
+            </a:r>
+          </a:p>
+        </p:txBody>
+      </p:sp>
+      <p:grpSp>
+        <p:nvGrpSpPr>
+          <p:cNvPr id="55" name="グループ化 54">
+            <a:extLst>
+              <a:ext uri="{FF2B5EF4-FFF2-40B4-BE49-F238E27FC236}">
+                <a16:creationId xmlns:a16="http://schemas.microsoft.com/office/drawing/2014/main" id="{1B8E3C09-30C6-4F64-8C86-DE861F883C28}"/>
+              </a:ext>
+            </a:extLst>
+          </p:cNvPr>
+          <p:cNvGrpSpPr/>
+          <p:nvPr/>
+        </p:nvGrpSpPr>
+        <p:grpSpPr>
+          <a:xfrm>
+            <a:off x="4011817" y="1251813"/>
+            <a:ext cx="2568139" cy="481780"/>
+            <a:chOff x="5032301" y="1074934"/>
+            <a:chExt cx="2568139" cy="481780"/>
+          </a:xfrm>
+        </p:grpSpPr>
+        <p:pic>
+          <p:nvPicPr>
+            <p:cNvPr id="61" name="図 60">
+              <a:extLst>
+                <a:ext uri="{FF2B5EF4-FFF2-40B4-BE49-F238E27FC236}">
+                  <a16:creationId xmlns:a16="http://schemas.microsoft.com/office/drawing/2014/main" id="{81E79F43-6985-47C4-9989-04DA3ED851FD}"/>
+                </a:ext>
+              </a:extLst>
+            </p:cNvPr>
+            <p:cNvPicPr>
+              <a:picLocks noChangeAspect="1"/>
+            </p:cNvPicPr>
+            <p:nvPr/>
+          </p:nvPicPr>
+          <p:blipFill>
+            <a:blip r:embed="rId4"/>
+            <a:stretch>
+              <a:fillRect/>
+            </a:stretch>
+          </p:blipFill>
+          <p:spPr>
+            <a:xfrm>
+              <a:off x="7266248" y="1124925"/>
+              <a:ext cx="334192" cy="334192"/>
+            </a:xfrm>
+            <a:prstGeom prst="rect">
+              <a:avLst/>
+            </a:prstGeom>
+          </p:spPr>
+        </p:pic>
+        <p:sp>
+          <p:nvSpPr>
+            <p:cNvPr id="62" name="四角形: 角を丸くする 61">
+              <a:extLst>
+                <a:ext uri="{FF2B5EF4-FFF2-40B4-BE49-F238E27FC236}">
+                  <a16:creationId xmlns:a16="http://schemas.microsoft.com/office/drawing/2014/main" id="{3DAAC16B-47E7-4CFC-853D-776E15ED79FB}"/>
+                </a:ext>
+              </a:extLst>
+            </p:cNvPr>
+            <p:cNvSpPr/>
+            <p:nvPr/>
+          </p:nvSpPr>
+          <p:spPr>
+            <a:xfrm>
+              <a:off x="5478671" y="1074934"/>
+              <a:ext cx="1582994" cy="481780"/>
+            </a:xfrm>
+            <a:prstGeom prst="roundRect">
+              <a:avLst/>
+            </a:prstGeom>
+            <a:noFill/>
+            <a:ln>
+              <a:solidFill>
+                <a:schemeClr val="tx1"/>
+              </a:solidFill>
+            </a:ln>
+          </p:spPr>
+          <p:style>
+            <a:lnRef idx="2">
+              <a:schemeClr val="accent1">
+                <a:shade val="50000"/>
+              </a:schemeClr>
+            </a:lnRef>
+            <a:fillRef idx="1">
+              <a:schemeClr val="accent1"/>
+            </a:fillRef>
+            <a:effectRef idx="0">
+              <a:schemeClr val="accent1"/>
+            </a:effectRef>
+            <a:fontRef idx="minor">
+              <a:schemeClr val="lt1"/>
+            </a:fontRef>
+          </p:style>
+          <p:txBody>
+            <a:bodyPr rtlCol="0" anchor="ctr"/>
+            <a:lstStyle/>
+            <a:p>
+              <a:pPr algn="ctr"/>
+              <a:r>
+                <a:rPr kumimoji="1" lang="en-US" altLang="ja-JP" dirty="0">
+                  <a:ln>
+                    <a:solidFill>
+                      <a:schemeClr val="tx1"/>
+                    </a:solidFill>
+                  </a:ln>
+                </a:rPr>
+                <a:t>2023/06</a:t>
+              </a:r>
+              <a:endParaRPr kumimoji="1" lang="ja-JP" altLang="en-US" dirty="0">
+                <a:ln>
+                  <a:solidFill>
+                    <a:schemeClr val="tx1"/>
+                  </a:solidFill>
+                </a:ln>
+              </a:endParaRPr>
+            </a:p>
+          </p:txBody>
+        </p:sp>
+        <p:pic>
+          <p:nvPicPr>
+            <p:cNvPr id="63" name="図 62">
+              <a:extLst>
+                <a:ext uri="{FF2B5EF4-FFF2-40B4-BE49-F238E27FC236}">
+                  <a16:creationId xmlns:a16="http://schemas.microsoft.com/office/drawing/2014/main" id="{CC49976F-288A-4FF2-8053-07278A5F38AD}"/>
+                </a:ext>
+              </a:extLst>
+            </p:cNvPr>
+            <p:cNvPicPr>
+              <a:picLocks noChangeAspect="1"/>
+            </p:cNvPicPr>
+            <p:nvPr/>
+          </p:nvPicPr>
+          <p:blipFill>
+            <a:blip r:embed="rId4"/>
+            <a:stretch>
+              <a:fillRect/>
+            </a:stretch>
+          </p:blipFill>
+          <p:spPr>
+            <a:xfrm flipH="1">
+              <a:off x="5032301" y="1148728"/>
+              <a:ext cx="334192" cy="334192"/>
+            </a:xfrm>
+            <a:prstGeom prst="rect">
+              <a:avLst/>
+            </a:prstGeom>
+          </p:spPr>
+        </p:pic>
+      </p:grpSp>
+      <p:sp>
+        <p:nvSpPr>
+          <p:cNvPr id="64" name="四角形: 角を丸くする 63">
+            <a:extLst>
+              <a:ext uri="{FF2B5EF4-FFF2-40B4-BE49-F238E27FC236}">
+                <a16:creationId xmlns:a16="http://schemas.microsoft.com/office/drawing/2014/main" id="{B8BEA9E6-DE6C-4E0F-AE2D-05DFC408FACE}"/>
+              </a:ext>
+            </a:extLst>
+          </p:cNvPr>
+          <p:cNvSpPr/>
+          <p:nvPr/>
+        </p:nvSpPr>
+        <p:spPr>
+          <a:xfrm>
+            <a:off x="8023123" y="1350882"/>
+            <a:ext cx="1725995" cy="481780"/>
+          </a:xfrm>
+          <a:prstGeom prst="roundRect">
+            <a:avLst/>
+          </a:prstGeom>
+          <a:noFill/>
+          <a:ln>
+            <a:solidFill>
+              <a:schemeClr val="tx1"/>
+            </a:solidFill>
+          </a:ln>
+        </p:spPr>
+        <p:style>
+          <a:lnRef idx="2">
+            <a:schemeClr val="accent1">
+              <a:shade val="50000"/>
+            </a:schemeClr>
+          </a:lnRef>
+          <a:fillRef idx="1">
+            <a:schemeClr val="accent1"/>
+          </a:fillRef>
+          <a:effectRef idx="0">
+            <a:schemeClr val="accent1"/>
+          </a:effectRef>
+          <a:fontRef idx="minor">
+            <a:schemeClr val="lt1"/>
+          </a:fontRef>
+        </p:style>
+        <p:txBody>
+          <a:bodyPr rtlCol="0" anchor="ctr"/>
+          <a:lstStyle/>
+          <a:p>
+            <a:pPr algn="ctr"/>
+            <a:r>
+              <a:rPr kumimoji="1" lang="en-US" altLang="ja-JP" dirty="0">
+                <a:ln>
+                  <a:solidFill>
+                    <a:schemeClr val="tx1"/>
+                  </a:solidFill>
+                </a:ln>
+              </a:rPr>
+              <a:t>Total</a:t>
+            </a:r>
+            <a:r>
+              <a:rPr kumimoji="1" lang="ja-JP" altLang="en-US" dirty="0">
+                <a:ln>
+                  <a:solidFill>
+                    <a:schemeClr val="tx1"/>
+                  </a:solidFill>
+                </a:ln>
+              </a:rPr>
+              <a:t>　</a:t>
+            </a:r>
+            <a:r>
+              <a:rPr kumimoji="1" lang="en-US" altLang="ja-JP" dirty="0">
+                <a:ln>
+                  <a:solidFill>
+                    <a:schemeClr val="tx1"/>
+                  </a:solidFill>
+                </a:ln>
+              </a:rPr>
+              <a:t>\,4300</a:t>
+            </a:r>
+            <a:endParaRPr kumimoji="1" lang="ja-JP" altLang="en-US" dirty="0">
+              <a:ln>
+                <a:solidFill>
+                  <a:schemeClr val="tx1"/>
+                </a:solidFill>
+              </a:ln>
+            </a:endParaRPr>
+          </a:p>
+        </p:txBody>
+      </p:sp>
+      <p:sp>
+        <p:nvSpPr>
+          <p:cNvPr id="65" name="四角形: 角を丸くする 64">
+            <a:extLst>
+              <a:ext uri="{FF2B5EF4-FFF2-40B4-BE49-F238E27FC236}">
+                <a16:creationId xmlns:a16="http://schemas.microsoft.com/office/drawing/2014/main" id="{58124D52-7FB3-47C4-8DD6-70DAF12588C0}"/>
+              </a:ext>
+            </a:extLst>
+          </p:cNvPr>
+          <p:cNvSpPr/>
+          <p:nvPr/>
+        </p:nvSpPr>
+        <p:spPr>
+          <a:xfrm>
+            <a:off x="640737" y="334297"/>
+            <a:ext cx="2172929" cy="658761"/>
+          </a:xfrm>
+          <a:prstGeom prst="roundRect">
+            <a:avLst/>
+          </a:prstGeom>
+          <a:solidFill>
+            <a:schemeClr val="bg1"/>
+          </a:solidFill>
+        </p:spPr>
+        <p:style>
+          <a:lnRef idx="2">
+            <a:schemeClr val="accent1">
+              <a:shade val="50000"/>
+            </a:schemeClr>
+          </a:lnRef>
+          <a:fillRef idx="1">
+            <a:schemeClr val="accent1"/>
+          </a:fillRef>
+          <a:effectRef idx="0">
+            <a:schemeClr val="accent1"/>
+          </a:effectRef>
+          <a:fontRef idx="minor">
+            <a:schemeClr val="lt1"/>
+          </a:fontRef>
+        </p:style>
+        <p:txBody>
+          <a:bodyPr rtlCol="0" anchor="ctr"/>
+          <a:lstStyle/>
+          <a:p>
+            <a:pPr algn="ctr"/>
+            <a:r>
+              <a:rPr lang="en-US" altLang="ja-JP" dirty="0">
+                <a:ln>
+                  <a:solidFill>
+                    <a:schemeClr val="tx1"/>
+                  </a:solidFill>
+                </a:ln>
+              </a:rPr>
+              <a:t>2023/06/06</a:t>
+            </a:r>
+          </a:p>
+          <a:p>
+            <a:pPr algn="ctr"/>
+            <a:r>
+              <a:rPr kumimoji="1" lang="en-US" altLang="ja-JP" dirty="0">
+                <a:ln>
+                  <a:solidFill>
+                    <a:schemeClr val="tx1"/>
+                  </a:solidFill>
+                </a:ln>
+              </a:rPr>
+              <a:t>15</a:t>
+            </a:r>
+            <a:r>
+              <a:rPr kumimoji="1" lang="ja-JP" altLang="en-US" dirty="0">
+                <a:ln>
+                  <a:solidFill>
+                    <a:schemeClr val="tx1"/>
+                  </a:solidFill>
+                </a:ln>
+              </a:rPr>
+              <a:t>時</a:t>
+            </a:r>
+            <a:r>
+              <a:rPr kumimoji="1" lang="en-US" altLang="ja-JP" dirty="0">
+                <a:ln>
+                  <a:solidFill>
+                    <a:schemeClr val="tx1"/>
+                  </a:solidFill>
+                </a:ln>
+              </a:rPr>
+              <a:t>10</a:t>
+            </a:r>
+            <a:r>
+              <a:rPr kumimoji="1" lang="ja-JP" altLang="en-US" dirty="0">
+                <a:ln>
+                  <a:solidFill>
+                    <a:schemeClr val="tx1"/>
+                  </a:solidFill>
+                </a:ln>
+              </a:rPr>
+              <a:t>分</a:t>
+            </a:r>
+            <a:r>
+              <a:rPr kumimoji="1" lang="en-US" altLang="ja-JP" dirty="0">
+                <a:ln>
+                  <a:solidFill>
+                    <a:schemeClr val="tx1"/>
+                  </a:solidFill>
+                </a:ln>
+              </a:rPr>
+              <a:t>15</a:t>
+            </a:r>
+            <a:r>
+              <a:rPr kumimoji="1" lang="ja-JP" altLang="en-US" dirty="0">
+                <a:ln>
+                  <a:solidFill>
+                    <a:schemeClr val="tx1"/>
+                  </a:solidFill>
+                </a:ln>
+              </a:rPr>
+              <a:t>秒</a:t>
+            </a:r>
+          </a:p>
+        </p:txBody>
+      </p:sp>
     </p:spTree>
     <p:extLst>
       <p:ext uri="{BB962C8B-B14F-4D97-AF65-F5344CB8AC3E}">
@@ -21873,7 +22417,7 @@
           <p:nvPr/>
         </p:nvPicPr>
         <p:blipFill>
-          <a:blip r:embed="rId2"/>
+          <a:blip r:embed="rId3"/>
           <a:stretch>
             <a:fillRect/>
           </a:stretch>
@@ -22327,8 +22871,8 @@
         </p:nvSpPr>
         <p:spPr>
           <a:xfrm>
-            <a:off x="291897" y="132735"/>
-            <a:ext cx="10264877" cy="6592529"/>
+            <a:off x="291897" y="63909"/>
+            <a:ext cx="11608206" cy="6592529"/>
           </a:xfrm>
           <a:prstGeom prst="rect">
             <a:avLst/>
@@ -22355,7 +22899,7 @@
           <a:lstStyle/>
           <a:p>
             <a:pPr algn="ctr"/>
-            <a:endParaRPr kumimoji="1" lang="ja-JP" altLang="en-US"/>
+            <a:endParaRPr kumimoji="1" lang="ja-JP" altLang="en-US" dirty="0"/>
           </a:p>
         </p:txBody>
       </p:sp>
@@ -23061,7 +23605,7 @@
         </p:nvSpPr>
         <p:spPr>
           <a:xfrm>
-            <a:off x="8898194" y="384702"/>
+            <a:off x="10320708" y="176820"/>
             <a:ext cx="1504335" cy="589935"/>
           </a:xfrm>
           <a:prstGeom prst="roundRect">
@@ -23115,7 +23659,7 @@
         </p:nvSpPr>
         <p:spPr>
           <a:xfrm>
-            <a:off x="5304503" y="1238865"/>
+            <a:off x="5068963" y="471788"/>
             <a:ext cx="1582994" cy="481780"/>
           </a:xfrm>
           <a:prstGeom prst="roundRect">
@@ -23173,7 +23717,7 @@
         </p:nvSpPr>
         <p:spPr>
           <a:xfrm>
-            <a:off x="7079226" y="1238865"/>
+            <a:off x="6843686" y="471788"/>
             <a:ext cx="1582994" cy="481780"/>
           </a:xfrm>
           <a:prstGeom prst="roundRect">
@@ -23238,7 +23782,7 @@
         </p:nvSpPr>
         <p:spPr>
           <a:xfrm>
-            <a:off x="8898194" y="1238865"/>
+            <a:off x="8662654" y="471788"/>
             <a:ext cx="1582994" cy="481780"/>
           </a:xfrm>
           <a:prstGeom prst="roundRect">
@@ -23304,7 +23848,7 @@
         </p:blipFill>
         <p:spPr>
           <a:xfrm>
-            <a:off x="9859298" y="5756788"/>
+            <a:off x="10701726" y="5807295"/>
             <a:ext cx="634180" cy="634180"/>
           </a:xfrm>
           <a:prstGeom prst="rect">
@@ -23447,7 +23991,7 @@
         </p:nvGrpSpPr>
         <p:grpSpPr>
           <a:xfrm>
-            <a:off x="291897" y="142566"/>
+            <a:off x="224711" y="63909"/>
             <a:ext cx="2857706" cy="6592529"/>
             <a:chOff x="291897" y="24639"/>
             <a:chExt cx="2857706" cy="6592529"/>
@@ -24246,7 +24790,7 @@
         </p:nvSpPr>
         <p:spPr>
           <a:xfrm>
-            <a:off x="3531420" y="1238865"/>
+            <a:off x="3295880" y="471788"/>
             <a:ext cx="1582994" cy="481780"/>
           </a:xfrm>
           <a:prstGeom prst="roundRect">
@@ -24653,6 +25197,243 @@
           </a:prstGeom>
         </p:spPr>
       </p:pic>
+      <p:grpSp>
+        <p:nvGrpSpPr>
+          <p:cNvPr id="47" name="グループ化 46">
+            <a:extLst>
+              <a:ext uri="{FF2B5EF4-FFF2-40B4-BE49-F238E27FC236}">
+                <a16:creationId xmlns:a16="http://schemas.microsoft.com/office/drawing/2014/main" id="{1E7EBCC6-D149-44A0-9EBF-1CD36A4BACA7}"/>
+              </a:ext>
+            </a:extLst>
+          </p:cNvPr>
+          <p:cNvGrpSpPr/>
+          <p:nvPr/>
+        </p:nvGrpSpPr>
+        <p:grpSpPr>
+          <a:xfrm>
+            <a:off x="4011817" y="1251813"/>
+            <a:ext cx="2568139" cy="481780"/>
+            <a:chOff x="5032301" y="1074934"/>
+            <a:chExt cx="2568139" cy="481780"/>
+          </a:xfrm>
+        </p:grpSpPr>
+        <p:pic>
+          <p:nvPicPr>
+            <p:cNvPr id="19" name="図 18">
+              <a:extLst>
+                <a:ext uri="{FF2B5EF4-FFF2-40B4-BE49-F238E27FC236}">
+                  <a16:creationId xmlns:a16="http://schemas.microsoft.com/office/drawing/2014/main" id="{BF24DB28-4E3D-4188-AFED-CAA1154B3160}"/>
+                </a:ext>
+              </a:extLst>
+            </p:cNvPr>
+            <p:cNvPicPr>
+              <a:picLocks noChangeAspect="1"/>
+            </p:cNvPicPr>
+            <p:nvPr/>
+          </p:nvPicPr>
+          <p:blipFill>
+            <a:blip r:embed="rId7"/>
+            <a:stretch>
+              <a:fillRect/>
+            </a:stretch>
+          </p:blipFill>
+          <p:spPr>
+            <a:xfrm>
+              <a:off x="7266248" y="1124925"/>
+              <a:ext cx="334192" cy="334192"/>
+            </a:xfrm>
+            <a:prstGeom prst="rect">
+              <a:avLst/>
+            </a:prstGeom>
+          </p:spPr>
+        </p:pic>
+        <p:sp>
+          <p:nvSpPr>
+            <p:cNvPr id="44" name="四角形: 角を丸くする 43">
+              <a:extLst>
+                <a:ext uri="{FF2B5EF4-FFF2-40B4-BE49-F238E27FC236}">
+                  <a16:creationId xmlns:a16="http://schemas.microsoft.com/office/drawing/2014/main" id="{5DE061DB-3818-445D-9B87-4E6B81EF51DB}"/>
+                </a:ext>
+              </a:extLst>
+            </p:cNvPr>
+            <p:cNvSpPr/>
+            <p:nvPr/>
+          </p:nvSpPr>
+          <p:spPr>
+            <a:xfrm>
+              <a:off x="5478671" y="1074934"/>
+              <a:ext cx="1582994" cy="481780"/>
+            </a:xfrm>
+            <a:prstGeom prst="roundRect">
+              <a:avLst/>
+            </a:prstGeom>
+            <a:noFill/>
+            <a:ln>
+              <a:solidFill>
+                <a:schemeClr val="tx1"/>
+              </a:solidFill>
+            </a:ln>
+          </p:spPr>
+          <p:style>
+            <a:lnRef idx="2">
+              <a:schemeClr val="accent1">
+                <a:shade val="50000"/>
+              </a:schemeClr>
+            </a:lnRef>
+            <a:fillRef idx="1">
+              <a:schemeClr val="accent1"/>
+            </a:fillRef>
+            <a:effectRef idx="0">
+              <a:schemeClr val="accent1"/>
+            </a:effectRef>
+            <a:fontRef idx="minor">
+              <a:schemeClr val="lt1"/>
+            </a:fontRef>
+          </p:style>
+          <p:txBody>
+            <a:bodyPr rtlCol="0" anchor="ctr"/>
+            <a:lstStyle/>
+            <a:p>
+              <a:pPr algn="ctr"/>
+              <a:r>
+                <a:rPr kumimoji="1" lang="en-US" altLang="ja-JP" dirty="0">
+                  <a:ln>
+                    <a:solidFill>
+                      <a:schemeClr val="tx1"/>
+                    </a:solidFill>
+                  </a:ln>
+                </a:rPr>
+                <a:t>2023/06</a:t>
+              </a:r>
+              <a:endParaRPr kumimoji="1" lang="ja-JP" altLang="en-US" dirty="0">
+                <a:ln>
+                  <a:solidFill>
+                    <a:schemeClr val="tx1"/>
+                  </a:solidFill>
+                </a:ln>
+              </a:endParaRPr>
+            </a:p>
+          </p:txBody>
+        </p:sp>
+        <p:pic>
+          <p:nvPicPr>
+            <p:cNvPr id="45" name="図 44">
+              <a:extLst>
+                <a:ext uri="{FF2B5EF4-FFF2-40B4-BE49-F238E27FC236}">
+                  <a16:creationId xmlns:a16="http://schemas.microsoft.com/office/drawing/2014/main" id="{C8F6098D-D599-4E7E-93FD-70013C2028AF}"/>
+                </a:ext>
+              </a:extLst>
+            </p:cNvPr>
+            <p:cNvPicPr>
+              <a:picLocks noChangeAspect="1"/>
+            </p:cNvPicPr>
+            <p:nvPr/>
+          </p:nvPicPr>
+          <p:blipFill>
+            <a:blip r:embed="rId7"/>
+            <a:stretch>
+              <a:fillRect/>
+            </a:stretch>
+          </p:blipFill>
+          <p:spPr>
+            <a:xfrm flipH="1">
+              <a:off x="5032301" y="1148728"/>
+              <a:ext cx="334192" cy="334192"/>
+            </a:xfrm>
+            <a:prstGeom prst="rect">
+              <a:avLst/>
+            </a:prstGeom>
+          </p:spPr>
+        </p:pic>
+      </p:grpSp>
+      <p:sp>
+        <p:nvSpPr>
+          <p:cNvPr id="46" name="四角形: 角を丸くする 45">
+            <a:extLst>
+              <a:ext uri="{FF2B5EF4-FFF2-40B4-BE49-F238E27FC236}">
+                <a16:creationId xmlns:a16="http://schemas.microsoft.com/office/drawing/2014/main" id="{98CB98DD-3C80-428D-BA04-910B852D68FD}"/>
+              </a:ext>
+            </a:extLst>
+          </p:cNvPr>
+          <p:cNvSpPr/>
+          <p:nvPr/>
+        </p:nvSpPr>
+        <p:spPr>
+          <a:xfrm>
+            <a:off x="8023123" y="1350882"/>
+            <a:ext cx="1725995" cy="481780"/>
+          </a:xfrm>
+          <a:prstGeom prst="roundRect">
+            <a:avLst/>
+          </a:prstGeom>
+          <a:noFill/>
+          <a:ln>
+            <a:solidFill>
+              <a:schemeClr val="tx1"/>
+            </a:solidFill>
+          </a:ln>
+        </p:spPr>
+        <p:style>
+          <a:lnRef idx="2">
+            <a:schemeClr val="accent1">
+              <a:shade val="50000"/>
+            </a:schemeClr>
+          </a:lnRef>
+          <a:fillRef idx="1">
+            <a:schemeClr val="accent1"/>
+          </a:fillRef>
+          <a:effectRef idx="0">
+            <a:schemeClr val="accent1"/>
+          </a:effectRef>
+          <a:fontRef idx="minor">
+            <a:schemeClr val="lt1"/>
+          </a:fontRef>
+        </p:style>
+        <p:txBody>
+          <a:bodyPr rtlCol="0" anchor="ctr"/>
+          <a:lstStyle/>
+          <a:p>
+            <a:pPr algn="ctr"/>
+            <a:r>
+              <a:rPr kumimoji="1" lang="en-US" altLang="ja-JP" dirty="0">
+                <a:ln>
+                  <a:solidFill>
+                    <a:schemeClr val="tx1"/>
+                  </a:solidFill>
+                </a:ln>
+              </a:rPr>
+              <a:t>Total</a:t>
+            </a:r>
+            <a:r>
+              <a:rPr kumimoji="1" lang="ja-JP" altLang="en-US" dirty="0">
+                <a:ln>
+                  <a:solidFill>
+                    <a:schemeClr val="tx1"/>
+                  </a:solidFill>
+                </a:ln>
+              </a:rPr>
+              <a:t>　</a:t>
+            </a:r>
+            <a:r>
+              <a:rPr kumimoji="1" lang="en-US" altLang="ja-JP" dirty="0">
+                <a:ln>
+                  <a:solidFill>
+                    <a:schemeClr val="tx1"/>
+                  </a:solidFill>
+                </a:ln>
+              </a:rPr>
+              <a:t>\,4300</a:t>
+            </a:r>
+            <a:endParaRPr kumimoji="1" lang="ja-JP" altLang="en-US" dirty="0">
+              <a:ln>
+                <a:solidFill>
+                  <a:schemeClr val="tx1"/>
+                </a:solidFill>
+              </a:ln>
+            </a:endParaRPr>
+          </a:p>
+        </p:txBody>
+      </p:sp>
     </p:spTree>
     <p:extLst>
       <p:ext uri="{BB962C8B-B14F-4D97-AF65-F5344CB8AC3E}">
@@ -27135,36 +27916,6 @@
           </p:sp>
           <p:pic>
             <p:nvPicPr>
-              <p:cNvPr id="53" name="図 52">
-                <a:extLst>
-                  <a:ext uri="{FF2B5EF4-FFF2-40B4-BE49-F238E27FC236}">
-                    <a16:creationId xmlns:a16="http://schemas.microsoft.com/office/drawing/2014/main" id="{31828425-089C-4FC2-9446-D580D859DC08}"/>
-                  </a:ext>
-                </a:extLst>
-              </p:cNvPr>
-              <p:cNvPicPr>
-                <a:picLocks noChangeAspect="1"/>
-              </p:cNvPicPr>
-              <p:nvPr/>
-            </p:nvPicPr>
-            <p:blipFill>
-              <a:blip r:embed="rId2"/>
-              <a:stretch>
-                <a:fillRect/>
-              </a:stretch>
-            </p:blipFill>
-            <p:spPr>
-              <a:xfrm>
-                <a:off x="6181731" y="3135623"/>
-                <a:ext cx="252205" cy="252205"/>
-              </a:xfrm>
-              <a:prstGeom prst="rect">
-                <a:avLst/>
-              </a:prstGeom>
-            </p:spPr>
-          </p:pic>
-          <p:pic>
-            <p:nvPicPr>
               <p:cNvPr id="58" name="図 57">
                 <a:extLst>
                   <a:ext uri="{FF2B5EF4-FFF2-40B4-BE49-F238E27FC236}">
@@ -29718,7 +30469,7 @@
         <p:spPr>
           <a:xfrm>
             <a:off x="291897" y="132735"/>
-            <a:ext cx="10264877" cy="6592529"/>
+            <a:ext cx="11608206" cy="6592529"/>
           </a:xfrm>
           <a:prstGeom prst="rect">
             <a:avLst/>
@@ -29761,7 +30512,13 @@
           <p:cNvGraphicFramePr>
             <a:graphicFrameLocks noGrp="1"/>
           </p:cNvGraphicFramePr>
-          <p:nvPr/>
+          <p:nvPr>
+            <p:extLst>
+              <p:ext uri="{D42A27DB-BD31-4B8C-83A1-F6EECF244321}">
+                <p14:modId xmlns:p14="http://schemas.microsoft.com/office/powerpoint/2010/main" val="2136219311"/>
+              </p:ext>
+            </p:extLst>
+          </p:nvPr>
         </p:nvGraphicFramePr>
         <p:xfrm>
           <a:off x="3441291" y="1895167"/>
@@ -30437,241 +31194,6 @@
           </a:graphicData>
         </a:graphic>
       </p:graphicFrame>
-      <p:sp>
-        <p:nvSpPr>
-          <p:cNvPr id="5" name="四角形: 角を丸くする 4">
-            <a:extLst>
-              <a:ext uri="{FF2B5EF4-FFF2-40B4-BE49-F238E27FC236}">
-                <a16:creationId xmlns:a16="http://schemas.microsoft.com/office/drawing/2014/main" id="{B9BB2A9D-51CB-4586-9EB4-2FF3059952F3}"/>
-              </a:ext>
-            </a:extLst>
-          </p:cNvPr>
-          <p:cNvSpPr/>
-          <p:nvPr/>
-        </p:nvSpPr>
-        <p:spPr>
-          <a:xfrm>
-            <a:off x="8770375" y="314634"/>
-            <a:ext cx="1504335" cy="589935"/>
-          </a:xfrm>
-          <a:prstGeom prst="roundRect">
-            <a:avLst/>
-          </a:prstGeom>
-          <a:solidFill>
-            <a:schemeClr val="bg2">
-              <a:lumMod val="90000"/>
-            </a:schemeClr>
-          </a:solidFill>
-        </p:spPr>
-        <p:style>
-          <a:lnRef idx="2">
-            <a:schemeClr val="accent1">
-              <a:shade val="50000"/>
-            </a:schemeClr>
-          </a:lnRef>
-          <a:fillRef idx="1">
-            <a:schemeClr val="accent1"/>
-          </a:fillRef>
-          <a:effectRef idx="0">
-            <a:schemeClr val="accent1"/>
-          </a:effectRef>
-          <a:fontRef idx="minor">
-            <a:schemeClr val="lt1"/>
-          </a:fontRef>
-        </p:style>
-        <p:txBody>
-          <a:bodyPr rtlCol="0" anchor="ctr"/>
-          <a:lstStyle/>
-          <a:p>
-            <a:pPr algn="ctr"/>
-            <a:r>
-              <a:rPr kumimoji="1" lang="ja-JP" altLang="en-US" dirty="0"/>
-              <a:t>ログアウト</a:t>
-            </a:r>
-          </a:p>
-        </p:txBody>
-      </p:sp>
-      <p:sp>
-        <p:nvSpPr>
-          <p:cNvPr id="8" name="四角形: 角を丸くする 7">
-            <a:extLst>
-              <a:ext uri="{FF2B5EF4-FFF2-40B4-BE49-F238E27FC236}">
-                <a16:creationId xmlns:a16="http://schemas.microsoft.com/office/drawing/2014/main" id="{3F47BE78-48F3-4196-941E-47031CAE4C6F}"/>
-              </a:ext>
-            </a:extLst>
-          </p:cNvPr>
-          <p:cNvSpPr/>
-          <p:nvPr/>
-        </p:nvSpPr>
-        <p:spPr>
-          <a:xfrm>
-            <a:off x="5304503" y="1238865"/>
-            <a:ext cx="1582994" cy="481780"/>
-          </a:xfrm>
-          <a:prstGeom prst="roundRect">
-            <a:avLst/>
-          </a:prstGeom>
-          <a:solidFill>
-            <a:schemeClr val="bg1"/>
-          </a:solidFill>
-        </p:spPr>
-        <p:style>
-          <a:lnRef idx="2">
-            <a:schemeClr val="accent1">
-              <a:shade val="50000"/>
-            </a:schemeClr>
-          </a:lnRef>
-          <a:fillRef idx="1">
-            <a:schemeClr val="accent1"/>
-          </a:fillRef>
-          <a:effectRef idx="0">
-            <a:schemeClr val="accent1"/>
-          </a:effectRef>
-          <a:fontRef idx="minor">
-            <a:schemeClr val="lt1"/>
-          </a:fontRef>
-        </p:style>
-        <p:txBody>
-          <a:bodyPr rtlCol="0" anchor="ctr"/>
-          <a:lstStyle/>
-          <a:p>
-            <a:pPr algn="ctr"/>
-            <a:r>
-              <a:rPr kumimoji="1" lang="ja-JP" altLang="en-US" dirty="0">
-                <a:ln>
-                  <a:solidFill>
-                    <a:schemeClr val="tx1"/>
-                  </a:solidFill>
-                </a:ln>
-              </a:rPr>
-              <a:t>一覧</a:t>
-            </a:r>
-          </a:p>
-        </p:txBody>
-      </p:sp>
-      <p:sp>
-        <p:nvSpPr>
-          <p:cNvPr id="9" name="四角形: 角を丸くする 8">
-            <a:extLst>
-              <a:ext uri="{FF2B5EF4-FFF2-40B4-BE49-F238E27FC236}">
-                <a16:creationId xmlns:a16="http://schemas.microsoft.com/office/drawing/2014/main" id="{C841505D-47FF-4BC3-8080-6AC0A8E747BD}"/>
-              </a:ext>
-            </a:extLst>
-          </p:cNvPr>
-          <p:cNvSpPr/>
-          <p:nvPr/>
-        </p:nvSpPr>
-        <p:spPr>
-          <a:xfrm>
-            <a:off x="7079226" y="1238865"/>
-            <a:ext cx="1582994" cy="481780"/>
-          </a:xfrm>
-          <a:prstGeom prst="roundRect">
-            <a:avLst/>
-          </a:prstGeom>
-          <a:solidFill>
-            <a:schemeClr val="bg1"/>
-          </a:solidFill>
-        </p:spPr>
-        <p:style>
-          <a:lnRef idx="2">
-            <a:schemeClr val="accent1">
-              <a:shade val="50000"/>
-            </a:schemeClr>
-          </a:lnRef>
-          <a:fillRef idx="1">
-            <a:schemeClr val="accent1"/>
-          </a:fillRef>
-          <a:effectRef idx="0">
-            <a:schemeClr val="accent1"/>
-          </a:effectRef>
-          <a:fontRef idx="minor">
-            <a:schemeClr val="lt1"/>
-          </a:fontRef>
-        </p:style>
-        <p:txBody>
-          <a:bodyPr rtlCol="0" anchor="ctr"/>
-          <a:lstStyle/>
-          <a:p>
-            <a:pPr algn="ctr"/>
-            <a:r>
-              <a:rPr lang="ja-JP" altLang="en-US" dirty="0">
-                <a:ln>
-                  <a:solidFill>
-                    <a:schemeClr val="tx1"/>
-                  </a:solidFill>
-                </a:ln>
-              </a:rPr>
-              <a:t>育成</a:t>
-            </a:r>
-            <a:endParaRPr kumimoji="1" lang="ja-JP" altLang="en-US" dirty="0">
-              <a:ln>
-                <a:solidFill>
-                  <a:schemeClr val="tx1"/>
-                </a:solidFill>
-              </a:ln>
-            </a:endParaRPr>
-          </a:p>
-        </p:txBody>
-      </p:sp>
-      <p:sp>
-        <p:nvSpPr>
-          <p:cNvPr id="10" name="四角形: 角を丸くする 9">
-            <a:extLst>
-              <a:ext uri="{FF2B5EF4-FFF2-40B4-BE49-F238E27FC236}">
-                <a16:creationId xmlns:a16="http://schemas.microsoft.com/office/drawing/2014/main" id="{51A85C72-1EDE-4E96-8576-2A0BAE4B3377}"/>
-              </a:ext>
-            </a:extLst>
-          </p:cNvPr>
-          <p:cNvSpPr/>
-          <p:nvPr/>
-        </p:nvSpPr>
-        <p:spPr>
-          <a:xfrm>
-            <a:off x="8898194" y="1238865"/>
-            <a:ext cx="1582994" cy="481780"/>
-          </a:xfrm>
-          <a:prstGeom prst="roundRect">
-            <a:avLst/>
-          </a:prstGeom>
-          <a:solidFill>
-            <a:schemeClr val="bg1"/>
-          </a:solidFill>
-        </p:spPr>
-        <p:style>
-          <a:lnRef idx="2">
-            <a:schemeClr val="accent1">
-              <a:shade val="50000"/>
-            </a:schemeClr>
-          </a:lnRef>
-          <a:fillRef idx="1">
-            <a:schemeClr val="accent1"/>
-          </a:fillRef>
-          <a:effectRef idx="0">
-            <a:schemeClr val="accent1"/>
-          </a:effectRef>
-          <a:fontRef idx="minor">
-            <a:schemeClr val="lt1"/>
-          </a:fontRef>
-        </p:style>
-        <p:txBody>
-          <a:bodyPr rtlCol="0" anchor="ctr"/>
-          <a:lstStyle/>
-          <a:p>
-            <a:pPr algn="ctr"/>
-            <a:r>
-              <a:rPr kumimoji="1" lang="ja-JP" altLang="en-US" dirty="0">
-                <a:ln>
-                  <a:solidFill>
-                    <a:schemeClr val="tx1"/>
-                  </a:solidFill>
-                </a:ln>
-              </a:rPr>
-              <a:t>分析</a:t>
-            </a:r>
-          </a:p>
-        </p:txBody>
-      </p:sp>
       <p:pic>
         <p:nvPicPr>
           <p:cNvPr id="18" name="図 17">
@@ -30825,10 +31347,10 @@
       </p:sp>
       <p:grpSp>
         <p:nvGrpSpPr>
-          <p:cNvPr id="2" name="グループ化 1">
+          <p:cNvPr id="12" name="グループ化 11">
             <a:extLst>
               <a:ext uri="{FF2B5EF4-FFF2-40B4-BE49-F238E27FC236}">
-                <a16:creationId xmlns:a16="http://schemas.microsoft.com/office/drawing/2014/main" id="{0AF2ED0E-EC33-4EBA-9F01-4AE6A8A4D77E}"/>
+                <a16:creationId xmlns:a16="http://schemas.microsoft.com/office/drawing/2014/main" id="{2B0F2FC0-F1BF-42AA-9384-2BCD319DF4CC}"/>
               </a:ext>
             </a:extLst>
           </p:cNvPr>
@@ -31984,10 +32506,10 @@
       </p:pic>
       <p:sp>
         <p:nvSpPr>
-          <p:cNvPr id="43" name="四角形: 角を丸くする 42">
+          <p:cNvPr id="44" name="四角形: 角を丸くする 43">
             <a:extLst>
               <a:ext uri="{FF2B5EF4-FFF2-40B4-BE49-F238E27FC236}">
-                <a16:creationId xmlns:a16="http://schemas.microsoft.com/office/drawing/2014/main" id="{3787B54D-EA79-429C-ACC9-11ABA2E42A5B}"/>
+                <a16:creationId xmlns:a16="http://schemas.microsoft.com/office/drawing/2014/main" id="{E2762B62-7758-438E-A777-045D6316194D}"/>
               </a:ext>
             </a:extLst>
           </p:cNvPr>
@@ -31996,7 +32518,242 @@
         </p:nvSpPr>
         <p:spPr>
           <a:xfrm>
-            <a:off x="3531420" y="1238865"/>
+            <a:off x="10320708" y="176820"/>
+            <a:ext cx="1504335" cy="589935"/>
+          </a:xfrm>
+          <a:prstGeom prst="roundRect">
+            <a:avLst/>
+          </a:prstGeom>
+          <a:solidFill>
+            <a:schemeClr val="bg2">
+              <a:lumMod val="90000"/>
+            </a:schemeClr>
+          </a:solidFill>
+        </p:spPr>
+        <p:style>
+          <a:lnRef idx="2">
+            <a:schemeClr val="accent1">
+              <a:shade val="50000"/>
+            </a:schemeClr>
+          </a:lnRef>
+          <a:fillRef idx="1">
+            <a:schemeClr val="accent1"/>
+          </a:fillRef>
+          <a:effectRef idx="0">
+            <a:schemeClr val="accent1"/>
+          </a:effectRef>
+          <a:fontRef idx="minor">
+            <a:schemeClr val="lt1"/>
+          </a:fontRef>
+        </p:style>
+        <p:txBody>
+          <a:bodyPr rtlCol="0" anchor="ctr"/>
+          <a:lstStyle/>
+          <a:p>
+            <a:pPr algn="ctr"/>
+            <a:r>
+              <a:rPr kumimoji="1" lang="ja-JP" altLang="en-US" dirty="0"/>
+              <a:t>ログアウト</a:t>
+            </a:r>
+          </a:p>
+        </p:txBody>
+      </p:sp>
+      <p:sp>
+        <p:nvSpPr>
+          <p:cNvPr id="45" name="四角形: 角を丸くする 44">
+            <a:extLst>
+              <a:ext uri="{FF2B5EF4-FFF2-40B4-BE49-F238E27FC236}">
+                <a16:creationId xmlns:a16="http://schemas.microsoft.com/office/drawing/2014/main" id="{68BDC9E5-49CF-4C22-BED7-C9B4E71C92A4}"/>
+              </a:ext>
+            </a:extLst>
+          </p:cNvPr>
+          <p:cNvSpPr/>
+          <p:nvPr/>
+        </p:nvSpPr>
+        <p:spPr>
+          <a:xfrm>
+            <a:off x="5068963" y="471788"/>
+            <a:ext cx="1582994" cy="481780"/>
+          </a:xfrm>
+          <a:prstGeom prst="roundRect">
+            <a:avLst/>
+          </a:prstGeom>
+          <a:solidFill>
+            <a:schemeClr val="bg1"/>
+          </a:solidFill>
+        </p:spPr>
+        <p:style>
+          <a:lnRef idx="2">
+            <a:schemeClr val="accent1">
+              <a:shade val="50000"/>
+            </a:schemeClr>
+          </a:lnRef>
+          <a:fillRef idx="1">
+            <a:schemeClr val="accent1"/>
+          </a:fillRef>
+          <a:effectRef idx="0">
+            <a:schemeClr val="accent1"/>
+          </a:effectRef>
+          <a:fontRef idx="minor">
+            <a:schemeClr val="lt1"/>
+          </a:fontRef>
+        </p:style>
+        <p:txBody>
+          <a:bodyPr rtlCol="0" anchor="ctr"/>
+          <a:lstStyle/>
+          <a:p>
+            <a:pPr algn="ctr"/>
+            <a:r>
+              <a:rPr kumimoji="1" lang="ja-JP" altLang="en-US" dirty="0">
+                <a:ln>
+                  <a:solidFill>
+                    <a:schemeClr val="tx1"/>
+                  </a:solidFill>
+                </a:ln>
+              </a:rPr>
+              <a:t>一覧</a:t>
+            </a:r>
+          </a:p>
+        </p:txBody>
+      </p:sp>
+      <p:sp>
+        <p:nvSpPr>
+          <p:cNvPr id="46" name="四角形: 角を丸くする 45">
+            <a:extLst>
+              <a:ext uri="{FF2B5EF4-FFF2-40B4-BE49-F238E27FC236}">
+                <a16:creationId xmlns:a16="http://schemas.microsoft.com/office/drawing/2014/main" id="{CE534E0B-3D62-41F3-A469-1AA903360DF9}"/>
+              </a:ext>
+            </a:extLst>
+          </p:cNvPr>
+          <p:cNvSpPr/>
+          <p:nvPr/>
+        </p:nvSpPr>
+        <p:spPr>
+          <a:xfrm>
+            <a:off x="6843686" y="471788"/>
+            <a:ext cx="1582994" cy="481780"/>
+          </a:xfrm>
+          <a:prstGeom prst="roundRect">
+            <a:avLst/>
+          </a:prstGeom>
+          <a:solidFill>
+            <a:schemeClr val="bg1"/>
+          </a:solidFill>
+        </p:spPr>
+        <p:style>
+          <a:lnRef idx="2">
+            <a:schemeClr val="accent1">
+              <a:shade val="50000"/>
+            </a:schemeClr>
+          </a:lnRef>
+          <a:fillRef idx="1">
+            <a:schemeClr val="accent1"/>
+          </a:fillRef>
+          <a:effectRef idx="0">
+            <a:schemeClr val="accent1"/>
+          </a:effectRef>
+          <a:fontRef idx="minor">
+            <a:schemeClr val="lt1"/>
+          </a:fontRef>
+        </p:style>
+        <p:txBody>
+          <a:bodyPr rtlCol="0" anchor="ctr"/>
+          <a:lstStyle/>
+          <a:p>
+            <a:pPr algn="ctr"/>
+            <a:r>
+              <a:rPr lang="ja-JP" altLang="en-US" dirty="0">
+                <a:ln>
+                  <a:solidFill>
+                    <a:schemeClr val="tx1"/>
+                  </a:solidFill>
+                </a:ln>
+              </a:rPr>
+              <a:t>育成</a:t>
+            </a:r>
+            <a:endParaRPr kumimoji="1" lang="ja-JP" altLang="en-US" dirty="0">
+              <a:ln>
+                <a:solidFill>
+                  <a:schemeClr val="tx1"/>
+                </a:solidFill>
+              </a:ln>
+            </a:endParaRPr>
+          </a:p>
+        </p:txBody>
+      </p:sp>
+      <p:sp>
+        <p:nvSpPr>
+          <p:cNvPr id="47" name="四角形: 角を丸くする 46">
+            <a:extLst>
+              <a:ext uri="{FF2B5EF4-FFF2-40B4-BE49-F238E27FC236}">
+                <a16:creationId xmlns:a16="http://schemas.microsoft.com/office/drawing/2014/main" id="{F20A27CA-D088-45D9-904C-E484C6A376E3}"/>
+              </a:ext>
+            </a:extLst>
+          </p:cNvPr>
+          <p:cNvSpPr/>
+          <p:nvPr/>
+        </p:nvSpPr>
+        <p:spPr>
+          <a:xfrm>
+            <a:off x="8662654" y="471788"/>
+            <a:ext cx="1582994" cy="481780"/>
+          </a:xfrm>
+          <a:prstGeom prst="roundRect">
+            <a:avLst/>
+          </a:prstGeom>
+          <a:solidFill>
+            <a:schemeClr val="bg1"/>
+          </a:solidFill>
+        </p:spPr>
+        <p:style>
+          <a:lnRef idx="2">
+            <a:schemeClr val="accent1">
+              <a:shade val="50000"/>
+            </a:schemeClr>
+          </a:lnRef>
+          <a:fillRef idx="1">
+            <a:schemeClr val="accent1"/>
+          </a:fillRef>
+          <a:effectRef idx="0">
+            <a:schemeClr val="accent1"/>
+          </a:effectRef>
+          <a:fontRef idx="minor">
+            <a:schemeClr val="lt1"/>
+          </a:fontRef>
+        </p:style>
+        <p:txBody>
+          <a:bodyPr rtlCol="0" anchor="ctr"/>
+          <a:lstStyle/>
+          <a:p>
+            <a:pPr algn="ctr"/>
+            <a:r>
+              <a:rPr kumimoji="1" lang="ja-JP" altLang="en-US" dirty="0">
+                <a:ln>
+                  <a:solidFill>
+                    <a:schemeClr val="tx1"/>
+                  </a:solidFill>
+                </a:ln>
+              </a:rPr>
+              <a:t>分析</a:t>
+            </a:r>
+          </a:p>
+        </p:txBody>
+      </p:sp>
+      <p:sp>
+        <p:nvSpPr>
+          <p:cNvPr id="48" name="四角形: 角を丸くする 47">
+            <a:extLst>
+              <a:ext uri="{FF2B5EF4-FFF2-40B4-BE49-F238E27FC236}">
+                <a16:creationId xmlns:a16="http://schemas.microsoft.com/office/drawing/2014/main" id="{B570618B-7439-4037-A116-6313B1B92F73}"/>
+              </a:ext>
+            </a:extLst>
+          </p:cNvPr>
+          <p:cNvSpPr/>
+          <p:nvPr/>
+        </p:nvSpPr>
+        <p:spPr>
+          <a:xfrm>
+            <a:off x="3295880" y="471788"/>
             <a:ext cx="1582994" cy="481780"/>
           </a:xfrm>
           <a:prstGeom prst="roundRect">
@@ -32040,6 +32797,243 @@
               </a:rPr>
               <a:t>カレンダー</a:t>
             </a:r>
+          </a:p>
+        </p:txBody>
+      </p:sp>
+      <p:grpSp>
+        <p:nvGrpSpPr>
+          <p:cNvPr id="49" name="グループ化 48">
+            <a:extLst>
+              <a:ext uri="{FF2B5EF4-FFF2-40B4-BE49-F238E27FC236}">
+                <a16:creationId xmlns:a16="http://schemas.microsoft.com/office/drawing/2014/main" id="{DAE84738-BCE1-4203-9561-A5624B400360}"/>
+              </a:ext>
+            </a:extLst>
+          </p:cNvPr>
+          <p:cNvGrpSpPr/>
+          <p:nvPr/>
+        </p:nvGrpSpPr>
+        <p:grpSpPr>
+          <a:xfrm>
+            <a:off x="4011817" y="1251813"/>
+            <a:ext cx="2568139" cy="481780"/>
+            <a:chOff x="5032301" y="1074934"/>
+            <a:chExt cx="2568139" cy="481780"/>
+          </a:xfrm>
+        </p:grpSpPr>
+        <p:pic>
+          <p:nvPicPr>
+            <p:cNvPr id="50" name="図 49">
+              <a:extLst>
+                <a:ext uri="{FF2B5EF4-FFF2-40B4-BE49-F238E27FC236}">
+                  <a16:creationId xmlns:a16="http://schemas.microsoft.com/office/drawing/2014/main" id="{EF009817-3973-4D02-8D3A-415E0BE7B6BF}"/>
+                </a:ext>
+              </a:extLst>
+            </p:cNvPr>
+            <p:cNvPicPr>
+              <a:picLocks noChangeAspect="1"/>
+            </p:cNvPicPr>
+            <p:nvPr/>
+          </p:nvPicPr>
+          <p:blipFill>
+            <a:blip r:embed="rId6"/>
+            <a:stretch>
+              <a:fillRect/>
+            </a:stretch>
+          </p:blipFill>
+          <p:spPr>
+            <a:xfrm>
+              <a:off x="7266248" y="1124925"/>
+              <a:ext cx="334192" cy="334192"/>
+            </a:xfrm>
+            <a:prstGeom prst="rect">
+              <a:avLst/>
+            </a:prstGeom>
+          </p:spPr>
+        </p:pic>
+        <p:sp>
+          <p:nvSpPr>
+            <p:cNvPr id="51" name="四角形: 角を丸くする 50">
+              <a:extLst>
+                <a:ext uri="{FF2B5EF4-FFF2-40B4-BE49-F238E27FC236}">
+                  <a16:creationId xmlns:a16="http://schemas.microsoft.com/office/drawing/2014/main" id="{4C6AACC4-1805-4540-9C85-A557F4953871}"/>
+                </a:ext>
+              </a:extLst>
+            </p:cNvPr>
+            <p:cNvSpPr/>
+            <p:nvPr/>
+          </p:nvSpPr>
+          <p:spPr>
+            <a:xfrm>
+              <a:off x="5478671" y="1074934"/>
+              <a:ext cx="1582994" cy="481780"/>
+            </a:xfrm>
+            <a:prstGeom prst="roundRect">
+              <a:avLst/>
+            </a:prstGeom>
+            <a:noFill/>
+            <a:ln>
+              <a:solidFill>
+                <a:schemeClr val="tx1"/>
+              </a:solidFill>
+            </a:ln>
+          </p:spPr>
+          <p:style>
+            <a:lnRef idx="2">
+              <a:schemeClr val="accent1">
+                <a:shade val="50000"/>
+              </a:schemeClr>
+            </a:lnRef>
+            <a:fillRef idx="1">
+              <a:schemeClr val="accent1"/>
+            </a:fillRef>
+            <a:effectRef idx="0">
+              <a:schemeClr val="accent1"/>
+            </a:effectRef>
+            <a:fontRef idx="minor">
+              <a:schemeClr val="lt1"/>
+            </a:fontRef>
+          </p:style>
+          <p:txBody>
+            <a:bodyPr rtlCol="0" anchor="ctr"/>
+            <a:lstStyle/>
+            <a:p>
+              <a:pPr algn="ctr"/>
+              <a:r>
+                <a:rPr kumimoji="1" lang="en-US" altLang="ja-JP" dirty="0">
+                  <a:ln>
+                    <a:solidFill>
+                      <a:schemeClr val="tx1"/>
+                    </a:solidFill>
+                  </a:ln>
+                </a:rPr>
+                <a:t>2023/06</a:t>
+              </a:r>
+              <a:endParaRPr kumimoji="1" lang="ja-JP" altLang="en-US" dirty="0">
+                <a:ln>
+                  <a:solidFill>
+                    <a:schemeClr val="tx1"/>
+                  </a:solidFill>
+                </a:ln>
+              </a:endParaRPr>
+            </a:p>
+          </p:txBody>
+        </p:sp>
+        <p:pic>
+          <p:nvPicPr>
+            <p:cNvPr id="52" name="図 51">
+              <a:extLst>
+                <a:ext uri="{FF2B5EF4-FFF2-40B4-BE49-F238E27FC236}">
+                  <a16:creationId xmlns:a16="http://schemas.microsoft.com/office/drawing/2014/main" id="{71DD1152-85F4-4713-AAED-58E183D210C1}"/>
+                </a:ext>
+              </a:extLst>
+            </p:cNvPr>
+            <p:cNvPicPr>
+              <a:picLocks noChangeAspect="1"/>
+            </p:cNvPicPr>
+            <p:nvPr/>
+          </p:nvPicPr>
+          <p:blipFill>
+            <a:blip r:embed="rId6"/>
+            <a:stretch>
+              <a:fillRect/>
+            </a:stretch>
+          </p:blipFill>
+          <p:spPr>
+            <a:xfrm flipH="1">
+              <a:off x="5032301" y="1148728"/>
+              <a:ext cx="334192" cy="334192"/>
+            </a:xfrm>
+            <a:prstGeom prst="rect">
+              <a:avLst/>
+            </a:prstGeom>
+          </p:spPr>
+        </p:pic>
+      </p:grpSp>
+      <p:sp>
+        <p:nvSpPr>
+          <p:cNvPr id="53" name="四角形: 角を丸くする 52">
+            <a:extLst>
+              <a:ext uri="{FF2B5EF4-FFF2-40B4-BE49-F238E27FC236}">
+                <a16:creationId xmlns:a16="http://schemas.microsoft.com/office/drawing/2014/main" id="{8CD137CD-0480-4729-A10B-86D2AFA18225}"/>
+              </a:ext>
+            </a:extLst>
+          </p:cNvPr>
+          <p:cNvSpPr/>
+          <p:nvPr/>
+        </p:nvSpPr>
+        <p:spPr>
+          <a:xfrm>
+            <a:off x="8023123" y="1350882"/>
+            <a:ext cx="1725995" cy="481780"/>
+          </a:xfrm>
+          <a:prstGeom prst="roundRect">
+            <a:avLst/>
+          </a:prstGeom>
+          <a:noFill/>
+          <a:ln>
+            <a:solidFill>
+              <a:schemeClr val="tx1"/>
+            </a:solidFill>
+          </a:ln>
+        </p:spPr>
+        <p:style>
+          <a:lnRef idx="2">
+            <a:schemeClr val="accent1">
+              <a:shade val="50000"/>
+            </a:schemeClr>
+          </a:lnRef>
+          <a:fillRef idx="1">
+            <a:schemeClr val="accent1"/>
+          </a:fillRef>
+          <a:effectRef idx="0">
+            <a:schemeClr val="accent1"/>
+          </a:effectRef>
+          <a:fontRef idx="minor">
+            <a:schemeClr val="lt1"/>
+          </a:fontRef>
+        </p:style>
+        <p:txBody>
+          <a:bodyPr rtlCol="0" anchor="ctr"/>
+          <a:lstStyle/>
+          <a:p>
+            <a:pPr algn="ctr"/>
+            <a:r>
+              <a:rPr kumimoji="1" lang="en-US" altLang="ja-JP" dirty="0">
+                <a:ln>
+                  <a:solidFill>
+                    <a:schemeClr val="tx1"/>
+                  </a:solidFill>
+                </a:ln>
+              </a:rPr>
+              <a:t>Total</a:t>
+            </a:r>
+            <a:r>
+              <a:rPr kumimoji="1" lang="ja-JP" altLang="en-US" dirty="0">
+                <a:ln>
+                  <a:solidFill>
+                    <a:schemeClr val="tx1"/>
+                  </a:solidFill>
+                </a:ln>
+              </a:rPr>
+              <a:t>　</a:t>
+            </a:r>
+            <a:r>
+              <a:rPr kumimoji="1" lang="en-US" altLang="ja-JP" dirty="0">
+                <a:ln>
+                  <a:solidFill>
+                    <a:schemeClr val="tx1"/>
+                  </a:solidFill>
+                </a:ln>
+              </a:rPr>
+              <a:t>\,4300</a:t>
+            </a:r>
+            <a:endParaRPr kumimoji="1" lang="ja-JP" altLang="en-US" dirty="0">
+              <a:ln>
+                <a:solidFill>
+                  <a:schemeClr val="tx1"/>
+                </a:solidFill>
+              </a:ln>
+            </a:endParaRPr>
           </a:p>
         </p:txBody>
       </p:sp>

--- a/doc/外部設計_プレゼン.pptx
+++ b/doc/外部設計_プレゼン.pptx
@@ -11614,10 +11614,10 @@
       </p:grpSp>
       <p:grpSp>
         <p:nvGrpSpPr>
-          <p:cNvPr id="71" name="グループ化 70">
+          <p:cNvPr id="8" name="グループ化 7">
             <a:extLst>
               <a:ext uri="{FF2B5EF4-FFF2-40B4-BE49-F238E27FC236}">
-                <a16:creationId xmlns:a16="http://schemas.microsoft.com/office/drawing/2014/main" id="{64E3C747-16BE-4457-8B86-45E07D2B0A95}"/>
+                <a16:creationId xmlns:a16="http://schemas.microsoft.com/office/drawing/2014/main" id="{60EEFAED-A785-490B-B86B-094ADC7FA4EB}"/>
               </a:ext>
             </a:extLst>
           </p:cNvPr>
@@ -11627,17 +11627,17 @@
         <p:grpSpPr>
           <a:xfrm>
             <a:off x="3270397" y="1445978"/>
-            <a:ext cx="8364775" cy="4978096"/>
-            <a:chOff x="3541843" y="1544808"/>
-            <a:chExt cx="8019533" cy="4743894"/>
+            <a:ext cx="8629706" cy="4978096"/>
+            <a:chOff x="3270397" y="1445978"/>
+            <a:chExt cx="8629706" cy="4978096"/>
           </a:xfrm>
         </p:grpSpPr>
         <p:grpSp>
           <p:nvGrpSpPr>
-            <p:cNvPr id="72" name="グループ化 71">
+            <p:cNvPr id="71" name="グループ化 70">
               <a:extLst>
                 <a:ext uri="{FF2B5EF4-FFF2-40B4-BE49-F238E27FC236}">
-                  <a16:creationId xmlns:a16="http://schemas.microsoft.com/office/drawing/2014/main" id="{285B6CBC-85E5-41CE-81D8-33F8DF6444C8}"/>
+                  <a16:creationId xmlns:a16="http://schemas.microsoft.com/office/drawing/2014/main" id="{64E3C747-16BE-4457-8B86-45E07D2B0A95}"/>
                 </a:ext>
               </a:extLst>
             </p:cNvPr>
@@ -11646,1002 +11646,1069 @@
           </p:nvGrpSpPr>
           <p:grpSpPr>
             <a:xfrm>
-              <a:off x="3541843" y="1544808"/>
-              <a:ext cx="8019533" cy="4743894"/>
-              <a:chOff x="3444602" y="1814576"/>
-              <a:chExt cx="6760233" cy="4316826"/>
+              <a:off x="3270397" y="1445978"/>
+              <a:ext cx="8629706" cy="4978096"/>
+              <a:chOff x="3541843" y="1544808"/>
+              <a:chExt cx="8273529" cy="4743894"/>
             </a:xfrm>
           </p:grpSpPr>
-          <p:sp>
-            <p:nvSpPr>
-              <p:cNvPr id="74" name="テキスト ボックス 73">
+          <p:grpSp>
+            <p:nvGrpSpPr>
+              <p:cNvPr id="72" name="グループ化 71">
                 <a:extLst>
                   <a:ext uri="{FF2B5EF4-FFF2-40B4-BE49-F238E27FC236}">
-                    <a16:creationId xmlns:a16="http://schemas.microsoft.com/office/drawing/2014/main" id="{F58DD780-CD97-4E22-A2B5-26A07A644273}"/>
+                    <a16:creationId xmlns:a16="http://schemas.microsoft.com/office/drawing/2014/main" id="{285B6CBC-85E5-41CE-81D8-33F8DF6444C8}"/>
                   </a:ext>
                 </a:extLst>
               </p:cNvPr>
-              <p:cNvSpPr txBox="1"/>
+              <p:cNvGrpSpPr/>
               <p:nvPr/>
-            </p:nvSpPr>
-            <p:spPr>
+            </p:nvGrpSpPr>
+            <p:grpSpPr>
               <a:xfrm>
-                <a:off x="3527324" y="1814576"/>
-                <a:ext cx="1701580" cy="369332"/>
+                <a:off x="3541843" y="1544808"/>
+                <a:ext cx="8273529" cy="4743894"/>
+                <a:chOff x="3444602" y="1814576"/>
+                <a:chExt cx="6974344" cy="4316826"/>
               </a:xfrm>
-              <a:prstGeom prst="rect">
-                <a:avLst/>
-              </a:prstGeom>
-              <a:solidFill>
-                <a:schemeClr val="bg1"/>
-              </a:solidFill>
-            </p:spPr>
-            <p:txBody>
-              <a:bodyPr wrap="square" rtlCol="0">
-                <a:spAutoFit/>
-              </a:bodyPr>
-              <a:lstStyle/>
-              <a:p>
-                <a:r>
-                  <a:rPr kumimoji="1" lang="ja-JP" altLang="en-US" dirty="0"/>
-                  <a:t>日用品</a:t>
-                </a:r>
-              </a:p>
-            </p:txBody>
-          </p:sp>
-          <p:sp>
-            <p:nvSpPr>
-              <p:cNvPr id="77" name="テキスト ボックス 76">
+            </p:grpSpPr>
+            <p:sp>
+              <p:nvSpPr>
+                <p:cNvPr id="74" name="テキスト ボックス 73">
+                  <a:extLst>
+                    <a:ext uri="{FF2B5EF4-FFF2-40B4-BE49-F238E27FC236}">
+                      <a16:creationId xmlns:a16="http://schemas.microsoft.com/office/drawing/2014/main" id="{F58DD780-CD97-4E22-A2B5-26A07A644273}"/>
+                    </a:ext>
+                  </a:extLst>
+                </p:cNvPr>
+                <p:cNvSpPr txBox="1"/>
+                <p:nvPr/>
+              </p:nvSpPr>
+              <p:spPr>
+                <a:xfrm>
+                  <a:off x="3527324" y="1814576"/>
+                  <a:ext cx="1701580" cy="369332"/>
+                </a:xfrm>
+                <a:prstGeom prst="rect">
+                  <a:avLst/>
+                </a:prstGeom>
+                <a:solidFill>
+                  <a:schemeClr val="bg1"/>
+                </a:solidFill>
+              </p:spPr>
+              <p:txBody>
+                <a:bodyPr wrap="square" rtlCol="0">
+                  <a:spAutoFit/>
+                </a:bodyPr>
+                <a:lstStyle/>
+                <a:p>
+                  <a:r>
+                    <a:rPr kumimoji="1" lang="ja-JP" altLang="en-US" dirty="0"/>
+                    <a:t>日用品</a:t>
+                  </a:r>
+                </a:p>
+              </p:txBody>
+            </p:sp>
+            <p:sp>
+              <p:nvSpPr>
+                <p:cNvPr id="77" name="テキスト ボックス 76">
+                  <a:extLst>
+                    <a:ext uri="{FF2B5EF4-FFF2-40B4-BE49-F238E27FC236}">
+                      <a16:creationId xmlns:a16="http://schemas.microsoft.com/office/drawing/2014/main" id="{E39F6C66-A96F-492A-9643-E33A2DDB1E1B}"/>
+                    </a:ext>
+                  </a:extLst>
+                </p:cNvPr>
+                <p:cNvSpPr txBox="1"/>
+                <p:nvPr/>
+              </p:nvSpPr>
+              <p:spPr>
+                <a:xfrm>
+                  <a:off x="5228904" y="1912245"/>
+                  <a:ext cx="1701580" cy="369332"/>
+                </a:xfrm>
+                <a:prstGeom prst="rect">
+                  <a:avLst/>
+                </a:prstGeom>
+                <a:solidFill>
+                  <a:schemeClr val="bg2">
+                    <a:lumMod val="75000"/>
+                  </a:schemeClr>
+                </a:solidFill>
+              </p:spPr>
+              <p:txBody>
+                <a:bodyPr wrap="square" rtlCol="0">
+                  <a:spAutoFit/>
+                </a:bodyPr>
+                <a:lstStyle/>
+                <a:p>
+                  <a:r>
+                    <a:rPr lang="ja-JP" altLang="en-US" dirty="0"/>
+                    <a:t>家事</a:t>
+                  </a:r>
+                  <a:endParaRPr kumimoji="1" lang="en-US" altLang="ja-JP" dirty="0"/>
+                </a:p>
+              </p:txBody>
+            </p:sp>
+            <p:sp>
+              <p:nvSpPr>
+                <p:cNvPr id="80" name="テキスト ボックス 79">
+                  <a:extLst>
+                    <a:ext uri="{FF2B5EF4-FFF2-40B4-BE49-F238E27FC236}">
+                      <a16:creationId xmlns:a16="http://schemas.microsoft.com/office/drawing/2014/main" id="{EFC5E3CA-1FC3-4E6B-8083-C7ED4E65ACCE}"/>
+                    </a:ext>
+                  </a:extLst>
+                </p:cNvPr>
+                <p:cNvSpPr txBox="1"/>
+                <p:nvPr/>
+              </p:nvSpPr>
+              <p:spPr>
+                <a:xfrm>
+                  <a:off x="3444602" y="2183908"/>
+                  <a:ext cx="6760233" cy="3947494"/>
+                </a:xfrm>
+                <a:prstGeom prst="rect">
+                  <a:avLst/>
+                </a:prstGeom>
+                <a:solidFill>
+                  <a:schemeClr val="accent1">
+                    <a:lumMod val="20000"/>
+                    <a:lumOff val="80000"/>
+                  </a:schemeClr>
+                </a:solidFill>
+              </p:spPr>
+              <p:txBody>
+                <a:bodyPr wrap="square" rtlCol="0">
+                  <a:spAutoFit/>
+                </a:bodyPr>
+                <a:lstStyle/>
+                <a:p>
+                  <a:endParaRPr kumimoji="1" lang="ja-JP" altLang="en-US" dirty="0"/>
+                </a:p>
+              </p:txBody>
+            </p:sp>
+            <p:sp>
+              <p:nvSpPr>
+                <p:cNvPr id="83" name="テキスト ボックス 82">
+                  <a:extLst>
+                    <a:ext uri="{FF2B5EF4-FFF2-40B4-BE49-F238E27FC236}">
+                      <a16:creationId xmlns:a16="http://schemas.microsoft.com/office/drawing/2014/main" id="{A413378F-F8C2-4F1C-A74F-B18E831B7061}"/>
+                    </a:ext>
+                  </a:extLst>
+                </p:cNvPr>
+                <p:cNvSpPr txBox="1"/>
+                <p:nvPr/>
+              </p:nvSpPr>
+              <p:spPr>
+                <a:xfrm>
+                  <a:off x="3527572" y="3110838"/>
+                  <a:ext cx="1402485" cy="553998"/>
+                </a:xfrm>
+                <a:prstGeom prst="rect">
+                  <a:avLst/>
+                </a:prstGeom>
+                <a:solidFill>
+                  <a:schemeClr val="bg1"/>
+                </a:solidFill>
+              </p:spPr>
+              <p:txBody>
+                <a:bodyPr wrap="square" rtlCol="0">
+                  <a:spAutoFit/>
+                </a:bodyPr>
+                <a:lstStyle/>
+                <a:p>
+                  <a:r>
+                    <a:rPr lang="ja-JP" altLang="en-US" dirty="0"/>
+                    <a:t>シャンプー</a:t>
+                  </a:r>
+                  <a:endParaRPr lang="en-US" altLang="ja-JP" dirty="0"/>
+                </a:p>
+                <a:p>
+                  <a:r>
+                    <a:rPr lang="ja-JP" altLang="en-US" sz="1100" dirty="0"/>
+                    <a:t>メリット</a:t>
+                  </a:r>
+                  <a:endParaRPr lang="en-US" altLang="ja-JP" sz="1100" dirty="0"/>
+                </a:p>
+              </p:txBody>
+            </p:sp>
+            <p:sp>
+              <p:nvSpPr>
+                <p:cNvPr id="84" name="テキスト ボックス 83">
+                  <a:extLst>
+                    <a:ext uri="{FF2B5EF4-FFF2-40B4-BE49-F238E27FC236}">
+                      <a16:creationId xmlns:a16="http://schemas.microsoft.com/office/drawing/2014/main" id="{2F8D0609-2126-46AF-8E36-F0D868B62BB9}"/>
+                    </a:ext>
+                  </a:extLst>
+                </p:cNvPr>
+                <p:cNvSpPr txBox="1"/>
+                <p:nvPr/>
+              </p:nvSpPr>
+              <p:spPr>
+                <a:xfrm>
+                  <a:off x="5864941" y="3118270"/>
+                  <a:ext cx="1597079" cy="369332"/>
+                </a:xfrm>
+                <a:prstGeom prst="rect">
+                  <a:avLst/>
+                </a:prstGeom>
+                <a:solidFill>
+                  <a:schemeClr val="bg1"/>
+                </a:solidFill>
+              </p:spPr>
+              <p:txBody>
+                <a:bodyPr wrap="square" rtlCol="0">
+                  <a:spAutoFit/>
+                </a:bodyPr>
+                <a:lstStyle/>
+                <a:p>
+                  <a:r>
+                    <a:rPr lang="en-US" altLang="ja-JP" dirty="0"/>
+                    <a:t>0</a:t>
+                  </a:r>
+                  <a:r>
+                    <a:rPr lang="ja-JP" altLang="en-US" dirty="0"/>
+                    <a:t>６</a:t>
+                  </a:r>
+                  <a:r>
+                    <a:rPr lang="en-US" altLang="ja-JP" dirty="0"/>
+                    <a:t>/14</a:t>
+                  </a:r>
+                </a:p>
+              </p:txBody>
+            </p:sp>
+            <p:sp>
+              <p:nvSpPr>
+                <p:cNvPr id="85" name="テキスト ボックス 84">
+                  <a:extLst>
+                    <a:ext uri="{FF2B5EF4-FFF2-40B4-BE49-F238E27FC236}">
+                      <a16:creationId xmlns:a16="http://schemas.microsoft.com/office/drawing/2014/main" id="{7B828EDA-5043-4FF5-9A37-530FFE986BC0}"/>
+                    </a:ext>
+                  </a:extLst>
+                </p:cNvPr>
+                <p:cNvSpPr txBox="1"/>
+                <p:nvPr/>
+              </p:nvSpPr>
+              <p:spPr>
+                <a:xfrm>
+                  <a:off x="7753656" y="3100209"/>
+                  <a:ext cx="1597079" cy="369332"/>
+                </a:xfrm>
+                <a:prstGeom prst="rect">
+                  <a:avLst/>
+                </a:prstGeom>
+                <a:solidFill>
+                  <a:schemeClr val="bg1"/>
+                </a:solidFill>
+              </p:spPr>
+              <p:txBody>
+                <a:bodyPr wrap="square" rtlCol="0">
+                  <a:spAutoFit/>
+                </a:bodyPr>
+                <a:lstStyle/>
+                <a:p>
+                  <a:r>
+                    <a:rPr lang="ja-JP" altLang="en-US" dirty="0"/>
+                    <a:t>あと〇日</a:t>
+                  </a:r>
+                  <a:endParaRPr lang="en-US" altLang="ja-JP" dirty="0"/>
+                </a:p>
+              </p:txBody>
+            </p:sp>
+            <p:sp>
+              <p:nvSpPr>
+                <p:cNvPr id="86" name="テキスト ボックス 85">
+                  <a:extLst>
+                    <a:ext uri="{FF2B5EF4-FFF2-40B4-BE49-F238E27FC236}">
+                      <a16:creationId xmlns:a16="http://schemas.microsoft.com/office/drawing/2014/main" id="{3FF77B36-7257-4551-B4A7-A55EB78769F7}"/>
+                    </a:ext>
+                  </a:extLst>
+                </p:cNvPr>
+                <p:cNvSpPr txBox="1"/>
+                <p:nvPr/>
+              </p:nvSpPr>
+              <p:spPr>
+                <a:xfrm>
+                  <a:off x="5864940" y="2413698"/>
+                  <a:ext cx="1597079" cy="369332"/>
+                </a:xfrm>
+                <a:prstGeom prst="rect">
+                  <a:avLst/>
+                </a:prstGeom>
+                <a:solidFill>
+                  <a:schemeClr val="bg1"/>
+                </a:solidFill>
+              </p:spPr>
+              <p:txBody>
+                <a:bodyPr wrap="square" rtlCol="0">
+                  <a:spAutoFit/>
+                </a:bodyPr>
+                <a:lstStyle/>
+                <a:p>
+                  <a:r>
+                    <a:rPr lang="ja-JP" altLang="en-US" dirty="0"/>
+                    <a:t>予測終了日</a:t>
+                  </a:r>
+                  <a:endParaRPr lang="en-US" altLang="ja-JP" dirty="0"/>
+                </a:p>
+              </p:txBody>
+            </p:sp>
+            <p:sp>
+              <p:nvSpPr>
+                <p:cNvPr id="87" name="テキスト ボックス 86">
+                  <a:extLst>
+                    <a:ext uri="{FF2B5EF4-FFF2-40B4-BE49-F238E27FC236}">
+                      <a16:creationId xmlns:a16="http://schemas.microsoft.com/office/drawing/2014/main" id="{13864DD1-D9B4-40C2-A82E-816F02E63835}"/>
+                    </a:ext>
+                  </a:extLst>
+                </p:cNvPr>
+                <p:cNvSpPr txBox="1"/>
+                <p:nvPr/>
+              </p:nvSpPr>
+              <p:spPr>
+                <a:xfrm>
+                  <a:off x="3527324" y="2405746"/>
+                  <a:ext cx="2212243" cy="369319"/>
+                </a:xfrm>
+                <a:prstGeom prst="rect">
+                  <a:avLst/>
+                </a:prstGeom>
+                <a:solidFill>
+                  <a:schemeClr val="bg1"/>
+                </a:solidFill>
+              </p:spPr>
+              <p:txBody>
+                <a:bodyPr wrap="square" rtlCol="0">
+                  <a:spAutoFit/>
+                </a:bodyPr>
+                <a:lstStyle/>
+                <a:p>
+                  <a:r>
+                    <a:rPr lang="ja-JP" altLang="en-US" dirty="0"/>
+                    <a:t>項目</a:t>
+                  </a:r>
+                  <a:endParaRPr lang="en-US" altLang="ja-JP" dirty="0"/>
+                </a:p>
+              </p:txBody>
+            </p:sp>
+            <p:sp>
+              <p:nvSpPr>
+                <p:cNvPr id="88" name="テキスト ボックス 87">
+                  <a:extLst>
+                    <a:ext uri="{FF2B5EF4-FFF2-40B4-BE49-F238E27FC236}">
+                      <a16:creationId xmlns:a16="http://schemas.microsoft.com/office/drawing/2014/main" id="{452661F2-3410-4413-B29F-1B8B3DB8C6A9}"/>
+                    </a:ext>
+                  </a:extLst>
+                </p:cNvPr>
+                <p:cNvSpPr txBox="1"/>
+                <p:nvPr/>
+              </p:nvSpPr>
+              <p:spPr>
+                <a:xfrm>
+                  <a:off x="7729330" y="2413698"/>
+                  <a:ext cx="1597079" cy="369332"/>
+                </a:xfrm>
+                <a:prstGeom prst="rect">
+                  <a:avLst/>
+                </a:prstGeom>
+                <a:solidFill>
+                  <a:schemeClr val="bg1"/>
+                </a:solidFill>
+              </p:spPr>
+              <p:txBody>
+                <a:bodyPr wrap="square" rtlCol="0">
+                  <a:spAutoFit/>
+                </a:bodyPr>
+                <a:lstStyle/>
+                <a:p>
+                  <a:r>
+                    <a:rPr lang="ja-JP" altLang="en-US" dirty="0"/>
+                    <a:t>日数</a:t>
+                  </a:r>
+                  <a:endParaRPr lang="en-US" altLang="ja-JP" dirty="0"/>
+                </a:p>
+              </p:txBody>
+            </p:sp>
+            <p:sp>
+              <p:nvSpPr>
+                <p:cNvPr id="89" name="テキスト ボックス 88">
+                  <a:extLst>
+                    <a:ext uri="{FF2B5EF4-FFF2-40B4-BE49-F238E27FC236}">
+                      <a16:creationId xmlns:a16="http://schemas.microsoft.com/office/drawing/2014/main" id="{F84467B0-42B2-4E0D-9C0D-94437EDAAAD8}"/>
+                    </a:ext>
+                  </a:extLst>
+                </p:cNvPr>
+                <p:cNvSpPr txBox="1"/>
+                <p:nvPr/>
+              </p:nvSpPr>
+              <p:spPr>
+                <a:xfrm>
+                  <a:off x="5082857" y="3205952"/>
+                  <a:ext cx="546861" cy="307777"/>
+                </a:xfrm>
+                <a:prstGeom prst="rect">
+                  <a:avLst/>
+                </a:prstGeom>
+                <a:solidFill>
+                  <a:schemeClr val="bg1"/>
+                </a:solidFill>
+              </p:spPr>
+              <p:txBody>
+                <a:bodyPr wrap="square" rtlCol="0">
+                  <a:spAutoFit/>
+                </a:bodyPr>
+                <a:lstStyle/>
+                <a:p>
+                  <a:r>
+                    <a:rPr lang="ja-JP" altLang="en-US" sz="1400" dirty="0"/>
+                    <a:t>詳細</a:t>
+                  </a:r>
+                  <a:endParaRPr lang="en-US" altLang="ja-JP" sz="1400" dirty="0"/>
+                </a:p>
+              </p:txBody>
+            </p:sp>
+            <p:sp>
+              <p:nvSpPr>
+                <p:cNvPr id="90" name="テキスト ボックス 89">
+                  <a:extLst>
+                    <a:ext uri="{FF2B5EF4-FFF2-40B4-BE49-F238E27FC236}">
+                      <a16:creationId xmlns:a16="http://schemas.microsoft.com/office/drawing/2014/main" id="{D2C3EA24-233D-4D55-AC75-36CCA211A666}"/>
+                    </a:ext>
+                  </a:extLst>
+                </p:cNvPr>
+                <p:cNvSpPr txBox="1"/>
+                <p:nvPr/>
+              </p:nvSpPr>
+              <p:spPr>
+                <a:xfrm>
+                  <a:off x="3527571" y="3842070"/>
+                  <a:ext cx="1402485" cy="553998"/>
+                </a:xfrm>
+                <a:prstGeom prst="rect">
+                  <a:avLst/>
+                </a:prstGeom>
+                <a:solidFill>
+                  <a:schemeClr val="bg2">
+                    <a:lumMod val="90000"/>
+                  </a:schemeClr>
+                </a:solidFill>
+              </p:spPr>
+              <p:txBody>
+                <a:bodyPr wrap="square" rtlCol="0">
+                  <a:spAutoFit/>
+                </a:bodyPr>
+                <a:lstStyle/>
+                <a:p>
+                  <a:r>
+                    <a:rPr lang="ja-JP" altLang="en-US" dirty="0"/>
+                    <a:t>歯磨き粉</a:t>
+                  </a:r>
+                  <a:endParaRPr lang="en-US" altLang="ja-JP" dirty="0"/>
+                </a:p>
+                <a:p>
+                  <a:r>
+                    <a:rPr lang="ja-JP" altLang="en-US" sz="1100" dirty="0"/>
+                    <a:t>オーラツー</a:t>
+                  </a:r>
+                  <a:endParaRPr lang="en-US" altLang="ja-JP" sz="1100" dirty="0"/>
+                </a:p>
+              </p:txBody>
+            </p:sp>
+            <p:sp>
+              <p:nvSpPr>
+                <p:cNvPr id="91" name="テキスト ボックス 90">
+                  <a:extLst>
+                    <a:ext uri="{FF2B5EF4-FFF2-40B4-BE49-F238E27FC236}">
+                      <a16:creationId xmlns:a16="http://schemas.microsoft.com/office/drawing/2014/main" id="{51F8E108-ACB8-4345-B459-203E89575249}"/>
+                    </a:ext>
+                  </a:extLst>
+                </p:cNvPr>
+                <p:cNvSpPr txBox="1"/>
+                <p:nvPr/>
+              </p:nvSpPr>
+              <p:spPr>
+                <a:xfrm>
+                  <a:off x="5864940" y="3849502"/>
+                  <a:ext cx="1597079" cy="369332"/>
+                </a:xfrm>
+                <a:prstGeom prst="rect">
+                  <a:avLst/>
+                </a:prstGeom>
+                <a:solidFill>
+                  <a:schemeClr val="bg2">
+                    <a:lumMod val="90000"/>
+                  </a:schemeClr>
+                </a:solidFill>
+              </p:spPr>
+              <p:txBody>
+                <a:bodyPr wrap="square" rtlCol="0">
+                  <a:spAutoFit/>
+                </a:bodyPr>
+                <a:lstStyle/>
+                <a:p>
+                  <a:r>
+                    <a:rPr lang="en-US" altLang="ja-JP" dirty="0"/>
+                    <a:t>0</a:t>
+                  </a:r>
+                  <a:r>
+                    <a:rPr lang="ja-JP" altLang="en-US" dirty="0"/>
+                    <a:t>６</a:t>
+                  </a:r>
+                  <a:r>
+                    <a:rPr lang="en-US" altLang="ja-JP" dirty="0"/>
+                    <a:t>/1</a:t>
+                  </a:r>
+                  <a:r>
+                    <a:rPr lang="ja-JP" altLang="en-US" dirty="0"/>
+                    <a:t>６</a:t>
+                  </a:r>
+                  <a:endParaRPr lang="en-US" altLang="ja-JP" dirty="0"/>
+                </a:p>
+              </p:txBody>
+            </p:sp>
+            <p:sp>
+              <p:nvSpPr>
+                <p:cNvPr id="92" name="テキスト ボックス 91">
+                  <a:extLst>
+                    <a:ext uri="{FF2B5EF4-FFF2-40B4-BE49-F238E27FC236}">
+                      <a16:creationId xmlns:a16="http://schemas.microsoft.com/office/drawing/2014/main" id="{EA48605C-7C30-4962-B771-7778629B9FC2}"/>
+                    </a:ext>
+                  </a:extLst>
+                </p:cNvPr>
+                <p:cNvSpPr txBox="1"/>
+                <p:nvPr/>
+              </p:nvSpPr>
+              <p:spPr>
+                <a:xfrm>
+                  <a:off x="7753655" y="3831441"/>
+                  <a:ext cx="1597079" cy="369332"/>
+                </a:xfrm>
+                <a:prstGeom prst="rect">
+                  <a:avLst/>
+                </a:prstGeom>
+                <a:solidFill>
+                  <a:schemeClr val="bg2">
+                    <a:lumMod val="90000"/>
+                  </a:schemeClr>
+                </a:solidFill>
+              </p:spPr>
+              <p:txBody>
+                <a:bodyPr wrap="square" rtlCol="0">
+                  <a:spAutoFit/>
+                </a:bodyPr>
+                <a:lstStyle/>
+                <a:p>
+                  <a:r>
+                    <a:rPr lang="ja-JP" altLang="en-US" dirty="0"/>
+                    <a:t>あと〇日</a:t>
+                  </a:r>
+                  <a:endParaRPr lang="en-US" altLang="ja-JP" dirty="0"/>
+                </a:p>
+              </p:txBody>
+            </p:sp>
+            <p:sp>
+              <p:nvSpPr>
+                <p:cNvPr id="93" name="テキスト ボックス 92">
+                  <a:extLst>
+                    <a:ext uri="{FF2B5EF4-FFF2-40B4-BE49-F238E27FC236}">
+                      <a16:creationId xmlns:a16="http://schemas.microsoft.com/office/drawing/2014/main" id="{5243F79F-C8FD-4241-9E68-7D638A4D2DA4}"/>
+                    </a:ext>
+                  </a:extLst>
+                </p:cNvPr>
+                <p:cNvSpPr txBox="1"/>
+                <p:nvPr/>
+              </p:nvSpPr>
+              <p:spPr>
+                <a:xfrm>
+                  <a:off x="5082856" y="3937184"/>
+                  <a:ext cx="546861" cy="307777"/>
+                </a:xfrm>
+                <a:prstGeom prst="rect">
+                  <a:avLst/>
+                </a:prstGeom>
+                <a:solidFill>
+                  <a:schemeClr val="bg2">
+                    <a:lumMod val="90000"/>
+                  </a:schemeClr>
+                </a:solidFill>
+              </p:spPr>
+              <p:txBody>
+                <a:bodyPr wrap="square" rtlCol="0">
+                  <a:spAutoFit/>
+                </a:bodyPr>
+                <a:lstStyle/>
+                <a:p>
+                  <a:r>
+                    <a:rPr lang="ja-JP" altLang="en-US" sz="1400" dirty="0"/>
+                    <a:t>詳細</a:t>
+                  </a:r>
+                  <a:endParaRPr lang="en-US" altLang="ja-JP" sz="1400" dirty="0"/>
+                </a:p>
+              </p:txBody>
+            </p:sp>
+            <p:sp>
+              <p:nvSpPr>
+                <p:cNvPr id="94" name="テキスト ボックス 14">
+                  <a:extLst>
+                    <a:ext uri="{FF2B5EF4-FFF2-40B4-BE49-F238E27FC236}">
+                      <a16:creationId xmlns:a16="http://schemas.microsoft.com/office/drawing/2014/main" id="{D7494EE0-2BEF-42ED-AB2F-F55EFAF6643A}"/>
+                    </a:ext>
+                  </a:extLst>
+                </p:cNvPr>
+                <p:cNvSpPr txBox="1"/>
+                <p:nvPr/>
+              </p:nvSpPr>
+              <p:spPr>
+                <a:xfrm>
+                  <a:off x="9567894" y="3831441"/>
+                  <a:ext cx="418142" cy="346312"/>
+                </a:xfrm>
+                <a:prstGeom prst="rect">
+                  <a:avLst/>
+                </a:prstGeom>
+                <a:solidFill>
+                  <a:sysClr val="window" lastClr="FFFFFF"/>
+                </a:solidFill>
+              </p:spPr>
+              <p:txBody>
+                <a:bodyPr wrap="square" rtlCol="0">
+                  <a:noAutofit/>
+                </a:bodyPr>
+                <a:lstStyle>
+                  <a:lvl1pPr marL="0" indent="0">
+                    <a:defRPr sz="1100">
+                      <a:latin typeface="+mn-lt"/>
+                      <a:ea typeface="+mn-ea"/>
+                      <a:cs typeface="+mn-cs"/>
+                    </a:defRPr>
+                  </a:lvl1pPr>
+                  <a:lvl2pPr marL="457200" indent="0">
+                    <a:defRPr sz="1100">
+                      <a:latin typeface="+mn-lt"/>
+                      <a:ea typeface="+mn-ea"/>
+                      <a:cs typeface="+mn-cs"/>
+                    </a:defRPr>
+                  </a:lvl2pPr>
+                  <a:lvl3pPr marL="914400" indent="0">
+                    <a:defRPr sz="1100">
+                      <a:latin typeface="+mn-lt"/>
+                      <a:ea typeface="+mn-ea"/>
+                      <a:cs typeface="+mn-cs"/>
+                    </a:defRPr>
+                  </a:lvl3pPr>
+                  <a:lvl4pPr marL="1371600" indent="0">
+                    <a:defRPr sz="1100">
+                      <a:latin typeface="+mn-lt"/>
+                      <a:ea typeface="+mn-ea"/>
+                      <a:cs typeface="+mn-cs"/>
+                    </a:defRPr>
+                  </a:lvl4pPr>
+                  <a:lvl5pPr marL="1828800" indent="0">
+                    <a:defRPr sz="1100">
+                      <a:latin typeface="+mn-lt"/>
+                      <a:ea typeface="+mn-ea"/>
+                      <a:cs typeface="+mn-cs"/>
+                    </a:defRPr>
+                  </a:lvl5pPr>
+                  <a:lvl6pPr marL="2286000" indent="0">
+                    <a:defRPr sz="1100">
+                      <a:latin typeface="+mn-lt"/>
+                      <a:ea typeface="+mn-ea"/>
+                      <a:cs typeface="+mn-cs"/>
+                    </a:defRPr>
+                  </a:lvl6pPr>
+                  <a:lvl7pPr marL="2743200" indent="0">
+                    <a:defRPr sz="1100">
+                      <a:latin typeface="+mn-lt"/>
+                      <a:ea typeface="+mn-ea"/>
+                      <a:cs typeface="+mn-cs"/>
+                    </a:defRPr>
+                  </a:lvl7pPr>
+                  <a:lvl8pPr marL="3200400" indent="0">
+                    <a:defRPr sz="1100">
+                      <a:latin typeface="+mn-lt"/>
+                      <a:ea typeface="+mn-ea"/>
+                      <a:cs typeface="+mn-cs"/>
+                    </a:defRPr>
+                  </a:lvl8pPr>
+                  <a:lvl9pPr marL="3657600" indent="0">
+                    <a:defRPr sz="1100">
+                      <a:latin typeface="+mn-lt"/>
+                      <a:ea typeface="+mn-ea"/>
+                      <a:cs typeface="+mn-cs"/>
+                    </a:defRPr>
+                  </a:lvl9pPr>
+                </a:lstStyle>
+                <a:p>
+                  <a:r>
+                    <a:rPr kumimoji="1" lang="ja-JP" altLang="en-US" sz="1600" dirty="0"/>
+                    <a:t>☑</a:t>
+                  </a:r>
+                  <a:endParaRPr kumimoji="1" lang="en-US" altLang="ja-JP" sz="1600" dirty="0"/>
+                </a:p>
+                <a:p>
+                  <a:endParaRPr kumimoji="1" lang="ja-JP" altLang="en-US" sz="800" dirty="0"/>
+                </a:p>
+              </p:txBody>
+            </p:sp>
+            <p:sp>
+              <p:nvSpPr>
+                <p:cNvPr id="95" name="テキスト ボックス 94">
+                  <a:extLst>
+                    <a:ext uri="{FF2B5EF4-FFF2-40B4-BE49-F238E27FC236}">
+                      <a16:creationId xmlns:a16="http://schemas.microsoft.com/office/drawing/2014/main" id="{6191BB01-DEDD-40C3-A265-08330C606591}"/>
+                    </a:ext>
+                  </a:extLst>
+                </p:cNvPr>
+                <p:cNvSpPr txBox="1"/>
+                <p:nvPr/>
+              </p:nvSpPr>
+              <p:spPr>
+                <a:xfrm>
+                  <a:off x="3527571" y="4580734"/>
+                  <a:ext cx="1402485" cy="538609"/>
+                </a:xfrm>
+                <a:prstGeom prst="rect">
+                  <a:avLst/>
+                </a:prstGeom>
+                <a:solidFill>
+                  <a:schemeClr val="bg2">
+                    <a:lumMod val="90000"/>
+                  </a:schemeClr>
+                </a:solidFill>
+              </p:spPr>
+              <p:txBody>
+                <a:bodyPr wrap="square" rtlCol="0">
+                  <a:spAutoFit/>
+                </a:bodyPr>
+                <a:lstStyle/>
+                <a:p>
+                  <a:r>
+                    <a:rPr lang="ja-JP" altLang="en-US" dirty="0"/>
+                    <a:t>食器用洗剤</a:t>
+                  </a:r>
+                  <a:endParaRPr lang="en-US" altLang="ja-JP" dirty="0"/>
+                </a:p>
+                <a:p>
+                  <a:r>
+                    <a:rPr lang="ja-JP" altLang="en-US" sz="1100" dirty="0"/>
+                    <a:t>ジョイ</a:t>
+                  </a:r>
+                  <a:endParaRPr lang="en-US" altLang="ja-JP" sz="1100" dirty="0"/>
+                </a:p>
+              </p:txBody>
+            </p:sp>
+            <p:sp>
+              <p:nvSpPr>
+                <p:cNvPr id="96" name="テキスト ボックス 95">
+                  <a:extLst>
+                    <a:ext uri="{FF2B5EF4-FFF2-40B4-BE49-F238E27FC236}">
+                      <a16:creationId xmlns:a16="http://schemas.microsoft.com/office/drawing/2014/main" id="{621EFAF0-E746-4B31-879C-6947A33D5DB1}"/>
+                    </a:ext>
+                  </a:extLst>
+                </p:cNvPr>
+                <p:cNvSpPr txBox="1"/>
+                <p:nvPr/>
+              </p:nvSpPr>
+              <p:spPr>
+                <a:xfrm>
+                  <a:off x="5864940" y="4588166"/>
+                  <a:ext cx="1597079" cy="369332"/>
+                </a:xfrm>
+                <a:prstGeom prst="rect">
+                  <a:avLst/>
+                </a:prstGeom>
+                <a:solidFill>
+                  <a:schemeClr val="bg2">
+                    <a:lumMod val="90000"/>
+                  </a:schemeClr>
+                </a:solidFill>
+              </p:spPr>
+              <p:txBody>
+                <a:bodyPr wrap="square" rtlCol="0">
+                  <a:spAutoFit/>
+                </a:bodyPr>
+                <a:lstStyle/>
+                <a:p>
+                  <a:r>
+                    <a:rPr lang="en-US" altLang="ja-JP" dirty="0"/>
+                    <a:t>0</a:t>
+                  </a:r>
+                  <a:r>
+                    <a:rPr lang="ja-JP" altLang="en-US" dirty="0"/>
+                    <a:t>６</a:t>
+                  </a:r>
+                  <a:r>
+                    <a:rPr lang="en-US" altLang="ja-JP" dirty="0"/>
+                    <a:t>/1</a:t>
+                  </a:r>
+                  <a:r>
+                    <a:rPr lang="ja-JP" altLang="en-US" dirty="0"/>
+                    <a:t>９</a:t>
+                  </a:r>
+                  <a:endParaRPr lang="en-US" altLang="ja-JP" dirty="0"/>
+                </a:p>
+              </p:txBody>
+            </p:sp>
+            <p:sp>
+              <p:nvSpPr>
+                <p:cNvPr id="97" name="テキスト ボックス 96">
+                  <a:extLst>
+                    <a:ext uri="{FF2B5EF4-FFF2-40B4-BE49-F238E27FC236}">
+                      <a16:creationId xmlns:a16="http://schemas.microsoft.com/office/drawing/2014/main" id="{5A63CB7B-6A0B-43E3-8DAD-9589CA0FE3F5}"/>
+                    </a:ext>
+                  </a:extLst>
+                </p:cNvPr>
+                <p:cNvSpPr txBox="1"/>
+                <p:nvPr/>
+              </p:nvSpPr>
+              <p:spPr>
+                <a:xfrm>
+                  <a:off x="7753655" y="4570105"/>
+                  <a:ext cx="1597079" cy="369332"/>
+                </a:xfrm>
+                <a:prstGeom prst="rect">
+                  <a:avLst/>
+                </a:prstGeom>
+                <a:solidFill>
+                  <a:schemeClr val="bg2">
+                    <a:lumMod val="90000"/>
+                  </a:schemeClr>
+                </a:solidFill>
+              </p:spPr>
+              <p:txBody>
+                <a:bodyPr wrap="square" rtlCol="0">
+                  <a:spAutoFit/>
+                </a:bodyPr>
+                <a:lstStyle/>
+                <a:p>
+                  <a:r>
+                    <a:rPr lang="ja-JP" altLang="en-US" dirty="0"/>
+                    <a:t>あと〇日</a:t>
+                  </a:r>
+                  <a:endParaRPr lang="en-US" altLang="ja-JP" dirty="0"/>
+                </a:p>
+              </p:txBody>
+            </p:sp>
+            <p:sp>
+              <p:nvSpPr>
+                <p:cNvPr id="98" name="テキスト ボックス 97">
+                  <a:extLst>
+                    <a:ext uri="{FF2B5EF4-FFF2-40B4-BE49-F238E27FC236}">
+                      <a16:creationId xmlns:a16="http://schemas.microsoft.com/office/drawing/2014/main" id="{3E7C1306-8620-4885-B62F-4752381F555C}"/>
+                    </a:ext>
+                  </a:extLst>
+                </p:cNvPr>
+                <p:cNvSpPr txBox="1"/>
+                <p:nvPr/>
+              </p:nvSpPr>
+              <p:spPr>
+                <a:xfrm>
+                  <a:off x="5082856" y="4675848"/>
+                  <a:ext cx="546861" cy="307777"/>
+                </a:xfrm>
+                <a:prstGeom prst="rect">
+                  <a:avLst/>
+                </a:prstGeom>
+                <a:solidFill>
+                  <a:schemeClr val="bg2">
+                    <a:lumMod val="90000"/>
+                  </a:schemeClr>
+                </a:solidFill>
+              </p:spPr>
+              <p:txBody>
+                <a:bodyPr wrap="square" rtlCol="0">
+                  <a:spAutoFit/>
+                </a:bodyPr>
+                <a:lstStyle/>
+                <a:p>
+                  <a:r>
+                    <a:rPr lang="ja-JP" altLang="en-US" sz="1400" dirty="0"/>
+                    <a:t>詳細</a:t>
+                  </a:r>
+                  <a:endParaRPr lang="en-US" altLang="ja-JP" sz="1400" dirty="0"/>
+                </a:p>
+              </p:txBody>
+            </p:sp>
+            <p:sp>
+              <p:nvSpPr>
+                <p:cNvPr id="99" name="テキスト ボックス 14">
+                  <a:extLst>
+                    <a:ext uri="{FF2B5EF4-FFF2-40B4-BE49-F238E27FC236}">
+                      <a16:creationId xmlns:a16="http://schemas.microsoft.com/office/drawing/2014/main" id="{05E457F2-2A15-46FE-B4DE-F1593EFA4E02}"/>
+                    </a:ext>
+                  </a:extLst>
+                </p:cNvPr>
+                <p:cNvSpPr txBox="1"/>
+                <p:nvPr/>
+              </p:nvSpPr>
+              <p:spPr>
+                <a:xfrm>
+                  <a:off x="9567894" y="4570105"/>
+                  <a:ext cx="418142" cy="346312"/>
+                </a:xfrm>
+                <a:prstGeom prst="rect">
+                  <a:avLst/>
+                </a:prstGeom>
+                <a:solidFill>
+                  <a:sysClr val="window" lastClr="FFFFFF"/>
+                </a:solidFill>
+              </p:spPr>
+              <p:txBody>
+                <a:bodyPr wrap="square" rtlCol="0">
+                  <a:noAutofit/>
+                </a:bodyPr>
+                <a:lstStyle>
+                  <a:lvl1pPr marL="0" indent="0">
+                    <a:defRPr sz="1100">
+                      <a:latin typeface="+mn-lt"/>
+                      <a:ea typeface="+mn-ea"/>
+                      <a:cs typeface="+mn-cs"/>
+                    </a:defRPr>
+                  </a:lvl1pPr>
+                  <a:lvl2pPr marL="457200" indent="0">
+                    <a:defRPr sz="1100">
+                      <a:latin typeface="+mn-lt"/>
+                      <a:ea typeface="+mn-ea"/>
+                      <a:cs typeface="+mn-cs"/>
+                    </a:defRPr>
+                  </a:lvl2pPr>
+                  <a:lvl3pPr marL="914400" indent="0">
+                    <a:defRPr sz="1100">
+                      <a:latin typeface="+mn-lt"/>
+                      <a:ea typeface="+mn-ea"/>
+                      <a:cs typeface="+mn-cs"/>
+                    </a:defRPr>
+                  </a:lvl3pPr>
+                  <a:lvl4pPr marL="1371600" indent="0">
+                    <a:defRPr sz="1100">
+                      <a:latin typeface="+mn-lt"/>
+                      <a:ea typeface="+mn-ea"/>
+                      <a:cs typeface="+mn-cs"/>
+                    </a:defRPr>
+                  </a:lvl4pPr>
+                  <a:lvl5pPr marL="1828800" indent="0">
+                    <a:defRPr sz="1100">
+                      <a:latin typeface="+mn-lt"/>
+                      <a:ea typeface="+mn-ea"/>
+                      <a:cs typeface="+mn-cs"/>
+                    </a:defRPr>
+                  </a:lvl5pPr>
+                  <a:lvl6pPr marL="2286000" indent="0">
+                    <a:defRPr sz="1100">
+                      <a:latin typeface="+mn-lt"/>
+                      <a:ea typeface="+mn-ea"/>
+                      <a:cs typeface="+mn-cs"/>
+                    </a:defRPr>
+                  </a:lvl6pPr>
+                  <a:lvl7pPr marL="2743200" indent="0">
+                    <a:defRPr sz="1100">
+                      <a:latin typeface="+mn-lt"/>
+                      <a:ea typeface="+mn-ea"/>
+                      <a:cs typeface="+mn-cs"/>
+                    </a:defRPr>
+                  </a:lvl7pPr>
+                  <a:lvl8pPr marL="3200400" indent="0">
+                    <a:defRPr sz="1100">
+                      <a:latin typeface="+mn-lt"/>
+                      <a:ea typeface="+mn-ea"/>
+                      <a:cs typeface="+mn-cs"/>
+                    </a:defRPr>
+                  </a:lvl8pPr>
+                  <a:lvl9pPr marL="3657600" indent="0">
+                    <a:defRPr sz="1100">
+                      <a:latin typeface="+mn-lt"/>
+                      <a:ea typeface="+mn-ea"/>
+                      <a:cs typeface="+mn-cs"/>
+                    </a:defRPr>
+                  </a:lvl9pPr>
+                </a:lstStyle>
+                <a:p>
+                  <a:r>
+                    <a:rPr kumimoji="1" lang="ja-JP" altLang="en-US" sz="1600" dirty="0"/>
+                    <a:t>☑</a:t>
+                  </a:r>
+                  <a:endParaRPr kumimoji="1" lang="en-US" altLang="ja-JP" sz="1600" dirty="0"/>
+                </a:p>
+                <a:p>
+                  <a:endParaRPr kumimoji="1" lang="ja-JP" altLang="en-US" sz="800" dirty="0"/>
+                </a:p>
+              </p:txBody>
+            </p:sp>
+            <p:sp>
+              <p:nvSpPr>
+                <p:cNvPr id="100" name="テキスト ボックス 99">
+                  <a:extLst>
+                    <a:ext uri="{FF2B5EF4-FFF2-40B4-BE49-F238E27FC236}">
+                      <a16:creationId xmlns:a16="http://schemas.microsoft.com/office/drawing/2014/main" id="{349807EC-3BE4-48E5-8DBD-53A29803C436}"/>
+                    </a:ext>
+                  </a:extLst>
+                </p:cNvPr>
+                <p:cNvSpPr txBox="1"/>
+                <p:nvPr/>
+              </p:nvSpPr>
+              <p:spPr>
+                <a:xfrm>
+                  <a:off x="9451782" y="2421649"/>
+                  <a:ext cx="967164" cy="320271"/>
+                </a:xfrm>
+                <a:prstGeom prst="rect">
+                  <a:avLst/>
+                </a:prstGeom>
+                <a:solidFill>
+                  <a:schemeClr val="bg1"/>
+                </a:solidFill>
+              </p:spPr>
+              <p:txBody>
+                <a:bodyPr wrap="square" rtlCol="0">
+                  <a:spAutoFit/>
+                </a:bodyPr>
+                <a:lstStyle/>
+                <a:p>
+                  <a:r>
+                    <a:rPr lang="ja-JP" altLang="en-US" dirty="0"/>
+                    <a:t>使用終了</a:t>
+                  </a:r>
+                  <a:endParaRPr lang="en-US" altLang="ja-JP" dirty="0"/>
+                </a:p>
+              </p:txBody>
+            </p:sp>
+            <p:pic>
+              <p:nvPicPr>
+                <p:cNvPr id="101" name="図 100">
+                  <a:extLst>
+                    <a:ext uri="{FF2B5EF4-FFF2-40B4-BE49-F238E27FC236}">
+                      <a16:creationId xmlns:a16="http://schemas.microsoft.com/office/drawing/2014/main" id="{B7A7B256-B553-47B3-AE16-478B999543B1}"/>
+                    </a:ext>
+                  </a:extLst>
+                </p:cNvPr>
+                <p:cNvPicPr>
+                  <a:picLocks noChangeAspect="1"/>
+                </p:cNvPicPr>
+                <p:nvPr/>
+              </p:nvPicPr>
+              <p:blipFill>
+                <a:blip r:embed="rId8"/>
+                <a:stretch>
+                  <a:fillRect/>
+                </a:stretch>
+              </p:blipFill>
+              <p:spPr>
+                <a:xfrm>
+                  <a:off x="9657208" y="3181984"/>
+                  <a:ext cx="266055" cy="266055"/>
+                </a:xfrm>
+                <a:prstGeom prst="rect">
+                  <a:avLst/>
+                </a:prstGeom>
+              </p:spPr>
+            </p:pic>
+          </p:grpSp>
+          <p:pic>
+            <p:nvPicPr>
+              <p:cNvPr id="73" name="図 72">
                 <a:extLst>
                   <a:ext uri="{FF2B5EF4-FFF2-40B4-BE49-F238E27FC236}">
-                    <a16:creationId xmlns:a16="http://schemas.microsoft.com/office/drawing/2014/main" id="{E39F6C66-A96F-492A-9643-E33A2DDB1E1B}"/>
-                  </a:ext>
-                </a:extLst>
-              </p:cNvPr>
-              <p:cNvSpPr txBox="1"/>
-              <p:nvPr/>
-            </p:nvSpPr>
-            <p:spPr>
-              <a:xfrm>
-                <a:off x="5228904" y="1912245"/>
-                <a:ext cx="1701580" cy="369332"/>
-              </a:xfrm>
-              <a:prstGeom prst="rect">
-                <a:avLst/>
-              </a:prstGeom>
-              <a:solidFill>
-                <a:schemeClr val="bg2">
-                  <a:lumMod val="75000"/>
-                </a:schemeClr>
-              </a:solidFill>
-            </p:spPr>
-            <p:txBody>
-              <a:bodyPr wrap="square" rtlCol="0">
-                <a:spAutoFit/>
-              </a:bodyPr>
-              <a:lstStyle/>
-              <a:p>
-                <a:r>
-                  <a:rPr lang="ja-JP" altLang="en-US" dirty="0"/>
-                  <a:t>家事</a:t>
-                </a:r>
-                <a:endParaRPr kumimoji="1" lang="en-US" altLang="ja-JP" dirty="0"/>
-              </a:p>
-            </p:txBody>
-          </p:sp>
-          <p:sp>
-            <p:nvSpPr>
-              <p:cNvPr id="80" name="テキスト ボックス 79">
-                <a:extLst>
-                  <a:ext uri="{FF2B5EF4-FFF2-40B4-BE49-F238E27FC236}">
-                    <a16:creationId xmlns:a16="http://schemas.microsoft.com/office/drawing/2014/main" id="{EFC5E3CA-1FC3-4E6B-8083-C7ED4E65ACCE}"/>
-                  </a:ext>
-                </a:extLst>
-              </p:cNvPr>
-              <p:cNvSpPr txBox="1"/>
-              <p:nvPr/>
-            </p:nvSpPr>
-            <p:spPr>
-              <a:xfrm>
-                <a:off x="3444602" y="2183908"/>
-                <a:ext cx="6760233" cy="3947494"/>
-              </a:xfrm>
-              <a:prstGeom prst="rect">
-                <a:avLst/>
-              </a:prstGeom>
-              <a:solidFill>
-                <a:schemeClr val="accent1">
-                  <a:lumMod val="20000"/>
-                  <a:lumOff val="80000"/>
-                </a:schemeClr>
-              </a:solidFill>
-            </p:spPr>
-            <p:txBody>
-              <a:bodyPr wrap="square" rtlCol="0">
-                <a:spAutoFit/>
-              </a:bodyPr>
-              <a:lstStyle/>
-              <a:p>
-                <a:endParaRPr kumimoji="1" lang="ja-JP" altLang="en-US" dirty="0"/>
-              </a:p>
-            </p:txBody>
-          </p:sp>
-          <p:sp>
-            <p:nvSpPr>
-              <p:cNvPr id="83" name="テキスト ボックス 82">
-                <a:extLst>
-                  <a:ext uri="{FF2B5EF4-FFF2-40B4-BE49-F238E27FC236}">
-                    <a16:creationId xmlns:a16="http://schemas.microsoft.com/office/drawing/2014/main" id="{A413378F-F8C2-4F1C-A74F-B18E831B7061}"/>
-                  </a:ext>
-                </a:extLst>
-              </p:cNvPr>
-              <p:cNvSpPr txBox="1"/>
-              <p:nvPr/>
-            </p:nvSpPr>
-            <p:spPr>
-              <a:xfrm>
-                <a:off x="3527572" y="3110838"/>
-                <a:ext cx="1402485" cy="553998"/>
-              </a:xfrm>
-              <a:prstGeom prst="rect">
-                <a:avLst/>
-              </a:prstGeom>
-              <a:solidFill>
-                <a:schemeClr val="bg1"/>
-              </a:solidFill>
-            </p:spPr>
-            <p:txBody>
-              <a:bodyPr wrap="square" rtlCol="0">
-                <a:spAutoFit/>
-              </a:bodyPr>
-              <a:lstStyle/>
-              <a:p>
-                <a:r>
-                  <a:rPr lang="ja-JP" altLang="en-US" dirty="0"/>
-                  <a:t>シャンプー</a:t>
-                </a:r>
-                <a:endParaRPr lang="en-US" altLang="ja-JP" dirty="0"/>
-              </a:p>
-              <a:p>
-                <a:r>
-                  <a:rPr lang="ja-JP" altLang="en-US" sz="1100" dirty="0"/>
-                  <a:t>メリット</a:t>
-                </a:r>
-                <a:endParaRPr lang="en-US" altLang="ja-JP" sz="1100" dirty="0"/>
-              </a:p>
-            </p:txBody>
-          </p:sp>
-          <p:sp>
-            <p:nvSpPr>
-              <p:cNvPr id="84" name="テキスト ボックス 83">
-                <a:extLst>
-                  <a:ext uri="{FF2B5EF4-FFF2-40B4-BE49-F238E27FC236}">
-                    <a16:creationId xmlns:a16="http://schemas.microsoft.com/office/drawing/2014/main" id="{2F8D0609-2126-46AF-8E36-F0D868B62BB9}"/>
-                  </a:ext>
-                </a:extLst>
-              </p:cNvPr>
-              <p:cNvSpPr txBox="1"/>
-              <p:nvPr/>
-            </p:nvSpPr>
-            <p:spPr>
-              <a:xfrm>
-                <a:off x="5864941" y="3118270"/>
-                <a:ext cx="1597079" cy="369332"/>
-              </a:xfrm>
-              <a:prstGeom prst="rect">
-                <a:avLst/>
-              </a:prstGeom>
-              <a:solidFill>
-                <a:schemeClr val="bg1"/>
-              </a:solidFill>
-            </p:spPr>
-            <p:txBody>
-              <a:bodyPr wrap="square" rtlCol="0">
-                <a:spAutoFit/>
-              </a:bodyPr>
-              <a:lstStyle/>
-              <a:p>
-                <a:r>
-                  <a:rPr lang="en-US" altLang="ja-JP" dirty="0"/>
-                  <a:t>0</a:t>
-                </a:r>
-                <a:r>
-                  <a:rPr lang="ja-JP" altLang="en-US" dirty="0"/>
-                  <a:t>６</a:t>
-                </a:r>
-                <a:r>
-                  <a:rPr lang="en-US" altLang="ja-JP" dirty="0"/>
-                  <a:t>/14</a:t>
-                </a:r>
-              </a:p>
-            </p:txBody>
-          </p:sp>
-          <p:sp>
-            <p:nvSpPr>
-              <p:cNvPr id="85" name="テキスト ボックス 84">
-                <a:extLst>
-                  <a:ext uri="{FF2B5EF4-FFF2-40B4-BE49-F238E27FC236}">
-                    <a16:creationId xmlns:a16="http://schemas.microsoft.com/office/drawing/2014/main" id="{7B828EDA-5043-4FF5-9A37-530FFE986BC0}"/>
-                  </a:ext>
-                </a:extLst>
-              </p:cNvPr>
-              <p:cNvSpPr txBox="1"/>
-              <p:nvPr/>
-            </p:nvSpPr>
-            <p:spPr>
-              <a:xfrm>
-                <a:off x="7753656" y="3100209"/>
-                <a:ext cx="1597079" cy="369332"/>
-              </a:xfrm>
-              <a:prstGeom prst="rect">
-                <a:avLst/>
-              </a:prstGeom>
-              <a:solidFill>
-                <a:schemeClr val="bg1"/>
-              </a:solidFill>
-            </p:spPr>
-            <p:txBody>
-              <a:bodyPr wrap="square" rtlCol="0">
-                <a:spAutoFit/>
-              </a:bodyPr>
-              <a:lstStyle/>
-              <a:p>
-                <a:r>
-                  <a:rPr lang="ja-JP" altLang="en-US" dirty="0"/>
-                  <a:t>あと〇日</a:t>
-                </a:r>
-                <a:endParaRPr lang="en-US" altLang="ja-JP" dirty="0"/>
-              </a:p>
-            </p:txBody>
-          </p:sp>
-          <p:sp>
-            <p:nvSpPr>
-              <p:cNvPr id="86" name="テキスト ボックス 85">
-                <a:extLst>
-                  <a:ext uri="{FF2B5EF4-FFF2-40B4-BE49-F238E27FC236}">
-                    <a16:creationId xmlns:a16="http://schemas.microsoft.com/office/drawing/2014/main" id="{3FF77B36-7257-4551-B4A7-A55EB78769F7}"/>
-                  </a:ext>
-                </a:extLst>
-              </p:cNvPr>
-              <p:cNvSpPr txBox="1"/>
-              <p:nvPr/>
-            </p:nvSpPr>
-            <p:spPr>
-              <a:xfrm>
-                <a:off x="5864940" y="2413698"/>
-                <a:ext cx="1597079" cy="369332"/>
-              </a:xfrm>
-              <a:prstGeom prst="rect">
-                <a:avLst/>
-              </a:prstGeom>
-              <a:solidFill>
-                <a:schemeClr val="bg1"/>
-              </a:solidFill>
-            </p:spPr>
-            <p:txBody>
-              <a:bodyPr wrap="square" rtlCol="0">
-                <a:spAutoFit/>
-              </a:bodyPr>
-              <a:lstStyle/>
-              <a:p>
-                <a:r>
-                  <a:rPr lang="ja-JP" altLang="en-US" dirty="0"/>
-                  <a:t>予測終了日</a:t>
-                </a:r>
-                <a:endParaRPr lang="en-US" altLang="ja-JP" dirty="0"/>
-              </a:p>
-            </p:txBody>
-          </p:sp>
-          <p:sp>
-            <p:nvSpPr>
-              <p:cNvPr id="87" name="テキスト ボックス 86">
-                <a:extLst>
-                  <a:ext uri="{FF2B5EF4-FFF2-40B4-BE49-F238E27FC236}">
-                    <a16:creationId xmlns:a16="http://schemas.microsoft.com/office/drawing/2014/main" id="{13864DD1-D9B4-40C2-A82E-816F02E63835}"/>
-                  </a:ext>
-                </a:extLst>
-              </p:cNvPr>
-              <p:cNvSpPr txBox="1"/>
-              <p:nvPr/>
-            </p:nvSpPr>
-            <p:spPr>
-              <a:xfrm>
-                <a:off x="3527324" y="2405746"/>
-                <a:ext cx="2212243" cy="369319"/>
-              </a:xfrm>
-              <a:prstGeom prst="rect">
-                <a:avLst/>
-              </a:prstGeom>
-              <a:solidFill>
-                <a:schemeClr val="bg1"/>
-              </a:solidFill>
-            </p:spPr>
-            <p:txBody>
-              <a:bodyPr wrap="square" rtlCol="0">
-                <a:spAutoFit/>
-              </a:bodyPr>
-              <a:lstStyle/>
-              <a:p>
-                <a:r>
-                  <a:rPr lang="ja-JP" altLang="en-US" dirty="0"/>
-                  <a:t>項目</a:t>
-                </a:r>
-                <a:endParaRPr lang="en-US" altLang="ja-JP" dirty="0"/>
-              </a:p>
-            </p:txBody>
-          </p:sp>
-          <p:sp>
-            <p:nvSpPr>
-              <p:cNvPr id="88" name="テキスト ボックス 87">
-                <a:extLst>
-                  <a:ext uri="{FF2B5EF4-FFF2-40B4-BE49-F238E27FC236}">
-                    <a16:creationId xmlns:a16="http://schemas.microsoft.com/office/drawing/2014/main" id="{452661F2-3410-4413-B29F-1B8B3DB8C6A9}"/>
-                  </a:ext>
-                </a:extLst>
-              </p:cNvPr>
-              <p:cNvSpPr txBox="1"/>
-              <p:nvPr/>
-            </p:nvSpPr>
-            <p:spPr>
-              <a:xfrm>
-                <a:off x="7729330" y="2413698"/>
-                <a:ext cx="1597079" cy="369332"/>
-              </a:xfrm>
-              <a:prstGeom prst="rect">
-                <a:avLst/>
-              </a:prstGeom>
-              <a:solidFill>
-                <a:schemeClr val="bg1"/>
-              </a:solidFill>
-            </p:spPr>
-            <p:txBody>
-              <a:bodyPr wrap="square" rtlCol="0">
-                <a:spAutoFit/>
-              </a:bodyPr>
-              <a:lstStyle/>
-              <a:p>
-                <a:r>
-                  <a:rPr lang="ja-JP" altLang="en-US" dirty="0"/>
-                  <a:t>日数</a:t>
-                </a:r>
-                <a:endParaRPr lang="en-US" altLang="ja-JP" dirty="0"/>
-              </a:p>
-            </p:txBody>
-          </p:sp>
-          <p:sp>
-            <p:nvSpPr>
-              <p:cNvPr id="89" name="テキスト ボックス 88">
-                <a:extLst>
-                  <a:ext uri="{FF2B5EF4-FFF2-40B4-BE49-F238E27FC236}">
-                    <a16:creationId xmlns:a16="http://schemas.microsoft.com/office/drawing/2014/main" id="{F84467B0-42B2-4E0D-9C0D-94437EDAAAD8}"/>
-                  </a:ext>
-                </a:extLst>
-              </p:cNvPr>
-              <p:cNvSpPr txBox="1"/>
-              <p:nvPr/>
-            </p:nvSpPr>
-            <p:spPr>
-              <a:xfrm>
-                <a:off x="5082857" y="3205952"/>
-                <a:ext cx="546861" cy="307777"/>
-              </a:xfrm>
-              <a:prstGeom prst="rect">
-                <a:avLst/>
-              </a:prstGeom>
-              <a:solidFill>
-                <a:schemeClr val="bg1"/>
-              </a:solidFill>
-            </p:spPr>
-            <p:txBody>
-              <a:bodyPr wrap="square" rtlCol="0">
-                <a:spAutoFit/>
-              </a:bodyPr>
-              <a:lstStyle/>
-              <a:p>
-                <a:r>
-                  <a:rPr lang="ja-JP" altLang="en-US" sz="1400" dirty="0"/>
-                  <a:t>詳細</a:t>
-                </a:r>
-                <a:endParaRPr lang="en-US" altLang="ja-JP" sz="1400" dirty="0"/>
-              </a:p>
-            </p:txBody>
-          </p:sp>
-          <p:sp>
-            <p:nvSpPr>
-              <p:cNvPr id="90" name="テキスト ボックス 89">
-                <a:extLst>
-                  <a:ext uri="{FF2B5EF4-FFF2-40B4-BE49-F238E27FC236}">
-                    <a16:creationId xmlns:a16="http://schemas.microsoft.com/office/drawing/2014/main" id="{D2C3EA24-233D-4D55-AC75-36CCA211A666}"/>
-                  </a:ext>
-                </a:extLst>
-              </p:cNvPr>
-              <p:cNvSpPr txBox="1"/>
-              <p:nvPr/>
-            </p:nvSpPr>
-            <p:spPr>
-              <a:xfrm>
-                <a:off x="3527571" y="3842070"/>
-                <a:ext cx="1402485" cy="553998"/>
-              </a:xfrm>
-              <a:prstGeom prst="rect">
-                <a:avLst/>
-              </a:prstGeom>
-              <a:solidFill>
-                <a:schemeClr val="bg1"/>
-              </a:solidFill>
-            </p:spPr>
-            <p:txBody>
-              <a:bodyPr wrap="square" rtlCol="0">
-                <a:spAutoFit/>
-              </a:bodyPr>
-              <a:lstStyle/>
-              <a:p>
-                <a:r>
-                  <a:rPr lang="ja-JP" altLang="en-US" dirty="0"/>
-                  <a:t>歯磨き粉</a:t>
-                </a:r>
-                <a:endParaRPr lang="en-US" altLang="ja-JP" dirty="0"/>
-              </a:p>
-              <a:p>
-                <a:r>
-                  <a:rPr lang="ja-JP" altLang="en-US" sz="1100" dirty="0"/>
-                  <a:t>オーラツー</a:t>
-                </a:r>
-                <a:endParaRPr lang="en-US" altLang="ja-JP" sz="1100" dirty="0"/>
-              </a:p>
-            </p:txBody>
-          </p:sp>
-          <p:sp>
-            <p:nvSpPr>
-              <p:cNvPr id="91" name="テキスト ボックス 90">
-                <a:extLst>
-                  <a:ext uri="{FF2B5EF4-FFF2-40B4-BE49-F238E27FC236}">
-                    <a16:creationId xmlns:a16="http://schemas.microsoft.com/office/drawing/2014/main" id="{51F8E108-ACB8-4345-B459-203E89575249}"/>
-                  </a:ext>
-                </a:extLst>
-              </p:cNvPr>
-              <p:cNvSpPr txBox="1"/>
-              <p:nvPr/>
-            </p:nvSpPr>
-            <p:spPr>
-              <a:xfrm>
-                <a:off x="5864940" y="3849502"/>
-                <a:ext cx="1597079" cy="369332"/>
-              </a:xfrm>
-              <a:prstGeom prst="rect">
-                <a:avLst/>
-              </a:prstGeom>
-              <a:solidFill>
-                <a:schemeClr val="bg1"/>
-              </a:solidFill>
-            </p:spPr>
-            <p:txBody>
-              <a:bodyPr wrap="square" rtlCol="0">
-                <a:spAutoFit/>
-              </a:bodyPr>
-              <a:lstStyle/>
-              <a:p>
-                <a:r>
-                  <a:rPr lang="en-US" altLang="ja-JP" dirty="0"/>
-                  <a:t>0</a:t>
-                </a:r>
-                <a:r>
-                  <a:rPr lang="ja-JP" altLang="en-US" dirty="0"/>
-                  <a:t>６</a:t>
-                </a:r>
-                <a:r>
-                  <a:rPr lang="en-US" altLang="ja-JP" dirty="0"/>
-                  <a:t>/1</a:t>
-                </a:r>
-                <a:r>
-                  <a:rPr lang="ja-JP" altLang="en-US" dirty="0"/>
-                  <a:t>６</a:t>
-                </a:r>
-                <a:endParaRPr lang="en-US" altLang="ja-JP" dirty="0"/>
-              </a:p>
-            </p:txBody>
-          </p:sp>
-          <p:sp>
-            <p:nvSpPr>
-              <p:cNvPr id="92" name="テキスト ボックス 91">
-                <a:extLst>
-                  <a:ext uri="{FF2B5EF4-FFF2-40B4-BE49-F238E27FC236}">
-                    <a16:creationId xmlns:a16="http://schemas.microsoft.com/office/drawing/2014/main" id="{EA48605C-7C30-4962-B771-7778629B9FC2}"/>
-                  </a:ext>
-                </a:extLst>
-              </p:cNvPr>
-              <p:cNvSpPr txBox="1"/>
-              <p:nvPr/>
-            </p:nvSpPr>
-            <p:spPr>
-              <a:xfrm>
-                <a:off x="7753655" y="3831441"/>
-                <a:ext cx="1597079" cy="369332"/>
-              </a:xfrm>
-              <a:prstGeom prst="rect">
-                <a:avLst/>
-              </a:prstGeom>
-              <a:solidFill>
-                <a:schemeClr val="bg1"/>
-              </a:solidFill>
-            </p:spPr>
-            <p:txBody>
-              <a:bodyPr wrap="square" rtlCol="0">
-                <a:spAutoFit/>
-              </a:bodyPr>
-              <a:lstStyle/>
-              <a:p>
-                <a:r>
-                  <a:rPr lang="ja-JP" altLang="en-US" dirty="0"/>
-                  <a:t>あと〇日</a:t>
-                </a:r>
-                <a:endParaRPr lang="en-US" altLang="ja-JP" dirty="0"/>
-              </a:p>
-            </p:txBody>
-          </p:sp>
-          <p:sp>
-            <p:nvSpPr>
-              <p:cNvPr id="93" name="テキスト ボックス 92">
-                <a:extLst>
-                  <a:ext uri="{FF2B5EF4-FFF2-40B4-BE49-F238E27FC236}">
-                    <a16:creationId xmlns:a16="http://schemas.microsoft.com/office/drawing/2014/main" id="{5243F79F-C8FD-4241-9E68-7D638A4D2DA4}"/>
-                  </a:ext>
-                </a:extLst>
-              </p:cNvPr>
-              <p:cNvSpPr txBox="1"/>
-              <p:nvPr/>
-            </p:nvSpPr>
-            <p:spPr>
-              <a:xfrm>
-                <a:off x="5082856" y="3937184"/>
-                <a:ext cx="546861" cy="307777"/>
-              </a:xfrm>
-              <a:prstGeom prst="rect">
-                <a:avLst/>
-              </a:prstGeom>
-              <a:solidFill>
-                <a:schemeClr val="bg1"/>
-              </a:solidFill>
-            </p:spPr>
-            <p:txBody>
-              <a:bodyPr wrap="square" rtlCol="0">
-                <a:spAutoFit/>
-              </a:bodyPr>
-              <a:lstStyle/>
-              <a:p>
-                <a:r>
-                  <a:rPr lang="ja-JP" altLang="en-US" sz="1400" dirty="0"/>
-                  <a:t>詳細</a:t>
-                </a:r>
-                <a:endParaRPr lang="en-US" altLang="ja-JP" sz="1400" dirty="0"/>
-              </a:p>
-            </p:txBody>
-          </p:sp>
-          <p:sp>
-            <p:nvSpPr>
-              <p:cNvPr id="94" name="テキスト ボックス 14">
-                <a:extLst>
-                  <a:ext uri="{FF2B5EF4-FFF2-40B4-BE49-F238E27FC236}">
-                    <a16:creationId xmlns:a16="http://schemas.microsoft.com/office/drawing/2014/main" id="{D7494EE0-2BEF-42ED-AB2F-F55EFAF6643A}"/>
-                  </a:ext>
-                </a:extLst>
-              </p:cNvPr>
-              <p:cNvSpPr txBox="1"/>
-              <p:nvPr/>
-            </p:nvSpPr>
-            <p:spPr>
-              <a:xfrm>
-                <a:off x="9567894" y="3831441"/>
-                <a:ext cx="418142" cy="346312"/>
-              </a:xfrm>
-              <a:prstGeom prst="rect">
-                <a:avLst/>
-              </a:prstGeom>
-              <a:solidFill>
-                <a:sysClr val="window" lastClr="FFFFFF"/>
-              </a:solidFill>
-            </p:spPr>
-            <p:txBody>
-              <a:bodyPr wrap="square" rtlCol="0">
-                <a:noAutofit/>
-              </a:bodyPr>
-              <a:lstStyle>
-                <a:lvl1pPr marL="0" indent="0">
-                  <a:defRPr sz="1100">
-                    <a:latin typeface="+mn-lt"/>
-                    <a:ea typeface="+mn-ea"/>
-                    <a:cs typeface="+mn-cs"/>
-                  </a:defRPr>
-                </a:lvl1pPr>
-                <a:lvl2pPr marL="457200" indent="0">
-                  <a:defRPr sz="1100">
-                    <a:latin typeface="+mn-lt"/>
-                    <a:ea typeface="+mn-ea"/>
-                    <a:cs typeface="+mn-cs"/>
-                  </a:defRPr>
-                </a:lvl2pPr>
-                <a:lvl3pPr marL="914400" indent="0">
-                  <a:defRPr sz="1100">
-                    <a:latin typeface="+mn-lt"/>
-                    <a:ea typeface="+mn-ea"/>
-                    <a:cs typeface="+mn-cs"/>
-                  </a:defRPr>
-                </a:lvl3pPr>
-                <a:lvl4pPr marL="1371600" indent="0">
-                  <a:defRPr sz="1100">
-                    <a:latin typeface="+mn-lt"/>
-                    <a:ea typeface="+mn-ea"/>
-                    <a:cs typeface="+mn-cs"/>
-                  </a:defRPr>
-                </a:lvl4pPr>
-                <a:lvl5pPr marL="1828800" indent="0">
-                  <a:defRPr sz="1100">
-                    <a:latin typeface="+mn-lt"/>
-                    <a:ea typeface="+mn-ea"/>
-                    <a:cs typeface="+mn-cs"/>
-                  </a:defRPr>
-                </a:lvl5pPr>
-                <a:lvl6pPr marL="2286000" indent="0">
-                  <a:defRPr sz="1100">
-                    <a:latin typeface="+mn-lt"/>
-                    <a:ea typeface="+mn-ea"/>
-                    <a:cs typeface="+mn-cs"/>
-                  </a:defRPr>
-                </a:lvl6pPr>
-                <a:lvl7pPr marL="2743200" indent="0">
-                  <a:defRPr sz="1100">
-                    <a:latin typeface="+mn-lt"/>
-                    <a:ea typeface="+mn-ea"/>
-                    <a:cs typeface="+mn-cs"/>
-                  </a:defRPr>
-                </a:lvl7pPr>
-                <a:lvl8pPr marL="3200400" indent="0">
-                  <a:defRPr sz="1100">
-                    <a:latin typeface="+mn-lt"/>
-                    <a:ea typeface="+mn-ea"/>
-                    <a:cs typeface="+mn-cs"/>
-                  </a:defRPr>
-                </a:lvl8pPr>
-                <a:lvl9pPr marL="3657600" indent="0">
-                  <a:defRPr sz="1100">
-                    <a:latin typeface="+mn-lt"/>
-                    <a:ea typeface="+mn-ea"/>
-                    <a:cs typeface="+mn-cs"/>
-                  </a:defRPr>
-                </a:lvl9pPr>
-              </a:lstStyle>
-              <a:p>
-                <a:r>
-                  <a:rPr kumimoji="1" lang="ja-JP" altLang="en-US" sz="1600" dirty="0"/>
-                  <a:t>☑</a:t>
-                </a:r>
-                <a:endParaRPr kumimoji="1" lang="en-US" altLang="ja-JP" sz="1600" dirty="0"/>
-              </a:p>
-              <a:p>
-                <a:endParaRPr kumimoji="1" lang="ja-JP" altLang="en-US" sz="800" dirty="0"/>
-              </a:p>
-            </p:txBody>
-          </p:sp>
-          <p:sp>
-            <p:nvSpPr>
-              <p:cNvPr id="95" name="テキスト ボックス 94">
-                <a:extLst>
-                  <a:ext uri="{FF2B5EF4-FFF2-40B4-BE49-F238E27FC236}">
-                    <a16:creationId xmlns:a16="http://schemas.microsoft.com/office/drawing/2014/main" id="{6191BB01-DEDD-40C3-A265-08330C606591}"/>
-                  </a:ext>
-                </a:extLst>
-              </p:cNvPr>
-              <p:cNvSpPr txBox="1"/>
-              <p:nvPr/>
-            </p:nvSpPr>
-            <p:spPr>
-              <a:xfrm>
-                <a:off x="3527571" y="4580734"/>
-                <a:ext cx="1402485" cy="538609"/>
-              </a:xfrm>
-              <a:prstGeom prst="rect">
-                <a:avLst/>
-              </a:prstGeom>
-              <a:solidFill>
-                <a:schemeClr val="bg1"/>
-              </a:solidFill>
-            </p:spPr>
-            <p:txBody>
-              <a:bodyPr wrap="square" rtlCol="0">
-                <a:spAutoFit/>
-              </a:bodyPr>
-              <a:lstStyle/>
-              <a:p>
-                <a:r>
-                  <a:rPr lang="ja-JP" altLang="en-US" dirty="0"/>
-                  <a:t>食器用洗剤</a:t>
-                </a:r>
-                <a:endParaRPr lang="en-US" altLang="ja-JP" dirty="0"/>
-              </a:p>
-              <a:p>
-                <a:r>
-                  <a:rPr lang="ja-JP" altLang="en-US" sz="1100" dirty="0"/>
-                  <a:t>ジョイ</a:t>
-                </a:r>
-                <a:endParaRPr lang="en-US" altLang="ja-JP" sz="1100" dirty="0"/>
-              </a:p>
-            </p:txBody>
-          </p:sp>
-          <p:sp>
-            <p:nvSpPr>
-              <p:cNvPr id="96" name="テキスト ボックス 95">
-                <a:extLst>
-                  <a:ext uri="{FF2B5EF4-FFF2-40B4-BE49-F238E27FC236}">
-                    <a16:creationId xmlns:a16="http://schemas.microsoft.com/office/drawing/2014/main" id="{621EFAF0-E746-4B31-879C-6947A33D5DB1}"/>
-                  </a:ext>
-                </a:extLst>
-              </p:cNvPr>
-              <p:cNvSpPr txBox="1"/>
-              <p:nvPr/>
-            </p:nvSpPr>
-            <p:spPr>
-              <a:xfrm>
-                <a:off x="5864940" y="4588166"/>
-                <a:ext cx="1597079" cy="369332"/>
-              </a:xfrm>
-              <a:prstGeom prst="rect">
-                <a:avLst/>
-              </a:prstGeom>
-              <a:solidFill>
-                <a:schemeClr val="bg1"/>
-              </a:solidFill>
-            </p:spPr>
-            <p:txBody>
-              <a:bodyPr wrap="square" rtlCol="0">
-                <a:spAutoFit/>
-              </a:bodyPr>
-              <a:lstStyle/>
-              <a:p>
-                <a:r>
-                  <a:rPr lang="en-US" altLang="ja-JP" dirty="0"/>
-                  <a:t>0</a:t>
-                </a:r>
-                <a:r>
-                  <a:rPr lang="ja-JP" altLang="en-US" dirty="0"/>
-                  <a:t>６</a:t>
-                </a:r>
-                <a:r>
-                  <a:rPr lang="en-US" altLang="ja-JP" dirty="0"/>
-                  <a:t>/1</a:t>
-                </a:r>
-                <a:r>
-                  <a:rPr lang="ja-JP" altLang="en-US" dirty="0"/>
-                  <a:t>９</a:t>
-                </a:r>
-                <a:endParaRPr lang="en-US" altLang="ja-JP" dirty="0"/>
-              </a:p>
-            </p:txBody>
-          </p:sp>
-          <p:sp>
-            <p:nvSpPr>
-              <p:cNvPr id="97" name="テキスト ボックス 96">
-                <a:extLst>
-                  <a:ext uri="{FF2B5EF4-FFF2-40B4-BE49-F238E27FC236}">
-                    <a16:creationId xmlns:a16="http://schemas.microsoft.com/office/drawing/2014/main" id="{5A63CB7B-6A0B-43E3-8DAD-9589CA0FE3F5}"/>
-                  </a:ext>
-                </a:extLst>
-              </p:cNvPr>
-              <p:cNvSpPr txBox="1"/>
-              <p:nvPr/>
-            </p:nvSpPr>
-            <p:spPr>
-              <a:xfrm>
-                <a:off x="7753655" y="4570105"/>
-                <a:ext cx="1597079" cy="369332"/>
-              </a:xfrm>
-              <a:prstGeom prst="rect">
-                <a:avLst/>
-              </a:prstGeom>
-              <a:solidFill>
-                <a:schemeClr val="bg1"/>
-              </a:solidFill>
-            </p:spPr>
-            <p:txBody>
-              <a:bodyPr wrap="square" rtlCol="0">
-                <a:spAutoFit/>
-              </a:bodyPr>
-              <a:lstStyle/>
-              <a:p>
-                <a:r>
-                  <a:rPr lang="ja-JP" altLang="en-US" dirty="0"/>
-                  <a:t>あと〇日</a:t>
-                </a:r>
-                <a:endParaRPr lang="en-US" altLang="ja-JP" dirty="0"/>
-              </a:p>
-            </p:txBody>
-          </p:sp>
-          <p:sp>
-            <p:nvSpPr>
-              <p:cNvPr id="98" name="テキスト ボックス 97">
-                <a:extLst>
-                  <a:ext uri="{FF2B5EF4-FFF2-40B4-BE49-F238E27FC236}">
-                    <a16:creationId xmlns:a16="http://schemas.microsoft.com/office/drawing/2014/main" id="{3E7C1306-8620-4885-B62F-4752381F555C}"/>
-                  </a:ext>
-                </a:extLst>
-              </p:cNvPr>
-              <p:cNvSpPr txBox="1"/>
-              <p:nvPr/>
-            </p:nvSpPr>
-            <p:spPr>
-              <a:xfrm>
-                <a:off x="5082856" y="4675848"/>
-                <a:ext cx="546861" cy="307777"/>
-              </a:xfrm>
-              <a:prstGeom prst="rect">
-                <a:avLst/>
-              </a:prstGeom>
-              <a:solidFill>
-                <a:schemeClr val="bg1"/>
-              </a:solidFill>
-            </p:spPr>
-            <p:txBody>
-              <a:bodyPr wrap="square" rtlCol="0">
-                <a:spAutoFit/>
-              </a:bodyPr>
-              <a:lstStyle/>
-              <a:p>
-                <a:r>
-                  <a:rPr lang="ja-JP" altLang="en-US" sz="1400" dirty="0"/>
-                  <a:t>詳細</a:t>
-                </a:r>
-                <a:endParaRPr lang="en-US" altLang="ja-JP" sz="1400" dirty="0"/>
-              </a:p>
-            </p:txBody>
-          </p:sp>
-          <p:sp>
-            <p:nvSpPr>
-              <p:cNvPr id="99" name="テキスト ボックス 14">
-                <a:extLst>
-                  <a:ext uri="{FF2B5EF4-FFF2-40B4-BE49-F238E27FC236}">
-                    <a16:creationId xmlns:a16="http://schemas.microsoft.com/office/drawing/2014/main" id="{05E457F2-2A15-46FE-B4DE-F1593EFA4E02}"/>
-                  </a:ext>
-                </a:extLst>
-              </p:cNvPr>
-              <p:cNvSpPr txBox="1"/>
-              <p:nvPr/>
-            </p:nvSpPr>
-            <p:spPr>
-              <a:xfrm>
-                <a:off x="9567894" y="4570105"/>
-                <a:ext cx="418142" cy="346312"/>
-              </a:xfrm>
-              <a:prstGeom prst="rect">
-                <a:avLst/>
-              </a:prstGeom>
-              <a:solidFill>
-                <a:sysClr val="window" lastClr="FFFFFF"/>
-              </a:solidFill>
-            </p:spPr>
-            <p:txBody>
-              <a:bodyPr wrap="square" rtlCol="0">
-                <a:noAutofit/>
-              </a:bodyPr>
-              <a:lstStyle>
-                <a:lvl1pPr marL="0" indent="0">
-                  <a:defRPr sz="1100">
-                    <a:latin typeface="+mn-lt"/>
-                    <a:ea typeface="+mn-ea"/>
-                    <a:cs typeface="+mn-cs"/>
-                  </a:defRPr>
-                </a:lvl1pPr>
-                <a:lvl2pPr marL="457200" indent="0">
-                  <a:defRPr sz="1100">
-                    <a:latin typeface="+mn-lt"/>
-                    <a:ea typeface="+mn-ea"/>
-                    <a:cs typeface="+mn-cs"/>
-                  </a:defRPr>
-                </a:lvl2pPr>
-                <a:lvl3pPr marL="914400" indent="0">
-                  <a:defRPr sz="1100">
-                    <a:latin typeface="+mn-lt"/>
-                    <a:ea typeface="+mn-ea"/>
-                    <a:cs typeface="+mn-cs"/>
-                  </a:defRPr>
-                </a:lvl3pPr>
-                <a:lvl4pPr marL="1371600" indent="0">
-                  <a:defRPr sz="1100">
-                    <a:latin typeface="+mn-lt"/>
-                    <a:ea typeface="+mn-ea"/>
-                    <a:cs typeface="+mn-cs"/>
-                  </a:defRPr>
-                </a:lvl4pPr>
-                <a:lvl5pPr marL="1828800" indent="0">
-                  <a:defRPr sz="1100">
-                    <a:latin typeface="+mn-lt"/>
-                    <a:ea typeface="+mn-ea"/>
-                    <a:cs typeface="+mn-cs"/>
-                  </a:defRPr>
-                </a:lvl5pPr>
-                <a:lvl6pPr marL="2286000" indent="0">
-                  <a:defRPr sz="1100">
-                    <a:latin typeface="+mn-lt"/>
-                    <a:ea typeface="+mn-ea"/>
-                    <a:cs typeface="+mn-cs"/>
-                  </a:defRPr>
-                </a:lvl6pPr>
-                <a:lvl7pPr marL="2743200" indent="0">
-                  <a:defRPr sz="1100">
-                    <a:latin typeface="+mn-lt"/>
-                    <a:ea typeface="+mn-ea"/>
-                    <a:cs typeface="+mn-cs"/>
-                  </a:defRPr>
-                </a:lvl7pPr>
-                <a:lvl8pPr marL="3200400" indent="0">
-                  <a:defRPr sz="1100">
-                    <a:latin typeface="+mn-lt"/>
-                    <a:ea typeface="+mn-ea"/>
-                    <a:cs typeface="+mn-cs"/>
-                  </a:defRPr>
-                </a:lvl8pPr>
-                <a:lvl9pPr marL="3657600" indent="0">
-                  <a:defRPr sz="1100">
-                    <a:latin typeface="+mn-lt"/>
-                    <a:ea typeface="+mn-ea"/>
-                    <a:cs typeface="+mn-cs"/>
-                  </a:defRPr>
-                </a:lvl9pPr>
-              </a:lstStyle>
-              <a:p>
-                <a:r>
-                  <a:rPr kumimoji="1" lang="ja-JP" altLang="en-US" sz="1600" dirty="0"/>
-                  <a:t>☑</a:t>
-                </a:r>
-                <a:endParaRPr kumimoji="1" lang="en-US" altLang="ja-JP" sz="1600" dirty="0"/>
-              </a:p>
-              <a:p>
-                <a:endParaRPr kumimoji="1" lang="ja-JP" altLang="en-US" sz="800" dirty="0"/>
-              </a:p>
-            </p:txBody>
-          </p:sp>
-          <p:sp>
-            <p:nvSpPr>
-              <p:cNvPr id="100" name="テキスト ボックス 99">
-                <a:extLst>
-                  <a:ext uri="{FF2B5EF4-FFF2-40B4-BE49-F238E27FC236}">
-                    <a16:creationId xmlns:a16="http://schemas.microsoft.com/office/drawing/2014/main" id="{349807EC-3BE4-48E5-8DBD-53A29803C436}"/>
-                  </a:ext>
-                </a:extLst>
-              </p:cNvPr>
-              <p:cNvSpPr txBox="1"/>
-              <p:nvPr/>
-            </p:nvSpPr>
-            <p:spPr>
-              <a:xfrm>
-                <a:off x="9451782" y="2421649"/>
-                <a:ext cx="655878" cy="369332"/>
-              </a:xfrm>
-              <a:prstGeom prst="rect">
-                <a:avLst/>
-              </a:prstGeom>
-              <a:solidFill>
-                <a:schemeClr val="bg1"/>
-              </a:solidFill>
-            </p:spPr>
-            <p:txBody>
-              <a:bodyPr wrap="square" rtlCol="0">
-                <a:spAutoFit/>
-              </a:bodyPr>
-              <a:lstStyle/>
-              <a:p>
-                <a:r>
-                  <a:rPr lang="ja-JP" altLang="en-US" dirty="0"/>
-                  <a:t>補充</a:t>
-                </a:r>
-                <a:endParaRPr lang="en-US" altLang="ja-JP" dirty="0"/>
-              </a:p>
-            </p:txBody>
-          </p:sp>
-          <p:pic>
-            <p:nvPicPr>
-              <p:cNvPr id="101" name="図 100">
-                <a:extLst>
-                  <a:ext uri="{FF2B5EF4-FFF2-40B4-BE49-F238E27FC236}">
-                    <a16:creationId xmlns:a16="http://schemas.microsoft.com/office/drawing/2014/main" id="{B7A7B256-B553-47B3-AE16-478B999543B1}"/>
+                    <a16:creationId xmlns:a16="http://schemas.microsoft.com/office/drawing/2014/main" id="{0C36F570-7F93-4081-9175-8CF6F7A485D1}"/>
                   </a:ext>
                 </a:extLst>
               </p:cNvPr>
@@ -12651,15 +12718,15 @@
               <p:nvPr/>
             </p:nvPicPr>
             <p:blipFill>
-              <a:blip r:embed="rId8"/>
+              <a:blip r:embed="rId9"/>
               <a:stretch>
                 <a:fillRect/>
               </a:stretch>
             </p:blipFill>
             <p:spPr>
               <a:xfrm>
-                <a:off x="9657208" y="3181984"/>
-                <a:ext cx="266055" cy="266055"/>
+                <a:off x="10706600" y="5433754"/>
+                <a:ext cx="634180" cy="634180"/>
               </a:xfrm>
               <a:prstGeom prst="rect">
                 <a:avLst/>
@@ -12669,10 +12736,10 @@
         </p:grpSp>
         <p:pic>
           <p:nvPicPr>
-            <p:cNvPr id="73" name="図 72">
+            <p:cNvPr id="7" name="図 6">
               <a:extLst>
                 <a:ext uri="{FF2B5EF4-FFF2-40B4-BE49-F238E27FC236}">
-                  <a16:creationId xmlns:a16="http://schemas.microsoft.com/office/drawing/2014/main" id="{0C36F570-7F93-4081-9175-8CF6F7A485D1}"/>
+                  <a16:creationId xmlns:a16="http://schemas.microsoft.com/office/drawing/2014/main" id="{CD8C4000-1256-48EB-B262-9426D219F321}"/>
                 </a:ext>
               </a:extLst>
             </p:cNvPr>
@@ -12682,15 +12749,15 @@
             <p:nvPr/>
           </p:nvPicPr>
           <p:blipFill>
-            <a:blip r:embed="rId9"/>
+            <a:blip r:embed="rId10"/>
             <a:stretch>
               <a:fillRect/>
             </a:stretch>
           </p:blipFill>
           <p:spPr>
             <a:xfrm>
-              <a:off x="10706600" y="5433754"/>
-              <a:ext cx="634180" cy="634180"/>
+              <a:off x="9701264" y="5566212"/>
+              <a:ext cx="701828" cy="701828"/>
             </a:xfrm>
             <a:prstGeom prst="rect">
               <a:avLst/>
@@ -19512,10 +19579,10 @@
       </p:grpSp>
       <p:grpSp>
         <p:nvGrpSpPr>
-          <p:cNvPr id="7" name="グループ化 6">
+          <p:cNvPr id="8" name="グループ化 7">
             <a:extLst>
               <a:ext uri="{FF2B5EF4-FFF2-40B4-BE49-F238E27FC236}">
-                <a16:creationId xmlns:a16="http://schemas.microsoft.com/office/drawing/2014/main" id="{AE8FFEB9-04B4-417C-ABB6-F6C2FBB42CFF}"/>
+                <a16:creationId xmlns:a16="http://schemas.microsoft.com/office/drawing/2014/main" id="{981730BB-9652-448E-A438-CCF5ED8456B7}"/>
               </a:ext>
             </a:extLst>
           </p:cNvPr>
@@ -19526,358 +19593,651 @@
           <a:xfrm>
             <a:off x="3359412" y="1339263"/>
             <a:ext cx="7990124" cy="5075191"/>
-            <a:chOff x="3460208" y="1834139"/>
-            <a:chExt cx="6760233" cy="4320845"/>
+            <a:chOff x="3359412" y="1339263"/>
+            <a:chExt cx="7990124" cy="5075191"/>
           </a:xfrm>
         </p:grpSpPr>
-        <p:sp>
-          <p:nvSpPr>
-            <p:cNvPr id="126" name="テキスト ボックス 125">
+        <p:grpSp>
+          <p:nvGrpSpPr>
+            <p:cNvPr id="7" name="グループ化 6">
               <a:extLst>
                 <a:ext uri="{FF2B5EF4-FFF2-40B4-BE49-F238E27FC236}">
-                  <a16:creationId xmlns:a16="http://schemas.microsoft.com/office/drawing/2014/main" id="{6893D747-D696-4A7F-BE26-81CAB3A00EDE}"/>
+                  <a16:creationId xmlns:a16="http://schemas.microsoft.com/office/drawing/2014/main" id="{AE8FFEB9-04B4-417C-ABB6-F6C2FBB42CFF}"/>
                 </a:ext>
               </a:extLst>
             </p:cNvPr>
-            <p:cNvSpPr txBox="1"/>
+            <p:cNvGrpSpPr/>
             <p:nvPr/>
-          </p:nvSpPr>
-          <p:spPr>
+          </p:nvGrpSpPr>
+          <p:grpSpPr>
             <a:xfrm>
-              <a:off x="3527324" y="1967390"/>
-              <a:ext cx="1701580" cy="369332"/>
+              <a:off x="3359412" y="1339263"/>
+              <a:ext cx="7990124" cy="5075191"/>
+              <a:chOff x="3460208" y="1834139"/>
+              <a:chExt cx="6760233" cy="4320845"/>
             </a:xfrm>
-            <a:prstGeom prst="rect">
-              <a:avLst/>
-            </a:prstGeom>
-            <a:solidFill>
-              <a:schemeClr val="bg2">
-                <a:lumMod val="75000"/>
-              </a:schemeClr>
-            </a:solidFill>
-          </p:spPr>
-          <p:txBody>
-            <a:bodyPr wrap="square" rtlCol="0">
-              <a:spAutoFit/>
-            </a:bodyPr>
-            <a:lstStyle/>
-            <a:p>
-              <a:r>
-                <a:rPr kumimoji="1" lang="ja-JP" altLang="en-US" dirty="0"/>
-                <a:t>日用品</a:t>
-              </a:r>
-            </a:p>
-          </p:txBody>
-        </p:sp>
-        <p:sp>
-          <p:nvSpPr>
-            <p:cNvPr id="127" name="テキスト ボックス 126">
+          </p:grpSpPr>
+          <p:sp>
+            <p:nvSpPr>
+              <p:cNvPr id="126" name="テキスト ボックス 125">
+                <a:extLst>
+                  <a:ext uri="{FF2B5EF4-FFF2-40B4-BE49-F238E27FC236}">
+                    <a16:creationId xmlns:a16="http://schemas.microsoft.com/office/drawing/2014/main" id="{6893D747-D696-4A7F-BE26-81CAB3A00EDE}"/>
+                  </a:ext>
+                </a:extLst>
+              </p:cNvPr>
+              <p:cNvSpPr txBox="1"/>
+              <p:nvPr/>
+            </p:nvSpPr>
+            <p:spPr>
+              <a:xfrm>
+                <a:off x="3527324" y="1967390"/>
+                <a:ext cx="1701580" cy="369332"/>
+              </a:xfrm>
+              <a:prstGeom prst="rect">
+                <a:avLst/>
+              </a:prstGeom>
+              <a:solidFill>
+                <a:schemeClr val="bg2">
+                  <a:lumMod val="75000"/>
+                </a:schemeClr>
+              </a:solidFill>
+            </p:spPr>
+            <p:txBody>
+              <a:bodyPr wrap="square" rtlCol="0">
+                <a:spAutoFit/>
+              </a:bodyPr>
+              <a:lstStyle/>
+              <a:p>
+                <a:r>
+                  <a:rPr kumimoji="1" lang="ja-JP" altLang="en-US" dirty="0"/>
+                  <a:t>日用品</a:t>
+                </a:r>
+              </a:p>
+            </p:txBody>
+          </p:sp>
+          <p:sp>
+            <p:nvSpPr>
+              <p:cNvPr id="127" name="テキスト ボックス 126">
+                <a:extLst>
+                  <a:ext uri="{FF2B5EF4-FFF2-40B4-BE49-F238E27FC236}">
+                    <a16:creationId xmlns:a16="http://schemas.microsoft.com/office/drawing/2014/main" id="{086935DA-66FC-4EE5-9384-E8D22ADC60AB}"/>
+                  </a:ext>
+                </a:extLst>
+              </p:cNvPr>
+              <p:cNvSpPr txBox="1"/>
+              <p:nvPr/>
+            </p:nvSpPr>
+            <p:spPr>
+              <a:xfrm>
+                <a:off x="5228904" y="1834139"/>
+                <a:ext cx="1701580" cy="369332"/>
+              </a:xfrm>
+              <a:prstGeom prst="rect">
+                <a:avLst/>
+              </a:prstGeom>
+              <a:solidFill>
+                <a:schemeClr val="bg1"/>
+              </a:solidFill>
+            </p:spPr>
+            <p:txBody>
+              <a:bodyPr wrap="square" rtlCol="0">
+                <a:spAutoFit/>
+              </a:bodyPr>
+              <a:lstStyle/>
+              <a:p>
+                <a:r>
+                  <a:rPr lang="ja-JP" altLang="en-US" dirty="0"/>
+                  <a:t>家事</a:t>
+                </a:r>
+                <a:endParaRPr kumimoji="1" lang="en-US" altLang="ja-JP" dirty="0"/>
+              </a:p>
+            </p:txBody>
+          </p:sp>
+          <p:sp>
+            <p:nvSpPr>
+              <p:cNvPr id="128" name="テキスト ボックス 127">
+                <a:extLst>
+                  <a:ext uri="{FF2B5EF4-FFF2-40B4-BE49-F238E27FC236}">
+                    <a16:creationId xmlns:a16="http://schemas.microsoft.com/office/drawing/2014/main" id="{78F80257-68C7-415D-99F2-B3F5FF43856B}"/>
+                  </a:ext>
+                </a:extLst>
+              </p:cNvPr>
+              <p:cNvSpPr txBox="1"/>
+              <p:nvPr/>
+            </p:nvSpPr>
+            <p:spPr>
+              <a:xfrm>
+                <a:off x="3460208" y="2207490"/>
+                <a:ext cx="6760233" cy="3947494"/>
+              </a:xfrm>
+              <a:prstGeom prst="rect">
+                <a:avLst/>
+              </a:prstGeom>
+              <a:solidFill>
+                <a:schemeClr val="accent1">
+                  <a:lumMod val="20000"/>
+                  <a:lumOff val="80000"/>
+                </a:schemeClr>
+              </a:solidFill>
+            </p:spPr>
+            <p:txBody>
+              <a:bodyPr wrap="square" rtlCol="0">
+                <a:spAutoFit/>
+              </a:bodyPr>
+              <a:lstStyle/>
+              <a:p>
+                <a:endParaRPr kumimoji="1" lang="ja-JP" altLang="en-US" dirty="0"/>
+              </a:p>
+            </p:txBody>
+          </p:sp>
+          <p:sp>
+            <p:nvSpPr>
+              <p:cNvPr id="129" name="テキスト ボックス 128">
+                <a:extLst>
+                  <a:ext uri="{FF2B5EF4-FFF2-40B4-BE49-F238E27FC236}">
+                    <a16:creationId xmlns:a16="http://schemas.microsoft.com/office/drawing/2014/main" id="{81070B0C-A96F-490B-9C20-1090834517AA}"/>
+                  </a:ext>
+                </a:extLst>
+              </p:cNvPr>
+              <p:cNvSpPr txBox="1"/>
+              <p:nvPr/>
+            </p:nvSpPr>
+            <p:spPr>
+              <a:xfrm>
+                <a:off x="3527572" y="3110838"/>
+                <a:ext cx="2151333" cy="369332"/>
+              </a:xfrm>
+              <a:prstGeom prst="rect">
+                <a:avLst/>
+              </a:prstGeom>
+              <a:solidFill>
+                <a:schemeClr val="bg1"/>
+              </a:solidFill>
+            </p:spPr>
+            <p:txBody>
+              <a:bodyPr wrap="square" rtlCol="0">
+                <a:spAutoFit/>
+              </a:bodyPr>
+              <a:lstStyle/>
+              <a:p>
+                <a:r>
+                  <a:rPr lang="ja-JP" altLang="en-US" dirty="0"/>
+                  <a:t>シンク掃除</a:t>
+                </a:r>
+                <a:endParaRPr lang="en-US" altLang="ja-JP" dirty="0"/>
+              </a:p>
+            </p:txBody>
+          </p:sp>
+          <p:sp>
+            <p:nvSpPr>
+              <p:cNvPr id="130" name="テキスト ボックス 129">
+                <a:extLst>
+                  <a:ext uri="{FF2B5EF4-FFF2-40B4-BE49-F238E27FC236}">
+                    <a16:creationId xmlns:a16="http://schemas.microsoft.com/office/drawing/2014/main" id="{A2550DAA-A1DD-407C-8C7E-9AE7DF8F36AC}"/>
+                  </a:ext>
+                </a:extLst>
+              </p:cNvPr>
+              <p:cNvSpPr txBox="1"/>
+              <p:nvPr/>
+            </p:nvSpPr>
+            <p:spPr>
+              <a:xfrm>
+                <a:off x="5864941" y="3118270"/>
+                <a:ext cx="1597079" cy="369332"/>
+              </a:xfrm>
+              <a:prstGeom prst="rect">
+                <a:avLst/>
+              </a:prstGeom>
+              <a:solidFill>
+                <a:schemeClr val="bg1"/>
+              </a:solidFill>
+            </p:spPr>
+            <p:txBody>
+              <a:bodyPr wrap="square" rtlCol="0">
+                <a:spAutoFit/>
+              </a:bodyPr>
+              <a:lstStyle/>
+              <a:p>
+                <a:r>
+                  <a:rPr lang="ja-JP" altLang="en-US" dirty="0"/>
+                  <a:t>週一回</a:t>
+                </a:r>
+                <a:endParaRPr lang="en-US" altLang="ja-JP" dirty="0"/>
+              </a:p>
+            </p:txBody>
+          </p:sp>
+          <p:sp>
+            <p:nvSpPr>
+              <p:cNvPr id="131" name="テキスト ボックス 130">
+                <a:extLst>
+                  <a:ext uri="{FF2B5EF4-FFF2-40B4-BE49-F238E27FC236}">
+                    <a16:creationId xmlns:a16="http://schemas.microsoft.com/office/drawing/2014/main" id="{98C4000D-3BFE-4B3F-8142-54BA875852A3}"/>
+                  </a:ext>
+                </a:extLst>
+              </p:cNvPr>
+              <p:cNvSpPr txBox="1"/>
+              <p:nvPr/>
+            </p:nvSpPr>
+            <p:spPr>
+              <a:xfrm>
+                <a:off x="7753656" y="3100209"/>
+                <a:ext cx="1597079" cy="369332"/>
+              </a:xfrm>
+              <a:prstGeom prst="rect">
+                <a:avLst/>
+              </a:prstGeom>
+              <a:solidFill>
+                <a:schemeClr val="bg1"/>
+              </a:solidFill>
+            </p:spPr>
+            <p:txBody>
+              <a:bodyPr wrap="square" rtlCol="0">
+                <a:spAutoFit/>
+              </a:bodyPr>
+              <a:lstStyle/>
+              <a:p>
+                <a:r>
+                  <a:rPr lang="ja-JP" altLang="en-US" dirty="0"/>
+                  <a:t>あと４日</a:t>
+                </a:r>
+                <a:endParaRPr lang="en-US" altLang="ja-JP" dirty="0"/>
+              </a:p>
+            </p:txBody>
+          </p:sp>
+          <p:sp>
+            <p:nvSpPr>
+              <p:cNvPr id="132" name="テキスト ボックス 131">
+                <a:extLst>
+                  <a:ext uri="{FF2B5EF4-FFF2-40B4-BE49-F238E27FC236}">
+                    <a16:creationId xmlns:a16="http://schemas.microsoft.com/office/drawing/2014/main" id="{9F94D298-1A43-4678-98BE-DDBE318017EC}"/>
+                  </a:ext>
+                </a:extLst>
+              </p:cNvPr>
+              <p:cNvSpPr txBox="1"/>
+              <p:nvPr/>
+            </p:nvSpPr>
+            <p:spPr>
+              <a:xfrm>
+                <a:off x="5864940" y="2413698"/>
+                <a:ext cx="1597079" cy="369332"/>
+              </a:xfrm>
+              <a:prstGeom prst="rect">
+                <a:avLst/>
+              </a:prstGeom>
+              <a:solidFill>
+                <a:schemeClr val="bg1"/>
+              </a:solidFill>
+            </p:spPr>
+            <p:txBody>
+              <a:bodyPr wrap="square" rtlCol="0">
+                <a:spAutoFit/>
+              </a:bodyPr>
+              <a:lstStyle/>
+              <a:p>
+                <a:r>
+                  <a:rPr lang="ja-JP" altLang="en-US" dirty="0"/>
+                  <a:t>目標頻度</a:t>
+                </a:r>
+                <a:endParaRPr lang="en-US" altLang="ja-JP" dirty="0"/>
+              </a:p>
+            </p:txBody>
+          </p:sp>
+          <p:sp>
+            <p:nvSpPr>
+              <p:cNvPr id="133" name="テキスト ボックス 132">
+                <a:extLst>
+                  <a:ext uri="{FF2B5EF4-FFF2-40B4-BE49-F238E27FC236}">
+                    <a16:creationId xmlns:a16="http://schemas.microsoft.com/office/drawing/2014/main" id="{26CCE720-BFDF-4B19-9084-B05834009B32}"/>
+                  </a:ext>
+                </a:extLst>
+              </p:cNvPr>
+              <p:cNvSpPr txBox="1"/>
+              <p:nvPr/>
+            </p:nvSpPr>
+            <p:spPr>
+              <a:xfrm>
+                <a:off x="3527324" y="2405746"/>
+                <a:ext cx="2151333" cy="369332"/>
+              </a:xfrm>
+              <a:prstGeom prst="rect">
+                <a:avLst/>
+              </a:prstGeom>
+              <a:solidFill>
+                <a:schemeClr val="bg1"/>
+              </a:solidFill>
+            </p:spPr>
+            <p:txBody>
+              <a:bodyPr wrap="square" rtlCol="0">
+                <a:spAutoFit/>
+              </a:bodyPr>
+              <a:lstStyle/>
+              <a:p>
+                <a:r>
+                  <a:rPr lang="ja-JP" altLang="en-US" dirty="0"/>
+                  <a:t>家事項目</a:t>
+                </a:r>
+                <a:endParaRPr lang="en-US" altLang="ja-JP" dirty="0"/>
+              </a:p>
+            </p:txBody>
+          </p:sp>
+          <p:sp>
+            <p:nvSpPr>
+              <p:cNvPr id="134" name="テキスト ボックス 133">
+                <a:extLst>
+                  <a:ext uri="{FF2B5EF4-FFF2-40B4-BE49-F238E27FC236}">
+                    <a16:creationId xmlns:a16="http://schemas.microsoft.com/office/drawing/2014/main" id="{C4CFD68D-B154-40AF-9089-9D2463921DC9}"/>
+                  </a:ext>
+                </a:extLst>
+              </p:cNvPr>
+              <p:cNvSpPr txBox="1"/>
+              <p:nvPr/>
+            </p:nvSpPr>
+            <p:spPr>
+              <a:xfrm>
+                <a:off x="7729330" y="2413698"/>
+                <a:ext cx="1597079" cy="369332"/>
+              </a:xfrm>
+              <a:prstGeom prst="rect">
+                <a:avLst/>
+              </a:prstGeom>
+              <a:solidFill>
+                <a:schemeClr val="bg1"/>
+              </a:solidFill>
+            </p:spPr>
+            <p:txBody>
+              <a:bodyPr wrap="square" rtlCol="0">
+                <a:spAutoFit/>
+              </a:bodyPr>
+              <a:lstStyle/>
+              <a:p>
+                <a:r>
+                  <a:rPr lang="ja-JP" altLang="en-US" dirty="0"/>
+                  <a:t>期限</a:t>
+                </a:r>
+                <a:endParaRPr lang="en-US" altLang="ja-JP" dirty="0"/>
+              </a:p>
+            </p:txBody>
+          </p:sp>
+          <p:pic>
+            <p:nvPicPr>
+              <p:cNvPr id="135" name="図 134">
+                <a:extLst>
+                  <a:ext uri="{FF2B5EF4-FFF2-40B4-BE49-F238E27FC236}">
+                    <a16:creationId xmlns:a16="http://schemas.microsoft.com/office/drawing/2014/main" id="{CAEB2606-17F0-47DC-A8A4-38D64DBFBC4A}"/>
+                  </a:ext>
+                </a:extLst>
+              </p:cNvPr>
+              <p:cNvPicPr>
+                <a:picLocks noChangeAspect="1"/>
+              </p:cNvPicPr>
+              <p:nvPr/>
+            </p:nvPicPr>
+            <p:blipFill>
+              <a:blip r:embed="rId8"/>
+              <a:stretch>
+                <a:fillRect/>
+              </a:stretch>
+            </p:blipFill>
+            <p:spPr>
+              <a:xfrm>
+                <a:off x="5228904" y="3179371"/>
+                <a:ext cx="266055" cy="266055"/>
+              </a:xfrm>
+              <a:prstGeom prst="rect">
+                <a:avLst/>
+              </a:prstGeom>
+            </p:spPr>
+          </p:pic>
+          <p:pic>
+            <p:nvPicPr>
+              <p:cNvPr id="136" name="図 135">
+                <a:extLst>
+                  <a:ext uri="{FF2B5EF4-FFF2-40B4-BE49-F238E27FC236}">
+                    <a16:creationId xmlns:a16="http://schemas.microsoft.com/office/drawing/2014/main" id="{E4DF5324-14D3-4A4C-BC47-BFBBDFD22A25}"/>
+                  </a:ext>
+                </a:extLst>
+              </p:cNvPr>
+              <p:cNvPicPr>
+                <a:picLocks noChangeAspect="1"/>
+              </p:cNvPicPr>
+              <p:nvPr/>
+            </p:nvPicPr>
+            <p:blipFill>
+              <a:blip r:embed="rId9"/>
+              <a:stretch>
+                <a:fillRect/>
+              </a:stretch>
+            </p:blipFill>
+            <p:spPr>
+              <a:xfrm>
+                <a:off x="9619879" y="3167248"/>
+                <a:ext cx="266055" cy="266055"/>
+              </a:xfrm>
+              <a:prstGeom prst="rect">
+                <a:avLst/>
+              </a:prstGeom>
+            </p:spPr>
+          </p:pic>
+          <p:sp>
+            <p:nvSpPr>
+              <p:cNvPr id="137" name="テキスト ボックス 136">
+                <a:extLst>
+                  <a:ext uri="{FF2B5EF4-FFF2-40B4-BE49-F238E27FC236}">
+                    <a16:creationId xmlns:a16="http://schemas.microsoft.com/office/drawing/2014/main" id="{E7E1FCD8-B9F7-4B90-A48A-B278C81A9770}"/>
+                  </a:ext>
+                </a:extLst>
+              </p:cNvPr>
+              <p:cNvSpPr txBox="1"/>
+              <p:nvPr/>
+            </p:nvSpPr>
+            <p:spPr>
+              <a:xfrm>
+                <a:off x="3527572" y="3597683"/>
+                <a:ext cx="2151333" cy="369332"/>
+              </a:xfrm>
+              <a:prstGeom prst="rect">
+                <a:avLst/>
+              </a:prstGeom>
+              <a:solidFill>
+                <a:schemeClr val="bg1"/>
+              </a:solidFill>
+            </p:spPr>
+            <p:txBody>
+              <a:bodyPr wrap="square" rtlCol="0">
+                <a:spAutoFit/>
+              </a:bodyPr>
+              <a:lstStyle/>
+              <a:p>
+                <a:r>
+                  <a:rPr lang="ja-JP" altLang="en-US" dirty="0"/>
+                  <a:t>トイレ掃除</a:t>
+                </a:r>
+                <a:endParaRPr lang="en-US" altLang="ja-JP" dirty="0"/>
+              </a:p>
+            </p:txBody>
+          </p:sp>
+          <p:sp>
+            <p:nvSpPr>
+              <p:cNvPr id="138" name="テキスト ボックス 137">
+                <a:extLst>
+                  <a:ext uri="{FF2B5EF4-FFF2-40B4-BE49-F238E27FC236}">
+                    <a16:creationId xmlns:a16="http://schemas.microsoft.com/office/drawing/2014/main" id="{BCA714C3-13E6-4561-9004-1BF37FE070F1}"/>
+                  </a:ext>
+                </a:extLst>
+              </p:cNvPr>
+              <p:cNvSpPr txBox="1"/>
+              <p:nvPr/>
+            </p:nvSpPr>
+            <p:spPr>
+              <a:xfrm>
+                <a:off x="5864941" y="3605115"/>
+                <a:ext cx="1597079" cy="369332"/>
+              </a:xfrm>
+              <a:prstGeom prst="rect">
+                <a:avLst/>
+              </a:prstGeom>
+              <a:solidFill>
+                <a:schemeClr val="bg1"/>
+              </a:solidFill>
+            </p:spPr>
+            <p:txBody>
+              <a:bodyPr wrap="square" rtlCol="0">
+                <a:spAutoFit/>
+              </a:bodyPr>
+              <a:lstStyle/>
+              <a:p>
+                <a:r>
+                  <a:rPr lang="ja-JP" altLang="en-US" dirty="0"/>
+                  <a:t>週一回</a:t>
+                </a:r>
+                <a:endParaRPr lang="en-US" altLang="ja-JP" dirty="0"/>
+              </a:p>
+            </p:txBody>
+          </p:sp>
+          <p:sp>
+            <p:nvSpPr>
+              <p:cNvPr id="139" name="テキスト ボックス 138">
+                <a:extLst>
+                  <a:ext uri="{FF2B5EF4-FFF2-40B4-BE49-F238E27FC236}">
+                    <a16:creationId xmlns:a16="http://schemas.microsoft.com/office/drawing/2014/main" id="{BA947994-1540-4F95-9EA4-401785201D3D}"/>
+                  </a:ext>
+                </a:extLst>
+              </p:cNvPr>
+              <p:cNvSpPr txBox="1"/>
+              <p:nvPr/>
+            </p:nvSpPr>
+            <p:spPr>
+              <a:xfrm>
+                <a:off x="7753656" y="3587054"/>
+                <a:ext cx="1597079" cy="369332"/>
+              </a:xfrm>
+              <a:prstGeom prst="rect">
+                <a:avLst/>
+              </a:prstGeom>
+              <a:solidFill>
+                <a:schemeClr val="bg1"/>
+              </a:solidFill>
+            </p:spPr>
+            <p:txBody>
+              <a:bodyPr wrap="square" rtlCol="0">
+                <a:spAutoFit/>
+              </a:bodyPr>
+              <a:lstStyle/>
+              <a:p>
+                <a:r>
+                  <a:rPr lang="ja-JP" altLang="en-US" dirty="0"/>
+                  <a:t>あと７日</a:t>
+                </a:r>
+                <a:endParaRPr lang="en-US" altLang="ja-JP" dirty="0"/>
+              </a:p>
+            </p:txBody>
+          </p:sp>
+          <p:pic>
+            <p:nvPicPr>
+              <p:cNvPr id="140" name="図 139">
+                <a:extLst>
+                  <a:ext uri="{FF2B5EF4-FFF2-40B4-BE49-F238E27FC236}">
+                    <a16:creationId xmlns:a16="http://schemas.microsoft.com/office/drawing/2014/main" id="{8D165842-6289-49CB-B675-484945891F88}"/>
+                  </a:ext>
+                </a:extLst>
+              </p:cNvPr>
+              <p:cNvPicPr>
+                <a:picLocks noChangeAspect="1"/>
+              </p:cNvPicPr>
+              <p:nvPr/>
+            </p:nvPicPr>
+            <p:blipFill>
+              <a:blip r:embed="rId9"/>
+              <a:stretch>
+                <a:fillRect/>
+              </a:stretch>
+            </p:blipFill>
+            <p:spPr>
+              <a:xfrm>
+                <a:off x="9619878" y="3638692"/>
+                <a:ext cx="266055" cy="266055"/>
+              </a:xfrm>
+              <a:prstGeom prst="rect">
+                <a:avLst/>
+              </a:prstGeom>
+            </p:spPr>
+          </p:pic>
+          <p:pic>
+            <p:nvPicPr>
+              <p:cNvPr id="141" name="図 140">
+                <a:extLst>
+                  <a:ext uri="{FF2B5EF4-FFF2-40B4-BE49-F238E27FC236}">
+                    <a16:creationId xmlns:a16="http://schemas.microsoft.com/office/drawing/2014/main" id="{C0D3430F-C5F9-4BD4-A4BB-1A6DC107BE12}"/>
+                  </a:ext>
+                </a:extLst>
+              </p:cNvPr>
+              <p:cNvPicPr>
+                <a:picLocks noChangeAspect="1"/>
+              </p:cNvPicPr>
+              <p:nvPr/>
+            </p:nvPicPr>
+            <p:blipFill>
+              <a:blip r:embed="rId8"/>
+              <a:stretch>
+                <a:fillRect/>
+              </a:stretch>
+            </p:blipFill>
+            <p:spPr>
+              <a:xfrm>
+                <a:off x="5228904" y="3666216"/>
+                <a:ext cx="266055" cy="266055"/>
+              </a:xfrm>
+              <a:prstGeom prst="rect">
+                <a:avLst/>
+              </a:prstGeom>
+            </p:spPr>
+          </p:pic>
+          <p:sp>
+            <p:nvSpPr>
+              <p:cNvPr id="142" name="テキスト ボックス 141">
+                <a:extLst>
+                  <a:ext uri="{FF2B5EF4-FFF2-40B4-BE49-F238E27FC236}">
+                    <a16:creationId xmlns:a16="http://schemas.microsoft.com/office/drawing/2014/main" id="{B91387EC-B516-44C5-A6AE-D2F03C310AD5}"/>
+                  </a:ext>
+                </a:extLst>
+              </p:cNvPr>
+              <p:cNvSpPr txBox="1"/>
+              <p:nvPr/>
+            </p:nvSpPr>
+            <p:spPr>
+              <a:xfrm>
+                <a:off x="9429778" y="2424651"/>
+                <a:ext cx="646253" cy="369332"/>
+              </a:xfrm>
+              <a:prstGeom prst="rect">
+                <a:avLst/>
+              </a:prstGeom>
+              <a:solidFill>
+                <a:schemeClr val="bg1"/>
+              </a:solidFill>
+            </p:spPr>
+            <p:txBody>
+              <a:bodyPr wrap="square" rtlCol="0">
+                <a:spAutoFit/>
+              </a:bodyPr>
+              <a:lstStyle/>
+              <a:p>
+                <a:r>
+                  <a:rPr lang="ja-JP" altLang="en-US" dirty="0"/>
+                  <a:t>完了</a:t>
+                </a:r>
+                <a:endParaRPr lang="en-US" altLang="ja-JP" dirty="0"/>
+              </a:p>
+            </p:txBody>
+          </p:sp>
+        </p:grpSp>
+        <p:pic>
+          <p:nvPicPr>
+            <p:cNvPr id="125" name="図 124">
               <a:extLst>
                 <a:ext uri="{FF2B5EF4-FFF2-40B4-BE49-F238E27FC236}">
-                  <a16:creationId xmlns:a16="http://schemas.microsoft.com/office/drawing/2014/main" id="{086935DA-66FC-4EE5-9384-E8D22ADC60AB}"/>
-                </a:ext>
-              </a:extLst>
-            </p:cNvPr>
-            <p:cNvSpPr txBox="1"/>
-            <p:nvPr/>
-          </p:nvSpPr>
-          <p:spPr>
-            <a:xfrm>
-              <a:off x="5228904" y="1834139"/>
-              <a:ext cx="1701580" cy="369332"/>
-            </a:xfrm>
-            <a:prstGeom prst="rect">
-              <a:avLst/>
-            </a:prstGeom>
-            <a:solidFill>
-              <a:schemeClr val="bg1"/>
-            </a:solidFill>
-          </p:spPr>
-          <p:txBody>
-            <a:bodyPr wrap="square" rtlCol="0">
-              <a:spAutoFit/>
-            </a:bodyPr>
-            <a:lstStyle/>
-            <a:p>
-              <a:r>
-                <a:rPr lang="ja-JP" altLang="en-US" dirty="0"/>
-                <a:t>家事</a:t>
-              </a:r>
-              <a:endParaRPr kumimoji="1" lang="en-US" altLang="ja-JP" dirty="0"/>
-            </a:p>
-          </p:txBody>
-        </p:sp>
-        <p:sp>
-          <p:nvSpPr>
-            <p:cNvPr id="128" name="テキスト ボックス 127">
-              <a:extLst>
-                <a:ext uri="{FF2B5EF4-FFF2-40B4-BE49-F238E27FC236}">
-                  <a16:creationId xmlns:a16="http://schemas.microsoft.com/office/drawing/2014/main" id="{78F80257-68C7-415D-99F2-B3F5FF43856B}"/>
-                </a:ext>
-              </a:extLst>
-            </p:cNvPr>
-            <p:cNvSpPr txBox="1"/>
-            <p:nvPr/>
-          </p:nvSpPr>
-          <p:spPr>
-            <a:xfrm>
-              <a:off x="3460208" y="2207490"/>
-              <a:ext cx="6760233" cy="3947494"/>
-            </a:xfrm>
-            <a:prstGeom prst="rect">
-              <a:avLst/>
-            </a:prstGeom>
-            <a:solidFill>
-              <a:schemeClr val="accent1">
-                <a:lumMod val="20000"/>
-                <a:lumOff val="80000"/>
-              </a:schemeClr>
-            </a:solidFill>
-          </p:spPr>
-          <p:txBody>
-            <a:bodyPr wrap="square" rtlCol="0">
-              <a:spAutoFit/>
-            </a:bodyPr>
-            <a:lstStyle/>
-            <a:p>
-              <a:endParaRPr kumimoji="1" lang="ja-JP" altLang="en-US" dirty="0"/>
-            </a:p>
-          </p:txBody>
-        </p:sp>
-        <p:sp>
-          <p:nvSpPr>
-            <p:cNvPr id="129" name="テキスト ボックス 128">
-              <a:extLst>
-                <a:ext uri="{FF2B5EF4-FFF2-40B4-BE49-F238E27FC236}">
-                  <a16:creationId xmlns:a16="http://schemas.microsoft.com/office/drawing/2014/main" id="{81070B0C-A96F-490B-9C20-1090834517AA}"/>
-                </a:ext>
-              </a:extLst>
-            </p:cNvPr>
-            <p:cNvSpPr txBox="1"/>
-            <p:nvPr/>
-          </p:nvSpPr>
-          <p:spPr>
-            <a:xfrm>
-              <a:off x="3527572" y="3110838"/>
-              <a:ext cx="2151333" cy="369332"/>
-            </a:xfrm>
-            <a:prstGeom prst="rect">
-              <a:avLst/>
-            </a:prstGeom>
-            <a:solidFill>
-              <a:schemeClr val="bg1"/>
-            </a:solidFill>
-          </p:spPr>
-          <p:txBody>
-            <a:bodyPr wrap="square" rtlCol="0">
-              <a:spAutoFit/>
-            </a:bodyPr>
-            <a:lstStyle/>
-            <a:p>
-              <a:r>
-                <a:rPr lang="ja-JP" altLang="en-US" dirty="0"/>
-                <a:t>シンク掃除</a:t>
-              </a:r>
-              <a:endParaRPr lang="en-US" altLang="ja-JP" dirty="0"/>
-            </a:p>
-          </p:txBody>
-        </p:sp>
-        <p:sp>
-          <p:nvSpPr>
-            <p:cNvPr id="130" name="テキスト ボックス 129">
-              <a:extLst>
-                <a:ext uri="{FF2B5EF4-FFF2-40B4-BE49-F238E27FC236}">
-                  <a16:creationId xmlns:a16="http://schemas.microsoft.com/office/drawing/2014/main" id="{A2550DAA-A1DD-407C-8C7E-9AE7DF8F36AC}"/>
-                </a:ext>
-              </a:extLst>
-            </p:cNvPr>
-            <p:cNvSpPr txBox="1"/>
-            <p:nvPr/>
-          </p:nvSpPr>
-          <p:spPr>
-            <a:xfrm>
-              <a:off x="5864941" y="3118270"/>
-              <a:ext cx="1597079" cy="369332"/>
-            </a:xfrm>
-            <a:prstGeom prst="rect">
-              <a:avLst/>
-            </a:prstGeom>
-            <a:solidFill>
-              <a:schemeClr val="bg1"/>
-            </a:solidFill>
-          </p:spPr>
-          <p:txBody>
-            <a:bodyPr wrap="square" rtlCol="0">
-              <a:spAutoFit/>
-            </a:bodyPr>
-            <a:lstStyle/>
-            <a:p>
-              <a:r>
-                <a:rPr lang="ja-JP" altLang="en-US" dirty="0"/>
-                <a:t>週一回</a:t>
-              </a:r>
-              <a:endParaRPr lang="en-US" altLang="ja-JP" dirty="0"/>
-            </a:p>
-          </p:txBody>
-        </p:sp>
-        <p:sp>
-          <p:nvSpPr>
-            <p:cNvPr id="131" name="テキスト ボックス 130">
-              <a:extLst>
-                <a:ext uri="{FF2B5EF4-FFF2-40B4-BE49-F238E27FC236}">
-                  <a16:creationId xmlns:a16="http://schemas.microsoft.com/office/drawing/2014/main" id="{98C4000D-3BFE-4B3F-8142-54BA875852A3}"/>
-                </a:ext>
-              </a:extLst>
-            </p:cNvPr>
-            <p:cNvSpPr txBox="1"/>
-            <p:nvPr/>
-          </p:nvSpPr>
-          <p:spPr>
-            <a:xfrm>
-              <a:off x="7753656" y="3100209"/>
-              <a:ext cx="1597079" cy="369332"/>
-            </a:xfrm>
-            <a:prstGeom prst="rect">
-              <a:avLst/>
-            </a:prstGeom>
-            <a:solidFill>
-              <a:schemeClr val="bg1"/>
-            </a:solidFill>
-          </p:spPr>
-          <p:txBody>
-            <a:bodyPr wrap="square" rtlCol="0">
-              <a:spAutoFit/>
-            </a:bodyPr>
-            <a:lstStyle/>
-            <a:p>
-              <a:r>
-                <a:rPr lang="ja-JP" altLang="en-US" dirty="0"/>
-                <a:t>あと４日</a:t>
-              </a:r>
-              <a:endParaRPr lang="en-US" altLang="ja-JP" dirty="0"/>
-            </a:p>
-          </p:txBody>
-        </p:sp>
-        <p:sp>
-          <p:nvSpPr>
-            <p:cNvPr id="132" name="テキスト ボックス 131">
-              <a:extLst>
-                <a:ext uri="{FF2B5EF4-FFF2-40B4-BE49-F238E27FC236}">
-                  <a16:creationId xmlns:a16="http://schemas.microsoft.com/office/drawing/2014/main" id="{9F94D298-1A43-4678-98BE-DDBE318017EC}"/>
-                </a:ext>
-              </a:extLst>
-            </p:cNvPr>
-            <p:cNvSpPr txBox="1"/>
-            <p:nvPr/>
-          </p:nvSpPr>
-          <p:spPr>
-            <a:xfrm>
-              <a:off x="5864940" y="2413698"/>
-              <a:ext cx="1597079" cy="369332"/>
-            </a:xfrm>
-            <a:prstGeom prst="rect">
-              <a:avLst/>
-            </a:prstGeom>
-            <a:solidFill>
-              <a:schemeClr val="bg1"/>
-            </a:solidFill>
-          </p:spPr>
-          <p:txBody>
-            <a:bodyPr wrap="square" rtlCol="0">
-              <a:spAutoFit/>
-            </a:bodyPr>
-            <a:lstStyle/>
-            <a:p>
-              <a:r>
-                <a:rPr lang="ja-JP" altLang="en-US" dirty="0"/>
-                <a:t>目標頻度</a:t>
-              </a:r>
-              <a:endParaRPr lang="en-US" altLang="ja-JP" dirty="0"/>
-            </a:p>
-          </p:txBody>
-        </p:sp>
-        <p:sp>
-          <p:nvSpPr>
-            <p:cNvPr id="133" name="テキスト ボックス 132">
-              <a:extLst>
-                <a:ext uri="{FF2B5EF4-FFF2-40B4-BE49-F238E27FC236}">
-                  <a16:creationId xmlns:a16="http://schemas.microsoft.com/office/drawing/2014/main" id="{26CCE720-BFDF-4B19-9084-B05834009B32}"/>
-                </a:ext>
-              </a:extLst>
-            </p:cNvPr>
-            <p:cNvSpPr txBox="1"/>
-            <p:nvPr/>
-          </p:nvSpPr>
-          <p:spPr>
-            <a:xfrm>
-              <a:off x="3527324" y="2405746"/>
-              <a:ext cx="2151333" cy="369332"/>
-            </a:xfrm>
-            <a:prstGeom prst="rect">
-              <a:avLst/>
-            </a:prstGeom>
-            <a:solidFill>
-              <a:schemeClr val="bg1"/>
-            </a:solidFill>
-          </p:spPr>
-          <p:txBody>
-            <a:bodyPr wrap="square" rtlCol="0">
-              <a:spAutoFit/>
-            </a:bodyPr>
-            <a:lstStyle/>
-            <a:p>
-              <a:r>
-                <a:rPr lang="ja-JP" altLang="en-US" dirty="0"/>
-                <a:t>家事項目</a:t>
-              </a:r>
-              <a:endParaRPr lang="en-US" altLang="ja-JP" dirty="0"/>
-            </a:p>
-          </p:txBody>
-        </p:sp>
-        <p:sp>
-          <p:nvSpPr>
-            <p:cNvPr id="134" name="テキスト ボックス 133">
-              <a:extLst>
-                <a:ext uri="{FF2B5EF4-FFF2-40B4-BE49-F238E27FC236}">
-                  <a16:creationId xmlns:a16="http://schemas.microsoft.com/office/drawing/2014/main" id="{C4CFD68D-B154-40AF-9089-9D2463921DC9}"/>
-                </a:ext>
-              </a:extLst>
-            </p:cNvPr>
-            <p:cNvSpPr txBox="1"/>
-            <p:nvPr/>
-          </p:nvSpPr>
-          <p:spPr>
-            <a:xfrm>
-              <a:off x="7729330" y="2413698"/>
-              <a:ext cx="1597079" cy="369332"/>
-            </a:xfrm>
-            <a:prstGeom prst="rect">
-              <a:avLst/>
-            </a:prstGeom>
-            <a:solidFill>
-              <a:schemeClr val="bg1"/>
-            </a:solidFill>
-          </p:spPr>
-          <p:txBody>
-            <a:bodyPr wrap="square" rtlCol="0">
-              <a:spAutoFit/>
-            </a:bodyPr>
-            <a:lstStyle/>
-            <a:p>
-              <a:r>
-                <a:rPr lang="ja-JP" altLang="en-US" dirty="0"/>
-                <a:t>期限</a:t>
-              </a:r>
-              <a:endParaRPr lang="en-US" altLang="ja-JP" dirty="0"/>
-            </a:p>
-          </p:txBody>
-        </p:sp>
-        <p:pic>
-          <p:nvPicPr>
-            <p:cNvPr id="135" name="図 134">
-              <a:extLst>
-                <a:ext uri="{FF2B5EF4-FFF2-40B4-BE49-F238E27FC236}">
-                  <a16:creationId xmlns:a16="http://schemas.microsoft.com/office/drawing/2014/main" id="{CAEB2606-17F0-47DC-A8A4-38D64DBFBC4A}"/>
+                  <a16:creationId xmlns:a16="http://schemas.microsoft.com/office/drawing/2014/main" id="{2E7AFA5D-6A18-4BCF-A16E-FAF76917DC84}"/>
                 </a:ext>
               </a:extLst>
             </p:cNvPr>
@@ -19887,15 +20247,15 @@
             <p:nvPr/>
           </p:nvPicPr>
           <p:blipFill>
-            <a:blip r:embed="rId8"/>
+            <a:blip r:embed="rId10"/>
             <a:stretch>
               <a:fillRect/>
             </a:stretch>
           </p:blipFill>
           <p:spPr>
             <a:xfrm>
-              <a:off x="5228904" y="3179371"/>
-              <a:ext cx="266055" cy="266055"/>
+              <a:off x="10466199" y="5463638"/>
+              <a:ext cx="661482" cy="665489"/>
             </a:xfrm>
             <a:prstGeom prst="rect">
               <a:avLst/>
@@ -19904,10 +20264,10 @@
         </p:pic>
         <p:pic>
           <p:nvPicPr>
-            <p:cNvPr id="136" name="図 135">
+            <p:cNvPr id="74" name="図 73">
               <a:extLst>
                 <a:ext uri="{FF2B5EF4-FFF2-40B4-BE49-F238E27FC236}">
-                  <a16:creationId xmlns:a16="http://schemas.microsoft.com/office/drawing/2014/main" id="{E4DF5324-14D3-4A4C-BC47-BFBBDFD22A25}"/>
+                  <a16:creationId xmlns:a16="http://schemas.microsoft.com/office/drawing/2014/main" id="{31F69CCB-1C6F-4163-A3CA-348E113CFFCF}"/>
                 </a:ext>
               </a:extLst>
             </p:cNvPr>
@@ -19917,264 +20277,22 @@
             <p:nvPr/>
           </p:nvPicPr>
           <p:blipFill>
-            <a:blip r:embed="rId9"/>
+            <a:blip r:embed="rId11"/>
             <a:stretch>
               <a:fillRect/>
             </a:stretch>
           </p:blipFill>
           <p:spPr>
             <a:xfrm>
-              <a:off x="9619879" y="3167248"/>
-              <a:ext cx="266055" cy="266055"/>
+              <a:off x="9494397" y="5463638"/>
+              <a:ext cx="701828" cy="701828"/>
             </a:xfrm>
             <a:prstGeom prst="rect">
               <a:avLst/>
             </a:prstGeom>
           </p:spPr>
         </p:pic>
-        <p:sp>
-          <p:nvSpPr>
-            <p:cNvPr id="137" name="テキスト ボックス 136">
-              <a:extLst>
-                <a:ext uri="{FF2B5EF4-FFF2-40B4-BE49-F238E27FC236}">
-                  <a16:creationId xmlns:a16="http://schemas.microsoft.com/office/drawing/2014/main" id="{E7E1FCD8-B9F7-4B90-A48A-B278C81A9770}"/>
-                </a:ext>
-              </a:extLst>
-            </p:cNvPr>
-            <p:cNvSpPr txBox="1"/>
-            <p:nvPr/>
-          </p:nvSpPr>
-          <p:spPr>
-            <a:xfrm>
-              <a:off x="3527572" y="3597683"/>
-              <a:ext cx="2151333" cy="369332"/>
-            </a:xfrm>
-            <a:prstGeom prst="rect">
-              <a:avLst/>
-            </a:prstGeom>
-            <a:solidFill>
-              <a:schemeClr val="bg1"/>
-            </a:solidFill>
-          </p:spPr>
-          <p:txBody>
-            <a:bodyPr wrap="square" rtlCol="0">
-              <a:spAutoFit/>
-            </a:bodyPr>
-            <a:lstStyle/>
-            <a:p>
-              <a:r>
-                <a:rPr lang="ja-JP" altLang="en-US" dirty="0"/>
-                <a:t>トイレ掃除</a:t>
-              </a:r>
-              <a:endParaRPr lang="en-US" altLang="ja-JP" dirty="0"/>
-            </a:p>
-          </p:txBody>
-        </p:sp>
-        <p:sp>
-          <p:nvSpPr>
-            <p:cNvPr id="138" name="テキスト ボックス 137">
-              <a:extLst>
-                <a:ext uri="{FF2B5EF4-FFF2-40B4-BE49-F238E27FC236}">
-                  <a16:creationId xmlns:a16="http://schemas.microsoft.com/office/drawing/2014/main" id="{BCA714C3-13E6-4561-9004-1BF37FE070F1}"/>
-                </a:ext>
-              </a:extLst>
-            </p:cNvPr>
-            <p:cNvSpPr txBox="1"/>
-            <p:nvPr/>
-          </p:nvSpPr>
-          <p:spPr>
-            <a:xfrm>
-              <a:off x="5864941" y="3605115"/>
-              <a:ext cx="1597079" cy="369332"/>
-            </a:xfrm>
-            <a:prstGeom prst="rect">
-              <a:avLst/>
-            </a:prstGeom>
-            <a:solidFill>
-              <a:schemeClr val="bg1"/>
-            </a:solidFill>
-          </p:spPr>
-          <p:txBody>
-            <a:bodyPr wrap="square" rtlCol="0">
-              <a:spAutoFit/>
-            </a:bodyPr>
-            <a:lstStyle/>
-            <a:p>
-              <a:r>
-                <a:rPr lang="ja-JP" altLang="en-US" dirty="0"/>
-                <a:t>週一回</a:t>
-              </a:r>
-              <a:endParaRPr lang="en-US" altLang="ja-JP" dirty="0"/>
-            </a:p>
-          </p:txBody>
-        </p:sp>
-        <p:sp>
-          <p:nvSpPr>
-            <p:cNvPr id="139" name="テキスト ボックス 138">
-              <a:extLst>
-                <a:ext uri="{FF2B5EF4-FFF2-40B4-BE49-F238E27FC236}">
-                  <a16:creationId xmlns:a16="http://schemas.microsoft.com/office/drawing/2014/main" id="{BA947994-1540-4F95-9EA4-401785201D3D}"/>
-                </a:ext>
-              </a:extLst>
-            </p:cNvPr>
-            <p:cNvSpPr txBox="1"/>
-            <p:nvPr/>
-          </p:nvSpPr>
-          <p:spPr>
-            <a:xfrm>
-              <a:off x="7753656" y="3587054"/>
-              <a:ext cx="1597079" cy="369332"/>
-            </a:xfrm>
-            <a:prstGeom prst="rect">
-              <a:avLst/>
-            </a:prstGeom>
-            <a:solidFill>
-              <a:schemeClr val="bg1"/>
-            </a:solidFill>
-          </p:spPr>
-          <p:txBody>
-            <a:bodyPr wrap="square" rtlCol="0">
-              <a:spAutoFit/>
-            </a:bodyPr>
-            <a:lstStyle/>
-            <a:p>
-              <a:r>
-                <a:rPr lang="ja-JP" altLang="en-US" dirty="0"/>
-                <a:t>あと７日</a:t>
-              </a:r>
-              <a:endParaRPr lang="en-US" altLang="ja-JP" dirty="0"/>
-            </a:p>
-          </p:txBody>
-        </p:sp>
-        <p:pic>
-          <p:nvPicPr>
-            <p:cNvPr id="140" name="図 139">
-              <a:extLst>
-                <a:ext uri="{FF2B5EF4-FFF2-40B4-BE49-F238E27FC236}">
-                  <a16:creationId xmlns:a16="http://schemas.microsoft.com/office/drawing/2014/main" id="{8D165842-6289-49CB-B675-484945891F88}"/>
-                </a:ext>
-              </a:extLst>
-            </p:cNvPr>
-            <p:cNvPicPr>
-              <a:picLocks noChangeAspect="1"/>
-            </p:cNvPicPr>
-            <p:nvPr/>
-          </p:nvPicPr>
-          <p:blipFill>
-            <a:blip r:embed="rId9"/>
-            <a:stretch>
-              <a:fillRect/>
-            </a:stretch>
-          </p:blipFill>
-          <p:spPr>
-            <a:xfrm>
-              <a:off x="9619878" y="3638692"/>
-              <a:ext cx="266055" cy="266055"/>
-            </a:xfrm>
-            <a:prstGeom prst="rect">
-              <a:avLst/>
-            </a:prstGeom>
-          </p:spPr>
-        </p:pic>
-        <p:pic>
-          <p:nvPicPr>
-            <p:cNvPr id="141" name="図 140">
-              <a:extLst>
-                <a:ext uri="{FF2B5EF4-FFF2-40B4-BE49-F238E27FC236}">
-                  <a16:creationId xmlns:a16="http://schemas.microsoft.com/office/drawing/2014/main" id="{C0D3430F-C5F9-4BD4-A4BB-1A6DC107BE12}"/>
-                </a:ext>
-              </a:extLst>
-            </p:cNvPr>
-            <p:cNvPicPr>
-              <a:picLocks noChangeAspect="1"/>
-            </p:cNvPicPr>
-            <p:nvPr/>
-          </p:nvPicPr>
-          <p:blipFill>
-            <a:blip r:embed="rId8"/>
-            <a:stretch>
-              <a:fillRect/>
-            </a:stretch>
-          </p:blipFill>
-          <p:spPr>
-            <a:xfrm>
-              <a:off x="5228904" y="3666216"/>
-              <a:ext cx="266055" cy="266055"/>
-            </a:xfrm>
-            <a:prstGeom prst="rect">
-              <a:avLst/>
-            </a:prstGeom>
-          </p:spPr>
-        </p:pic>
-        <p:sp>
-          <p:nvSpPr>
-            <p:cNvPr id="142" name="テキスト ボックス 141">
-              <a:extLst>
-                <a:ext uri="{FF2B5EF4-FFF2-40B4-BE49-F238E27FC236}">
-                  <a16:creationId xmlns:a16="http://schemas.microsoft.com/office/drawing/2014/main" id="{B91387EC-B516-44C5-A6AE-D2F03C310AD5}"/>
-                </a:ext>
-              </a:extLst>
-            </p:cNvPr>
-            <p:cNvSpPr txBox="1"/>
-            <p:nvPr/>
-          </p:nvSpPr>
-          <p:spPr>
-            <a:xfrm>
-              <a:off x="9429778" y="2424651"/>
-              <a:ext cx="646253" cy="369332"/>
-            </a:xfrm>
-            <a:prstGeom prst="rect">
-              <a:avLst/>
-            </a:prstGeom>
-            <a:solidFill>
-              <a:schemeClr val="bg1"/>
-            </a:solidFill>
-          </p:spPr>
-          <p:txBody>
-            <a:bodyPr wrap="square" rtlCol="0">
-              <a:spAutoFit/>
-            </a:bodyPr>
-            <a:lstStyle/>
-            <a:p>
-              <a:r>
-                <a:rPr lang="ja-JP" altLang="en-US" dirty="0"/>
-                <a:t>完了</a:t>
-              </a:r>
-              <a:endParaRPr lang="en-US" altLang="ja-JP" dirty="0"/>
-            </a:p>
-          </p:txBody>
-        </p:sp>
       </p:grpSp>
-      <p:pic>
-        <p:nvPicPr>
-          <p:cNvPr id="125" name="図 124">
-            <a:extLst>
-              <a:ext uri="{FF2B5EF4-FFF2-40B4-BE49-F238E27FC236}">
-                <a16:creationId xmlns:a16="http://schemas.microsoft.com/office/drawing/2014/main" id="{2E7AFA5D-6A18-4BCF-A16E-FAF76917DC84}"/>
-              </a:ext>
-            </a:extLst>
-          </p:cNvPr>
-          <p:cNvPicPr>
-            <a:picLocks noChangeAspect="1"/>
-          </p:cNvPicPr>
-          <p:nvPr/>
-        </p:nvPicPr>
-        <p:blipFill>
-          <a:blip r:embed="rId10"/>
-          <a:stretch>
-            <a:fillRect/>
-          </a:stretch>
-        </p:blipFill>
-        <p:spPr>
-          <a:xfrm>
-            <a:off x="10466199" y="5463638"/>
-            <a:ext cx="661482" cy="665489"/>
-          </a:xfrm>
-          <a:prstGeom prst="rect">
-            <a:avLst/>
-          </a:prstGeom>
-        </p:spPr>
-      </p:pic>
     </p:spTree>
     <p:extLst>
       <p:ext uri="{BB962C8B-B14F-4D97-AF65-F5344CB8AC3E}">
@@ -35113,9 +35231,9 @@
         <p:grpSpPr>
           <a:xfrm>
             <a:off x="203692" y="65310"/>
-            <a:ext cx="11696412" cy="1132996"/>
+            <a:ext cx="11696412" cy="1200551"/>
             <a:chOff x="203692" y="65310"/>
-            <a:chExt cx="11696412" cy="1132996"/>
+            <a:chExt cx="11696412" cy="1200551"/>
           </a:xfrm>
         </p:grpSpPr>
         <p:sp>
@@ -35528,10 +35646,10 @@
           </p:nvGrpSpPr>
           <p:grpSpPr>
             <a:xfrm>
-              <a:off x="326713" y="123443"/>
-              <a:ext cx="2711809" cy="837216"/>
-              <a:chOff x="326713" y="123443"/>
-              <a:chExt cx="2711809" cy="837216"/>
+              <a:off x="322950" y="125838"/>
+              <a:ext cx="2710225" cy="1140023"/>
+              <a:chOff x="322950" y="125838"/>
+              <a:chExt cx="2710225" cy="1140023"/>
             </a:xfrm>
           </p:grpSpPr>
           <p:pic>
@@ -35556,8 +35674,8 @@
             </p:blipFill>
             <p:spPr>
               <a:xfrm>
-                <a:off x="326713" y="123443"/>
-                <a:ext cx="297303" cy="297303"/>
+                <a:off x="1149242" y="125838"/>
+                <a:ext cx="966603" cy="966603"/>
               </a:xfrm>
               <a:prstGeom prst="rect">
                 <a:avLst/>
@@ -35578,7 +35696,7 @@
             </p:nvSpPr>
             <p:spPr>
               <a:xfrm>
-                <a:off x="328297" y="478879"/>
+                <a:off x="322950" y="784081"/>
                 <a:ext cx="2710225" cy="481780"/>
               </a:xfrm>
               <a:prstGeom prst="roundRect">
@@ -38472,9 +38590,9 @@
         </p:nvGrpSpPr>
         <p:grpSpPr>
           <a:xfrm>
-            <a:off x="202651" y="63909"/>
+            <a:off x="192455" y="59938"/>
             <a:ext cx="11697452" cy="6592529"/>
-            <a:chOff x="281958" y="132735"/>
+            <a:chOff x="272854" y="202336"/>
             <a:chExt cx="10445035" cy="6592529"/>
           </a:xfrm>
         </p:grpSpPr>
@@ -38492,7 +38610,7 @@
           </p:nvSpPr>
           <p:spPr>
             <a:xfrm>
-              <a:off x="281958" y="132735"/>
+              <a:off x="272854" y="202336"/>
               <a:ext cx="10445035" cy="6592529"/>
             </a:xfrm>
             <a:prstGeom prst="rect">
@@ -38660,7 +38778,7 @@
                 </p:nvSpPr>
                 <p:spPr>
                   <a:xfrm>
-                    <a:off x="5099804" y="3622405"/>
+                    <a:off x="5017258" y="3667362"/>
                     <a:ext cx="964922" cy="323569"/>
                   </a:xfrm>
                   <a:prstGeom prst="roundRect">
@@ -39171,9 +39289,9 @@
         <p:grpSpPr>
           <a:xfrm>
             <a:off x="6549789" y="3377139"/>
-            <a:ext cx="3076253" cy="862785"/>
+            <a:ext cx="3076253" cy="789213"/>
             <a:chOff x="6549789" y="3377139"/>
-            <a:chExt cx="3076253" cy="862785"/>
+            <a:chExt cx="3076253" cy="789213"/>
           </a:xfrm>
         </p:grpSpPr>
         <p:cxnSp>
@@ -39192,7 +39310,7 @@
           </p:nvCxnSpPr>
           <p:spPr>
             <a:xfrm flipV="1">
-              <a:off x="6549789" y="3689131"/>
+              <a:off x="6549789" y="3615559"/>
               <a:ext cx="1335787" cy="550793"/>
             </a:xfrm>
             <a:prstGeom prst="line">
